--- a/Pflichtenheft/Pflichtenheft Präsentation.pptx
+++ b/Pflichtenheft/Pflichtenheft Präsentation.pptx
@@ -5,12 +5,18 @@
     <p:sldMasterId id="2147483756" r:id="rId1"/>
   </p:sldMasterIdLst>
   <p:notesMasterIdLst>
-    <p:notesMasterId r:id="rId5"/>
+    <p:notesMasterId r:id="rId11"/>
   </p:notesMasterIdLst>
   <p:sldIdLst>
     <p:sldId id="256" r:id="rId2"/>
     <p:sldId id="257" r:id="rId3"/>
     <p:sldId id="258" r:id="rId4"/>
+    <p:sldId id="259" r:id="rId5"/>
+    <p:sldId id="260" r:id="rId6"/>
+    <p:sldId id="262" r:id="rId7"/>
+    <p:sldId id="261" r:id="rId8"/>
+    <p:sldId id="263" r:id="rId9"/>
+    <p:sldId id="264" r:id="rId10"/>
   </p:sldIdLst>
   <p:sldSz cx="9144000" cy="6858000" type="screen4x3"/>
   <p:notesSz cx="6858000" cy="9144000"/>
@@ -3819,6 +3825,731 @@
       </p:par>
     </p:tnLst>
   </p:timing>
+</p:sld>
+</file>
+
+<file path=ppt/slides/slide4.xml><?xml version="1.0" encoding="utf-8"?>
+<p:sld xmlns:a="http://schemas.openxmlformats.org/drawingml/2006/main" xmlns:r="http://schemas.openxmlformats.org/officeDocument/2006/relationships" xmlns:p="http://schemas.openxmlformats.org/presentationml/2006/main">
+  <p:cSld>
+    <p:spTree>
+      <p:nvGrpSpPr>
+        <p:cNvPr id="1" name=""/>
+        <p:cNvGrpSpPr/>
+        <p:nvPr/>
+      </p:nvGrpSpPr>
+      <p:grpSpPr>
+        <a:xfrm>
+          <a:off x="0" y="0"/>
+          <a:ext cx="0" cy="0"/>
+          <a:chOff x="0" y="0"/>
+          <a:chExt cx="0" cy="0"/>
+        </a:xfrm>
+      </p:grpSpPr>
+      <p:sp>
+        <p:nvSpPr>
+          <p:cNvPr id="2" name="Title 1"/>
+          <p:cNvSpPr>
+            <a:spLocks noGrp="1"/>
+          </p:cNvSpPr>
+          <p:nvPr>
+            <p:ph type="title"/>
+          </p:nvPr>
+        </p:nvSpPr>
+        <p:spPr/>
+        <p:txBody>
+          <a:bodyPr/>
+          <a:lstStyle/>
+          <a:p>
+            <a:r>
+              <a:rPr lang="de-DE" dirty="0" smtClean="0"/>
+              <a:t>Gui Übersicht</a:t>
+            </a:r>
+            <a:endParaRPr lang="de-DE" dirty="0"/>
+          </a:p>
+        </p:txBody>
+      </p:sp>
+      <p:pic>
+        <p:nvPicPr>
+          <p:cNvPr id="7" name="Content Placeholder 6"/>
+          <p:cNvPicPr>
+            <a:picLocks noGrp="1" noChangeAspect="1"/>
+          </p:cNvPicPr>
+          <p:nvPr>
+            <p:ph idx="1"/>
+          </p:nvPr>
+        </p:nvPicPr>
+        <p:blipFill>
+          <a:blip r:embed="rId2">
+            <a:extLst>
+              <a:ext uri="{28A0092B-C50C-407E-A947-70E740481C1C}">
+                <a14:useLocalDpi xmlns:a14="http://schemas.microsoft.com/office/drawing/2010/main" val="0"/>
+              </a:ext>
+            </a:extLst>
+          </a:blip>
+          <a:stretch>
+            <a:fillRect/>
+          </a:stretch>
+        </p:blipFill>
+        <p:spPr>
+          <a:xfrm>
+            <a:off x="548922" y="1600200"/>
+            <a:ext cx="8046156" cy="4525963"/>
+          </a:xfrm>
+        </p:spPr>
+      </p:pic>
+    </p:spTree>
+    <p:extLst>
+      <p:ext uri="{BB962C8B-B14F-4D97-AF65-F5344CB8AC3E}">
+        <p14:creationId xmlns:p14="http://schemas.microsoft.com/office/powerpoint/2010/main" val="2853857606"/>
+      </p:ext>
+    </p:extLst>
+  </p:cSld>
+  <p:clrMapOvr>
+    <a:masterClrMapping/>
+  </p:clrMapOvr>
+</p:sld>
+</file>
+
+<file path=ppt/slides/slide5.xml><?xml version="1.0" encoding="utf-8"?>
+<p:sld xmlns:a="http://schemas.openxmlformats.org/drawingml/2006/main" xmlns:r="http://schemas.openxmlformats.org/officeDocument/2006/relationships" xmlns:p="http://schemas.openxmlformats.org/presentationml/2006/main">
+  <p:cSld>
+    <p:spTree>
+      <p:nvGrpSpPr>
+        <p:cNvPr id="1" name=""/>
+        <p:cNvGrpSpPr/>
+        <p:nvPr/>
+      </p:nvGrpSpPr>
+      <p:grpSpPr>
+        <a:xfrm>
+          <a:off x="0" y="0"/>
+          <a:ext cx="0" cy="0"/>
+          <a:chOff x="0" y="0"/>
+          <a:chExt cx="0" cy="0"/>
+        </a:xfrm>
+      </p:grpSpPr>
+      <p:sp>
+        <p:nvSpPr>
+          <p:cNvPr id="2" name="Title 1"/>
+          <p:cNvSpPr>
+            <a:spLocks noGrp="1"/>
+          </p:cNvSpPr>
+          <p:nvPr>
+            <p:ph type="title"/>
+          </p:nvPr>
+        </p:nvSpPr>
+        <p:spPr/>
+        <p:txBody>
+          <a:bodyPr/>
+          <a:lstStyle/>
+          <a:p>
+            <a:r>
+              <a:rPr lang="de-DE" dirty="0" smtClean="0"/>
+              <a:t>Gui Übersicht</a:t>
+            </a:r>
+            <a:endParaRPr lang="de-DE" dirty="0"/>
+          </a:p>
+        </p:txBody>
+      </p:sp>
+      <p:pic>
+        <p:nvPicPr>
+          <p:cNvPr id="7" name="Content Placeholder 6"/>
+          <p:cNvPicPr>
+            <a:picLocks noGrp="1" noChangeAspect="1"/>
+          </p:cNvPicPr>
+          <p:nvPr>
+            <p:ph idx="1"/>
+          </p:nvPr>
+        </p:nvPicPr>
+        <p:blipFill>
+          <a:blip r:embed="rId2">
+            <a:extLst>
+              <a:ext uri="{28A0092B-C50C-407E-A947-70E740481C1C}">
+                <a14:useLocalDpi xmlns:a14="http://schemas.microsoft.com/office/drawing/2010/main" val="0"/>
+              </a:ext>
+            </a:extLst>
+          </a:blip>
+          <a:stretch>
+            <a:fillRect/>
+          </a:stretch>
+        </p:blipFill>
+        <p:spPr>
+          <a:xfrm>
+            <a:off x="548922" y="1600200"/>
+            <a:ext cx="8046156" cy="4525963"/>
+          </a:xfrm>
+        </p:spPr>
+      </p:pic>
+      <p:sp>
+        <p:nvSpPr>
+          <p:cNvPr id="3" name="Rectangle 2"/>
+          <p:cNvSpPr/>
+          <p:nvPr/>
+        </p:nvSpPr>
+        <p:spPr>
+          <a:xfrm>
+            <a:off x="611560" y="2420888"/>
+            <a:ext cx="2304256" cy="1026000"/>
+          </a:xfrm>
+          <a:prstGeom prst="rect">
+            <a:avLst/>
+          </a:prstGeom>
+          <a:noFill/>
+          <a:ln>
+            <a:solidFill>
+              <a:srgbClr val="FF0000"/>
+            </a:solidFill>
+          </a:ln>
+        </p:spPr>
+        <p:style>
+          <a:lnRef idx="2">
+            <a:schemeClr val="accent1">
+              <a:shade val="50000"/>
+            </a:schemeClr>
+          </a:lnRef>
+          <a:fillRef idx="1">
+            <a:schemeClr val="accent1"/>
+          </a:fillRef>
+          <a:effectRef idx="0">
+            <a:schemeClr val="accent1"/>
+          </a:effectRef>
+          <a:fontRef idx="minor">
+            <a:schemeClr val="lt1"/>
+          </a:fontRef>
+        </p:style>
+        <p:txBody>
+          <a:bodyPr rtlCol="0" anchor="ctr"/>
+          <a:lstStyle/>
+          <a:p>
+            <a:pPr algn="ctr"/>
+            <a:endParaRPr lang="de-DE"/>
+          </a:p>
+        </p:txBody>
+      </p:sp>
+    </p:spTree>
+    <p:extLst>
+      <p:ext uri="{BB962C8B-B14F-4D97-AF65-F5344CB8AC3E}">
+        <p14:creationId xmlns:p14="http://schemas.microsoft.com/office/powerpoint/2010/main" val="653418115"/>
+      </p:ext>
+    </p:extLst>
+  </p:cSld>
+  <p:clrMapOvr>
+    <a:masterClrMapping/>
+  </p:clrMapOvr>
+</p:sld>
+</file>
+
+<file path=ppt/slides/slide6.xml><?xml version="1.0" encoding="utf-8"?>
+<p:sld xmlns:a="http://schemas.openxmlformats.org/drawingml/2006/main" xmlns:r="http://schemas.openxmlformats.org/officeDocument/2006/relationships" xmlns:p="http://schemas.openxmlformats.org/presentationml/2006/main">
+  <p:cSld>
+    <p:spTree>
+      <p:nvGrpSpPr>
+        <p:cNvPr id="1" name=""/>
+        <p:cNvGrpSpPr/>
+        <p:nvPr/>
+      </p:nvGrpSpPr>
+      <p:grpSpPr>
+        <a:xfrm>
+          <a:off x="0" y="0"/>
+          <a:ext cx="0" cy="0"/>
+          <a:chOff x="0" y="0"/>
+          <a:chExt cx="0" cy="0"/>
+        </a:xfrm>
+      </p:grpSpPr>
+      <p:sp>
+        <p:nvSpPr>
+          <p:cNvPr id="2" name="Title 1"/>
+          <p:cNvSpPr>
+            <a:spLocks noGrp="1"/>
+          </p:cNvSpPr>
+          <p:nvPr>
+            <p:ph type="title"/>
+          </p:nvPr>
+        </p:nvSpPr>
+        <p:spPr/>
+        <p:txBody>
+          <a:bodyPr/>
+          <a:lstStyle/>
+          <a:p>
+            <a:r>
+              <a:rPr lang="de-DE" dirty="0" smtClean="0"/>
+              <a:t>Gui Übersicht</a:t>
+            </a:r>
+            <a:endParaRPr lang="de-DE" dirty="0"/>
+          </a:p>
+        </p:txBody>
+      </p:sp>
+      <p:pic>
+        <p:nvPicPr>
+          <p:cNvPr id="7" name="Content Placeholder 6"/>
+          <p:cNvPicPr>
+            <a:picLocks noGrp="1" noChangeAspect="1"/>
+          </p:cNvPicPr>
+          <p:nvPr>
+            <p:ph idx="1"/>
+          </p:nvPr>
+        </p:nvPicPr>
+        <p:blipFill>
+          <a:blip r:embed="rId2">
+            <a:extLst>
+              <a:ext uri="{28A0092B-C50C-407E-A947-70E740481C1C}">
+                <a14:useLocalDpi xmlns:a14="http://schemas.microsoft.com/office/drawing/2010/main" val="0"/>
+              </a:ext>
+            </a:extLst>
+          </a:blip>
+          <a:stretch>
+            <a:fillRect/>
+          </a:stretch>
+        </p:blipFill>
+        <p:spPr>
+          <a:xfrm>
+            <a:off x="548922" y="1600200"/>
+            <a:ext cx="8046156" cy="4525963"/>
+          </a:xfrm>
+        </p:spPr>
+      </p:pic>
+      <p:sp>
+        <p:nvSpPr>
+          <p:cNvPr id="3" name="Rectangle 2"/>
+          <p:cNvSpPr/>
+          <p:nvPr/>
+        </p:nvSpPr>
+        <p:spPr>
+          <a:xfrm>
+            <a:off x="567061" y="3637990"/>
+            <a:ext cx="2376264" cy="2448272"/>
+          </a:xfrm>
+          <a:prstGeom prst="rect">
+            <a:avLst/>
+          </a:prstGeom>
+          <a:noFill/>
+          <a:ln>
+            <a:solidFill>
+              <a:srgbClr val="FF0000"/>
+            </a:solidFill>
+          </a:ln>
+        </p:spPr>
+        <p:style>
+          <a:lnRef idx="2">
+            <a:schemeClr val="accent1">
+              <a:shade val="50000"/>
+            </a:schemeClr>
+          </a:lnRef>
+          <a:fillRef idx="1">
+            <a:schemeClr val="accent1"/>
+          </a:fillRef>
+          <a:effectRef idx="0">
+            <a:schemeClr val="accent1"/>
+          </a:effectRef>
+          <a:fontRef idx="minor">
+            <a:schemeClr val="lt1"/>
+          </a:fontRef>
+        </p:style>
+        <p:txBody>
+          <a:bodyPr rtlCol="0" anchor="ctr"/>
+          <a:lstStyle/>
+          <a:p>
+            <a:pPr algn="ctr"/>
+            <a:endParaRPr lang="de-DE"/>
+          </a:p>
+        </p:txBody>
+      </p:sp>
+    </p:spTree>
+    <p:extLst>
+      <p:ext uri="{BB962C8B-B14F-4D97-AF65-F5344CB8AC3E}">
+        <p14:creationId xmlns:p14="http://schemas.microsoft.com/office/powerpoint/2010/main" val="3575356842"/>
+      </p:ext>
+    </p:extLst>
+  </p:cSld>
+  <p:clrMapOvr>
+    <a:masterClrMapping/>
+  </p:clrMapOvr>
+</p:sld>
+</file>
+
+<file path=ppt/slides/slide7.xml><?xml version="1.0" encoding="utf-8"?>
+<p:sld xmlns:a="http://schemas.openxmlformats.org/drawingml/2006/main" xmlns:r="http://schemas.openxmlformats.org/officeDocument/2006/relationships" xmlns:p="http://schemas.openxmlformats.org/presentationml/2006/main">
+  <p:cSld>
+    <p:spTree>
+      <p:nvGrpSpPr>
+        <p:cNvPr id="1" name=""/>
+        <p:cNvGrpSpPr/>
+        <p:nvPr/>
+      </p:nvGrpSpPr>
+      <p:grpSpPr>
+        <a:xfrm>
+          <a:off x="0" y="0"/>
+          <a:ext cx="0" cy="0"/>
+          <a:chOff x="0" y="0"/>
+          <a:chExt cx="0" cy="0"/>
+        </a:xfrm>
+      </p:grpSpPr>
+      <p:sp>
+        <p:nvSpPr>
+          <p:cNvPr id="2" name="Title 1"/>
+          <p:cNvSpPr>
+            <a:spLocks noGrp="1"/>
+          </p:cNvSpPr>
+          <p:nvPr>
+            <p:ph type="title"/>
+          </p:nvPr>
+        </p:nvSpPr>
+        <p:spPr/>
+        <p:txBody>
+          <a:bodyPr/>
+          <a:lstStyle/>
+          <a:p>
+            <a:r>
+              <a:rPr lang="de-DE" dirty="0" smtClean="0"/>
+              <a:t>Gui Übersicht</a:t>
+            </a:r>
+            <a:endParaRPr lang="de-DE" dirty="0"/>
+          </a:p>
+        </p:txBody>
+      </p:sp>
+      <p:pic>
+        <p:nvPicPr>
+          <p:cNvPr id="7" name="Content Placeholder 6"/>
+          <p:cNvPicPr>
+            <a:picLocks noGrp="1" noChangeAspect="1"/>
+          </p:cNvPicPr>
+          <p:nvPr>
+            <p:ph idx="1"/>
+          </p:nvPr>
+        </p:nvPicPr>
+        <p:blipFill>
+          <a:blip r:embed="rId2">
+            <a:extLst>
+              <a:ext uri="{28A0092B-C50C-407E-A947-70E740481C1C}">
+                <a14:useLocalDpi xmlns:a14="http://schemas.microsoft.com/office/drawing/2010/main" val="0"/>
+              </a:ext>
+            </a:extLst>
+          </a:blip>
+          <a:stretch>
+            <a:fillRect/>
+          </a:stretch>
+        </p:blipFill>
+        <p:spPr>
+          <a:xfrm>
+            <a:off x="548922" y="1600200"/>
+            <a:ext cx="8046156" cy="4525963"/>
+          </a:xfrm>
+        </p:spPr>
+      </p:pic>
+      <p:sp>
+        <p:nvSpPr>
+          <p:cNvPr id="3" name="Rectangle 2"/>
+          <p:cNvSpPr/>
+          <p:nvPr/>
+        </p:nvSpPr>
+        <p:spPr>
+          <a:xfrm>
+            <a:off x="2934885" y="2348881"/>
+            <a:ext cx="3149283" cy="1152128"/>
+          </a:xfrm>
+          <a:prstGeom prst="rect">
+            <a:avLst/>
+          </a:prstGeom>
+          <a:noFill/>
+          <a:ln>
+            <a:solidFill>
+              <a:srgbClr val="FF0000"/>
+            </a:solidFill>
+          </a:ln>
+        </p:spPr>
+        <p:style>
+          <a:lnRef idx="2">
+            <a:schemeClr val="accent1">
+              <a:shade val="50000"/>
+            </a:schemeClr>
+          </a:lnRef>
+          <a:fillRef idx="1">
+            <a:schemeClr val="accent1"/>
+          </a:fillRef>
+          <a:effectRef idx="0">
+            <a:schemeClr val="accent1"/>
+          </a:effectRef>
+          <a:fontRef idx="minor">
+            <a:schemeClr val="lt1"/>
+          </a:fontRef>
+        </p:style>
+        <p:txBody>
+          <a:bodyPr rtlCol="0" anchor="ctr"/>
+          <a:lstStyle/>
+          <a:p>
+            <a:pPr algn="ctr"/>
+            <a:endParaRPr lang="de-DE"/>
+          </a:p>
+        </p:txBody>
+      </p:sp>
+    </p:spTree>
+    <p:extLst>
+      <p:ext uri="{BB962C8B-B14F-4D97-AF65-F5344CB8AC3E}">
+        <p14:creationId xmlns:p14="http://schemas.microsoft.com/office/powerpoint/2010/main" val="890993609"/>
+      </p:ext>
+    </p:extLst>
+  </p:cSld>
+  <p:clrMapOvr>
+    <a:masterClrMapping/>
+  </p:clrMapOvr>
+</p:sld>
+</file>
+
+<file path=ppt/slides/slide8.xml><?xml version="1.0" encoding="utf-8"?>
+<p:sld xmlns:a="http://schemas.openxmlformats.org/drawingml/2006/main" xmlns:r="http://schemas.openxmlformats.org/officeDocument/2006/relationships" xmlns:p="http://schemas.openxmlformats.org/presentationml/2006/main">
+  <p:cSld>
+    <p:spTree>
+      <p:nvGrpSpPr>
+        <p:cNvPr id="1" name=""/>
+        <p:cNvGrpSpPr/>
+        <p:nvPr/>
+      </p:nvGrpSpPr>
+      <p:grpSpPr>
+        <a:xfrm>
+          <a:off x="0" y="0"/>
+          <a:ext cx="0" cy="0"/>
+          <a:chOff x="0" y="0"/>
+          <a:chExt cx="0" cy="0"/>
+        </a:xfrm>
+      </p:grpSpPr>
+      <p:sp>
+        <p:nvSpPr>
+          <p:cNvPr id="2" name="Title 1"/>
+          <p:cNvSpPr>
+            <a:spLocks noGrp="1"/>
+          </p:cNvSpPr>
+          <p:nvPr>
+            <p:ph type="title"/>
+          </p:nvPr>
+        </p:nvSpPr>
+        <p:spPr/>
+        <p:txBody>
+          <a:bodyPr/>
+          <a:lstStyle/>
+          <a:p>
+            <a:r>
+              <a:rPr lang="de-DE" dirty="0" smtClean="0"/>
+              <a:t>Gui Übersicht</a:t>
+            </a:r>
+            <a:endParaRPr lang="de-DE" dirty="0"/>
+          </a:p>
+        </p:txBody>
+      </p:sp>
+      <p:pic>
+        <p:nvPicPr>
+          <p:cNvPr id="7" name="Content Placeholder 6"/>
+          <p:cNvPicPr>
+            <a:picLocks noGrp="1" noChangeAspect="1"/>
+          </p:cNvPicPr>
+          <p:nvPr>
+            <p:ph idx="1"/>
+          </p:nvPr>
+        </p:nvPicPr>
+        <p:blipFill>
+          <a:blip r:embed="rId2">
+            <a:extLst>
+              <a:ext uri="{28A0092B-C50C-407E-A947-70E740481C1C}">
+                <a14:useLocalDpi xmlns:a14="http://schemas.microsoft.com/office/drawing/2010/main" val="0"/>
+              </a:ext>
+            </a:extLst>
+          </a:blip>
+          <a:stretch>
+            <a:fillRect/>
+          </a:stretch>
+        </p:blipFill>
+        <p:spPr>
+          <a:xfrm>
+            <a:off x="548922" y="1600200"/>
+            <a:ext cx="8046156" cy="4525963"/>
+          </a:xfrm>
+          <a:ln>
+            <a:noFill/>
+          </a:ln>
+        </p:spPr>
+      </p:pic>
+      <p:sp>
+        <p:nvSpPr>
+          <p:cNvPr id="3" name="Rectangle 2"/>
+          <p:cNvSpPr/>
+          <p:nvPr/>
+        </p:nvSpPr>
+        <p:spPr>
+          <a:xfrm>
+            <a:off x="6084168" y="2564904"/>
+            <a:ext cx="2520280" cy="1368152"/>
+          </a:xfrm>
+          <a:prstGeom prst="rect">
+            <a:avLst/>
+          </a:prstGeom>
+          <a:noFill/>
+          <a:ln>
+            <a:solidFill>
+              <a:srgbClr val="FF0000"/>
+            </a:solidFill>
+          </a:ln>
+        </p:spPr>
+        <p:style>
+          <a:lnRef idx="2">
+            <a:schemeClr val="accent1">
+              <a:shade val="50000"/>
+            </a:schemeClr>
+          </a:lnRef>
+          <a:fillRef idx="1">
+            <a:schemeClr val="accent1"/>
+          </a:fillRef>
+          <a:effectRef idx="0">
+            <a:schemeClr val="accent1"/>
+          </a:effectRef>
+          <a:fontRef idx="minor">
+            <a:schemeClr val="lt1"/>
+          </a:fontRef>
+        </p:style>
+        <p:txBody>
+          <a:bodyPr rtlCol="0" anchor="ctr"/>
+          <a:lstStyle/>
+          <a:p>
+            <a:pPr algn="ctr"/>
+            <a:endParaRPr lang="de-DE"/>
+          </a:p>
+        </p:txBody>
+      </p:sp>
+    </p:spTree>
+    <p:extLst>
+      <p:ext uri="{BB962C8B-B14F-4D97-AF65-F5344CB8AC3E}">
+        <p14:creationId xmlns:p14="http://schemas.microsoft.com/office/powerpoint/2010/main" val="2071517096"/>
+      </p:ext>
+    </p:extLst>
+  </p:cSld>
+  <p:clrMapOvr>
+    <a:masterClrMapping/>
+  </p:clrMapOvr>
+</p:sld>
+</file>
+
+<file path=ppt/slides/slide9.xml><?xml version="1.0" encoding="utf-8"?>
+<p:sld xmlns:a="http://schemas.openxmlformats.org/drawingml/2006/main" xmlns:r="http://schemas.openxmlformats.org/officeDocument/2006/relationships" xmlns:p="http://schemas.openxmlformats.org/presentationml/2006/main">
+  <p:cSld>
+    <p:spTree>
+      <p:nvGrpSpPr>
+        <p:cNvPr id="1" name=""/>
+        <p:cNvGrpSpPr/>
+        <p:nvPr/>
+      </p:nvGrpSpPr>
+      <p:grpSpPr>
+        <a:xfrm>
+          <a:off x="0" y="0"/>
+          <a:ext cx="0" cy="0"/>
+          <a:chOff x="0" y="0"/>
+          <a:chExt cx="0" cy="0"/>
+        </a:xfrm>
+      </p:grpSpPr>
+      <p:sp>
+        <p:nvSpPr>
+          <p:cNvPr id="2" name="Title 1"/>
+          <p:cNvSpPr>
+            <a:spLocks noGrp="1"/>
+          </p:cNvSpPr>
+          <p:nvPr>
+            <p:ph type="title"/>
+          </p:nvPr>
+        </p:nvSpPr>
+        <p:spPr/>
+        <p:txBody>
+          <a:bodyPr/>
+          <a:lstStyle/>
+          <a:p>
+            <a:r>
+              <a:rPr lang="de-DE" dirty="0" smtClean="0"/>
+              <a:t>Gui Übersicht</a:t>
+            </a:r>
+            <a:endParaRPr lang="de-DE" dirty="0"/>
+          </a:p>
+        </p:txBody>
+      </p:sp>
+      <p:pic>
+        <p:nvPicPr>
+          <p:cNvPr id="7" name="Content Placeholder 6"/>
+          <p:cNvPicPr>
+            <a:picLocks noGrp="1" noChangeAspect="1"/>
+          </p:cNvPicPr>
+          <p:nvPr>
+            <p:ph idx="1"/>
+          </p:nvPr>
+        </p:nvPicPr>
+        <p:blipFill>
+          <a:blip r:embed="rId2">
+            <a:extLst>
+              <a:ext uri="{28A0092B-C50C-407E-A947-70E740481C1C}">
+                <a14:useLocalDpi xmlns:a14="http://schemas.microsoft.com/office/drawing/2010/main" val="0"/>
+              </a:ext>
+            </a:extLst>
+          </a:blip>
+          <a:stretch>
+            <a:fillRect/>
+          </a:stretch>
+        </p:blipFill>
+        <p:spPr>
+          <a:xfrm>
+            <a:off x="548922" y="1600200"/>
+            <a:ext cx="8046156" cy="4525963"/>
+          </a:xfrm>
+        </p:spPr>
+      </p:pic>
+      <p:sp>
+        <p:nvSpPr>
+          <p:cNvPr id="3" name="Rectangle 2"/>
+          <p:cNvSpPr/>
+          <p:nvPr/>
+        </p:nvSpPr>
+        <p:spPr>
+          <a:xfrm>
+            <a:off x="2843808" y="4005064"/>
+            <a:ext cx="5688632" cy="2088232"/>
+          </a:xfrm>
+          <a:prstGeom prst="rect">
+            <a:avLst/>
+          </a:prstGeom>
+          <a:noFill/>
+          <a:ln>
+            <a:solidFill>
+              <a:srgbClr val="FF0000"/>
+            </a:solidFill>
+          </a:ln>
+        </p:spPr>
+        <p:style>
+          <a:lnRef idx="2">
+            <a:schemeClr val="accent1">
+              <a:shade val="50000"/>
+            </a:schemeClr>
+          </a:lnRef>
+          <a:fillRef idx="1">
+            <a:schemeClr val="accent1"/>
+          </a:fillRef>
+          <a:effectRef idx="0">
+            <a:schemeClr val="accent1"/>
+          </a:effectRef>
+          <a:fontRef idx="minor">
+            <a:schemeClr val="lt1"/>
+          </a:fontRef>
+        </p:style>
+        <p:txBody>
+          <a:bodyPr rtlCol="0" anchor="ctr"/>
+          <a:lstStyle/>
+          <a:p>
+            <a:pPr algn="ctr"/>
+            <a:endParaRPr lang="de-DE"/>
+          </a:p>
+        </p:txBody>
+      </p:sp>
+    </p:spTree>
+    <p:extLst>
+      <p:ext uri="{BB962C8B-B14F-4D97-AF65-F5344CB8AC3E}">
+        <p14:creationId xmlns:p14="http://schemas.microsoft.com/office/powerpoint/2010/main" val="2271389190"/>
+      </p:ext>
+    </p:extLst>
+  </p:cSld>
+  <p:clrMapOvr>
+    <a:masterClrMapping/>
+  </p:clrMapOvr>
 </p:sld>
 </file>
 

--- a/Pflichtenheft/Pflichtenheft Präsentation.pptx
+++ b/Pflichtenheft/Pflichtenheft Präsentation.pptx
@@ -5,7 +5,7 @@
     <p:sldMasterId id="2147483756" r:id="rId1"/>
   </p:sldMasterIdLst>
   <p:notesMasterIdLst>
-    <p:notesMasterId r:id="rId11"/>
+    <p:notesMasterId r:id="rId19"/>
   </p:notesMasterIdLst>
   <p:sldIdLst>
     <p:sldId id="256" r:id="rId2"/>
@@ -17,6 +17,14 @@
     <p:sldId id="261" r:id="rId8"/>
     <p:sldId id="263" r:id="rId9"/>
     <p:sldId id="264" r:id="rId10"/>
+    <p:sldId id="265" r:id="rId11"/>
+    <p:sldId id="266" r:id="rId12"/>
+    <p:sldId id="267" r:id="rId13"/>
+    <p:sldId id="270" r:id="rId14"/>
+    <p:sldId id="268" r:id="rId15"/>
+    <p:sldId id="269" r:id="rId16"/>
+    <p:sldId id="271" r:id="rId17"/>
+    <p:sldId id="272" r:id="rId18"/>
   </p:sldIdLst>
   <p:sldSz cx="9144000" cy="6858000" type="screen4x3"/>
   <p:notesSz cx="6858000" cy="9144000"/>
@@ -200,7 +208,7 @@
           <a:p>
             <a:fld id="{16704D8A-A4BE-48D0-92EC-D6F8D24C2D10}" type="datetimeFigureOut">
               <a:rPr lang="de-DE" smtClean="0"/>
-              <a:t>21.05.2018</a:t>
+              <a:t>22.05.2018</a:t>
             </a:fld>
             <a:endParaRPr lang="de-DE"/>
           </a:p>
@@ -733,7 +741,7 @@
           <a:p>
             <a:fld id="{71841589-5260-4510-BFE0-0C2A3B35B353}" type="datetimeFigureOut">
               <a:rPr lang="de-DE" smtClean="0"/>
-              <a:t>21.05.2018</a:t>
+              <a:t>22.05.2018</a:t>
             </a:fld>
             <a:endParaRPr lang="de-DE"/>
           </a:p>
@@ -903,7 +911,7 @@
           <a:p>
             <a:fld id="{71841589-5260-4510-BFE0-0C2A3B35B353}" type="datetimeFigureOut">
               <a:rPr lang="de-DE" smtClean="0"/>
-              <a:t>21.05.2018</a:t>
+              <a:t>22.05.2018</a:t>
             </a:fld>
             <a:endParaRPr lang="de-DE"/>
           </a:p>
@@ -1083,7 +1091,7 @@
           <a:p>
             <a:fld id="{71841589-5260-4510-BFE0-0C2A3B35B353}" type="datetimeFigureOut">
               <a:rPr lang="de-DE" smtClean="0"/>
-              <a:t>21.05.2018</a:t>
+              <a:t>22.05.2018</a:t>
             </a:fld>
             <a:endParaRPr lang="de-DE"/>
           </a:p>
@@ -1253,7 +1261,7 @@
           <a:p>
             <a:fld id="{71841589-5260-4510-BFE0-0C2A3B35B353}" type="datetimeFigureOut">
               <a:rPr lang="de-DE" smtClean="0"/>
-              <a:t>21.05.2018</a:t>
+              <a:t>22.05.2018</a:t>
             </a:fld>
             <a:endParaRPr lang="de-DE"/>
           </a:p>
@@ -1499,7 +1507,7 @@
           <a:p>
             <a:fld id="{71841589-5260-4510-BFE0-0C2A3B35B353}" type="datetimeFigureOut">
               <a:rPr lang="de-DE" smtClean="0"/>
-              <a:t>21.05.2018</a:t>
+              <a:t>22.05.2018</a:t>
             </a:fld>
             <a:endParaRPr lang="de-DE"/>
           </a:p>
@@ -1787,7 +1795,7 @@
           <a:p>
             <a:fld id="{71841589-5260-4510-BFE0-0C2A3B35B353}" type="datetimeFigureOut">
               <a:rPr lang="de-DE" smtClean="0"/>
-              <a:t>21.05.2018</a:t>
+              <a:t>22.05.2018</a:t>
             </a:fld>
             <a:endParaRPr lang="de-DE"/>
           </a:p>
@@ -2209,7 +2217,7 @@
           <a:p>
             <a:fld id="{71841589-5260-4510-BFE0-0C2A3B35B353}" type="datetimeFigureOut">
               <a:rPr lang="de-DE" smtClean="0"/>
-              <a:t>21.05.2018</a:t>
+              <a:t>22.05.2018</a:t>
             </a:fld>
             <a:endParaRPr lang="de-DE"/>
           </a:p>
@@ -2327,7 +2335,7 @@
           <a:p>
             <a:fld id="{71841589-5260-4510-BFE0-0C2A3B35B353}" type="datetimeFigureOut">
               <a:rPr lang="de-DE" smtClean="0"/>
-              <a:t>21.05.2018</a:t>
+              <a:t>22.05.2018</a:t>
             </a:fld>
             <a:endParaRPr lang="de-DE"/>
           </a:p>
@@ -2422,7 +2430,7 @@
           <a:p>
             <a:fld id="{71841589-5260-4510-BFE0-0C2A3B35B353}" type="datetimeFigureOut">
               <a:rPr lang="de-DE" smtClean="0"/>
-              <a:t>21.05.2018</a:t>
+              <a:t>22.05.2018</a:t>
             </a:fld>
             <a:endParaRPr lang="de-DE"/>
           </a:p>
@@ -2699,7 +2707,7 @@
           <a:p>
             <a:fld id="{71841589-5260-4510-BFE0-0C2A3B35B353}" type="datetimeFigureOut">
               <a:rPr lang="de-DE" smtClean="0"/>
-              <a:t>21.05.2018</a:t>
+              <a:t>22.05.2018</a:t>
             </a:fld>
             <a:endParaRPr lang="de-DE"/>
           </a:p>
@@ -2952,7 +2960,7 @@
           <a:p>
             <a:fld id="{71841589-5260-4510-BFE0-0C2A3B35B353}" type="datetimeFigureOut">
               <a:rPr lang="de-DE" smtClean="0"/>
-              <a:t>21.05.2018</a:t>
+              <a:t>22.05.2018</a:t>
             </a:fld>
             <a:endParaRPr lang="de-DE"/>
           </a:p>
@@ -3165,7 +3173,7 @@
           <a:p>
             <a:fld id="{71841589-5260-4510-BFE0-0C2A3B35B353}" type="datetimeFigureOut">
               <a:rPr lang="de-DE" smtClean="0"/>
-              <a:t>21.05.2018</a:t>
+              <a:t>22.05.2018</a:t>
             </a:fld>
             <a:endParaRPr lang="de-DE"/>
           </a:p>
@@ -3592,6 +3600,2369 @@
 </p:sld>
 </file>
 
+<file path=ppt/slides/slide10.xml><?xml version="1.0" encoding="utf-8"?>
+<p:sld xmlns:a="http://schemas.openxmlformats.org/drawingml/2006/main" xmlns:r="http://schemas.openxmlformats.org/officeDocument/2006/relationships" xmlns:p="http://schemas.openxmlformats.org/presentationml/2006/main">
+  <p:cSld>
+    <p:spTree>
+      <p:nvGrpSpPr>
+        <p:cNvPr id="1" name=""/>
+        <p:cNvGrpSpPr/>
+        <p:nvPr/>
+      </p:nvGrpSpPr>
+      <p:grpSpPr>
+        <a:xfrm>
+          <a:off x="0" y="0"/>
+          <a:ext cx="0" cy="0"/>
+          <a:chOff x="0" y="0"/>
+          <a:chExt cx="0" cy="0"/>
+        </a:xfrm>
+      </p:grpSpPr>
+      <p:sp>
+        <p:nvSpPr>
+          <p:cNvPr id="2" name="Title 1"/>
+          <p:cNvSpPr>
+            <a:spLocks noGrp="1"/>
+          </p:cNvSpPr>
+          <p:nvPr>
+            <p:ph type="title"/>
+          </p:nvPr>
+        </p:nvSpPr>
+        <p:spPr/>
+        <p:txBody>
+          <a:bodyPr/>
+          <a:lstStyle/>
+          <a:p>
+            <a:r>
+              <a:rPr lang="de-DE" dirty="0" smtClean="0"/>
+              <a:t>Testfall</a:t>
+            </a:r>
+            <a:endParaRPr lang="de-DE" dirty="0"/>
+          </a:p>
+        </p:txBody>
+      </p:sp>
+      <p:pic>
+        <p:nvPicPr>
+          <p:cNvPr id="7" name="Content Placeholder 6"/>
+          <p:cNvPicPr>
+            <a:picLocks noGrp="1" noChangeAspect="1"/>
+          </p:cNvPicPr>
+          <p:nvPr>
+            <p:ph idx="1"/>
+          </p:nvPr>
+        </p:nvPicPr>
+        <p:blipFill>
+          <a:blip r:embed="rId2">
+            <a:extLst>
+              <a:ext uri="{28A0092B-C50C-407E-A947-70E740481C1C}">
+                <a14:useLocalDpi xmlns:a14="http://schemas.microsoft.com/office/drawing/2010/main" val="0"/>
+              </a:ext>
+            </a:extLst>
+          </a:blip>
+          <a:stretch>
+            <a:fillRect/>
+          </a:stretch>
+        </p:blipFill>
+        <p:spPr>
+          <a:xfrm>
+            <a:off x="539552" y="2132856"/>
+            <a:ext cx="8046156" cy="4525963"/>
+          </a:xfrm>
+        </p:spPr>
+      </p:pic>
+      <p:sp>
+        <p:nvSpPr>
+          <p:cNvPr id="4" name="TextBox 3"/>
+          <p:cNvSpPr txBox="1"/>
+          <p:nvPr/>
+        </p:nvSpPr>
+        <p:spPr>
+          <a:xfrm>
+            <a:off x="539552" y="1484784"/>
+            <a:ext cx="4752528" cy="461665"/>
+          </a:xfrm>
+          <a:prstGeom prst="rect">
+            <a:avLst/>
+          </a:prstGeom>
+          <a:noFill/>
+        </p:spPr>
+        <p:txBody>
+          <a:bodyPr wrap="square" rtlCol="0">
+            <a:spAutoFit/>
+          </a:bodyPr>
+          <a:lstStyle/>
+          <a:p>
+            <a:pPr marL="342900" indent="-342900">
+              <a:buFont typeface="Arial" pitchFamily="34" charset="0"/>
+              <a:buChar char="•"/>
+            </a:pPr>
+            <a:r>
+              <a:rPr lang="de-DE" sz="2400" dirty="0" smtClean="0"/>
+              <a:t>User wählt eine Datei aus</a:t>
+            </a:r>
+            <a:endParaRPr lang="de-DE" sz="2400" dirty="0"/>
+          </a:p>
+        </p:txBody>
+      </p:sp>
+      <p:sp>
+        <p:nvSpPr>
+          <p:cNvPr id="8" name="Rectangle 7"/>
+          <p:cNvSpPr/>
+          <p:nvPr/>
+        </p:nvSpPr>
+        <p:spPr>
+          <a:xfrm>
+            <a:off x="1979712" y="3501008"/>
+            <a:ext cx="684000" cy="252000"/>
+          </a:xfrm>
+          <a:prstGeom prst="rect">
+            <a:avLst/>
+          </a:prstGeom>
+          <a:noFill/>
+        </p:spPr>
+        <p:style>
+          <a:lnRef idx="2">
+            <a:schemeClr val="accent1">
+              <a:shade val="50000"/>
+            </a:schemeClr>
+          </a:lnRef>
+          <a:fillRef idx="1">
+            <a:schemeClr val="accent1"/>
+          </a:fillRef>
+          <a:effectRef idx="0">
+            <a:schemeClr val="accent1"/>
+          </a:effectRef>
+          <a:fontRef idx="minor">
+            <a:schemeClr val="lt1"/>
+          </a:fontRef>
+        </p:style>
+        <p:txBody>
+          <a:bodyPr rtlCol="0" anchor="ctr"/>
+          <a:lstStyle/>
+          <a:p>
+            <a:pPr algn="ctr"/>
+            <a:endParaRPr lang="de-DE"/>
+          </a:p>
+        </p:txBody>
+      </p:sp>
+    </p:spTree>
+    <p:extLst>
+      <p:ext uri="{BB962C8B-B14F-4D97-AF65-F5344CB8AC3E}">
+        <p14:creationId xmlns:p14="http://schemas.microsoft.com/office/powerpoint/2010/main" val="3361880382"/>
+      </p:ext>
+    </p:extLst>
+  </p:cSld>
+  <p:clrMapOvr>
+    <a:masterClrMapping/>
+  </p:clrMapOvr>
+  <p:timing>
+    <p:tnLst>
+      <p:par>
+        <p:cTn id="1" dur="indefinite" restart="never" nodeType="tmRoot"/>
+      </p:par>
+    </p:tnLst>
+  </p:timing>
+</p:sld>
+</file>
+
+<file path=ppt/slides/slide11.xml><?xml version="1.0" encoding="utf-8"?>
+<p:sld xmlns:a="http://schemas.openxmlformats.org/drawingml/2006/main" xmlns:r="http://schemas.openxmlformats.org/officeDocument/2006/relationships" xmlns:p="http://schemas.openxmlformats.org/presentationml/2006/main">
+  <p:cSld>
+    <p:spTree>
+      <p:nvGrpSpPr>
+        <p:cNvPr id="1" name=""/>
+        <p:cNvGrpSpPr/>
+        <p:nvPr/>
+      </p:nvGrpSpPr>
+      <p:grpSpPr>
+        <a:xfrm>
+          <a:off x="0" y="0"/>
+          <a:ext cx="0" cy="0"/>
+          <a:chOff x="0" y="0"/>
+          <a:chExt cx="0" cy="0"/>
+        </a:xfrm>
+      </p:grpSpPr>
+      <p:sp>
+        <p:nvSpPr>
+          <p:cNvPr id="2" name="Title 1"/>
+          <p:cNvSpPr>
+            <a:spLocks noGrp="1"/>
+          </p:cNvSpPr>
+          <p:nvPr>
+            <p:ph type="title"/>
+          </p:nvPr>
+        </p:nvSpPr>
+        <p:spPr/>
+        <p:txBody>
+          <a:bodyPr/>
+          <a:lstStyle/>
+          <a:p>
+            <a:r>
+              <a:rPr lang="de-DE" dirty="0" smtClean="0"/>
+              <a:t>Testfall</a:t>
+            </a:r>
+            <a:endParaRPr lang="de-DE" dirty="0"/>
+          </a:p>
+        </p:txBody>
+      </p:sp>
+      <p:pic>
+        <p:nvPicPr>
+          <p:cNvPr id="7" name="Content Placeholder 6"/>
+          <p:cNvPicPr>
+            <a:picLocks noGrp="1" noChangeAspect="1"/>
+          </p:cNvPicPr>
+          <p:nvPr>
+            <p:ph idx="1"/>
+          </p:nvPr>
+        </p:nvPicPr>
+        <p:blipFill>
+          <a:blip r:embed="rId2">
+            <a:extLst>
+              <a:ext uri="{28A0092B-C50C-407E-A947-70E740481C1C}">
+                <a14:useLocalDpi xmlns:a14="http://schemas.microsoft.com/office/drawing/2010/main" val="0"/>
+              </a:ext>
+            </a:extLst>
+          </a:blip>
+          <a:stretch>
+            <a:fillRect/>
+          </a:stretch>
+        </p:blipFill>
+        <p:spPr>
+          <a:xfrm>
+            <a:off x="539552" y="2132856"/>
+            <a:ext cx="8046156" cy="4525963"/>
+          </a:xfrm>
+        </p:spPr>
+      </p:pic>
+      <p:sp>
+        <p:nvSpPr>
+          <p:cNvPr id="4" name="TextBox 3"/>
+          <p:cNvSpPr txBox="1"/>
+          <p:nvPr/>
+        </p:nvSpPr>
+        <p:spPr>
+          <a:xfrm>
+            <a:off x="539552" y="1484784"/>
+            <a:ext cx="6840760" cy="461665"/>
+          </a:xfrm>
+          <a:prstGeom prst="rect">
+            <a:avLst/>
+          </a:prstGeom>
+          <a:noFill/>
+        </p:spPr>
+        <p:txBody>
+          <a:bodyPr wrap="square" rtlCol="0">
+            <a:spAutoFit/>
+          </a:bodyPr>
+          <a:lstStyle/>
+          <a:p>
+            <a:pPr marL="342900" indent="-342900">
+              <a:buFont typeface="Arial" pitchFamily="34" charset="0"/>
+              <a:buChar char="•"/>
+            </a:pPr>
+            <a:r>
+              <a:rPr lang="de-DE" sz="2400" dirty="0" smtClean="0"/>
+              <a:t>Trennsymbol und Kopfzeilen angegeben</a:t>
+            </a:r>
+            <a:endParaRPr lang="de-DE" sz="2400" dirty="0"/>
+          </a:p>
+        </p:txBody>
+      </p:sp>
+      <p:sp>
+        <p:nvSpPr>
+          <p:cNvPr id="8" name="Rectangle 7"/>
+          <p:cNvSpPr/>
+          <p:nvPr/>
+        </p:nvSpPr>
+        <p:spPr>
+          <a:xfrm>
+            <a:off x="2843808" y="3221812"/>
+            <a:ext cx="1224136" cy="783252"/>
+          </a:xfrm>
+          <a:prstGeom prst="rect">
+            <a:avLst/>
+          </a:prstGeom>
+          <a:noFill/>
+        </p:spPr>
+        <p:style>
+          <a:lnRef idx="2">
+            <a:schemeClr val="accent1">
+              <a:shade val="50000"/>
+            </a:schemeClr>
+          </a:lnRef>
+          <a:fillRef idx="1">
+            <a:schemeClr val="accent1"/>
+          </a:fillRef>
+          <a:effectRef idx="0">
+            <a:schemeClr val="accent1"/>
+          </a:effectRef>
+          <a:fontRef idx="minor">
+            <a:schemeClr val="lt1"/>
+          </a:fontRef>
+        </p:style>
+        <p:txBody>
+          <a:bodyPr rtlCol="0" anchor="ctr"/>
+          <a:lstStyle/>
+          <a:p>
+            <a:pPr algn="ctr"/>
+            <a:endParaRPr lang="de-DE"/>
+          </a:p>
+        </p:txBody>
+      </p:sp>
+    </p:spTree>
+    <p:extLst>
+      <p:ext uri="{BB962C8B-B14F-4D97-AF65-F5344CB8AC3E}">
+        <p14:creationId xmlns:p14="http://schemas.microsoft.com/office/powerpoint/2010/main" val="1537699003"/>
+      </p:ext>
+    </p:extLst>
+  </p:cSld>
+  <p:clrMapOvr>
+    <a:masterClrMapping/>
+  </p:clrMapOvr>
+  <p:timing>
+    <p:tnLst>
+      <p:par>
+        <p:cTn id="1" dur="indefinite" restart="never" nodeType="tmRoot"/>
+      </p:par>
+    </p:tnLst>
+  </p:timing>
+</p:sld>
+</file>
+
+<file path=ppt/slides/slide12.xml><?xml version="1.0" encoding="utf-8"?>
+<p:sld xmlns:a="http://schemas.openxmlformats.org/drawingml/2006/main" xmlns:r="http://schemas.openxmlformats.org/officeDocument/2006/relationships" xmlns:p="http://schemas.openxmlformats.org/presentationml/2006/main">
+  <p:cSld>
+    <p:spTree>
+      <p:nvGrpSpPr>
+        <p:cNvPr id="1" name=""/>
+        <p:cNvGrpSpPr/>
+        <p:nvPr/>
+      </p:nvGrpSpPr>
+      <p:grpSpPr>
+        <a:xfrm>
+          <a:off x="0" y="0"/>
+          <a:ext cx="0" cy="0"/>
+          <a:chOff x="0" y="0"/>
+          <a:chExt cx="0" cy="0"/>
+        </a:xfrm>
+      </p:grpSpPr>
+      <p:sp>
+        <p:nvSpPr>
+          <p:cNvPr id="2" name="Title 1"/>
+          <p:cNvSpPr>
+            <a:spLocks noGrp="1"/>
+          </p:cNvSpPr>
+          <p:nvPr>
+            <p:ph type="title"/>
+          </p:nvPr>
+        </p:nvSpPr>
+        <p:spPr/>
+        <p:txBody>
+          <a:bodyPr/>
+          <a:lstStyle/>
+          <a:p>
+            <a:r>
+              <a:rPr lang="de-DE" dirty="0" smtClean="0"/>
+              <a:t>Testfall</a:t>
+            </a:r>
+            <a:endParaRPr lang="de-DE" dirty="0"/>
+          </a:p>
+        </p:txBody>
+      </p:sp>
+      <p:pic>
+        <p:nvPicPr>
+          <p:cNvPr id="7" name="Content Placeholder 6"/>
+          <p:cNvPicPr>
+            <a:picLocks noGrp="1" noChangeAspect="1"/>
+          </p:cNvPicPr>
+          <p:nvPr>
+            <p:ph idx="1"/>
+          </p:nvPr>
+        </p:nvPicPr>
+        <p:blipFill>
+          <a:blip r:embed="rId2">
+            <a:extLst>
+              <a:ext uri="{28A0092B-C50C-407E-A947-70E740481C1C}">
+                <a14:useLocalDpi xmlns:a14="http://schemas.microsoft.com/office/drawing/2010/main" val="0"/>
+              </a:ext>
+            </a:extLst>
+          </a:blip>
+          <a:stretch>
+            <a:fillRect/>
+          </a:stretch>
+        </p:blipFill>
+        <p:spPr>
+          <a:xfrm>
+            <a:off x="539552" y="2132856"/>
+            <a:ext cx="8046156" cy="4525963"/>
+          </a:xfrm>
+        </p:spPr>
+      </p:pic>
+      <p:sp>
+        <p:nvSpPr>
+          <p:cNvPr id="4" name="TextBox 3"/>
+          <p:cNvSpPr txBox="1"/>
+          <p:nvPr/>
+        </p:nvSpPr>
+        <p:spPr>
+          <a:xfrm>
+            <a:off x="539552" y="1484784"/>
+            <a:ext cx="4752528" cy="461665"/>
+          </a:xfrm>
+          <a:prstGeom prst="rect">
+            <a:avLst/>
+          </a:prstGeom>
+          <a:noFill/>
+        </p:spPr>
+        <p:txBody>
+          <a:bodyPr wrap="square" rtlCol="0">
+            <a:spAutoFit/>
+          </a:bodyPr>
+          <a:lstStyle/>
+          <a:p>
+            <a:pPr marL="342900" indent="-342900">
+              <a:buFont typeface="Arial" pitchFamily="34" charset="0"/>
+              <a:buChar char="•"/>
+            </a:pPr>
+            <a:r>
+              <a:rPr lang="de-DE" sz="2400" dirty="0" smtClean="0"/>
+              <a:t>Neues Thing erstellen</a:t>
+            </a:r>
+            <a:endParaRPr lang="de-DE" sz="2400" dirty="0"/>
+          </a:p>
+        </p:txBody>
+      </p:sp>
+      <p:sp>
+        <p:nvSpPr>
+          <p:cNvPr id="5" name="Rectangle 4"/>
+          <p:cNvSpPr/>
+          <p:nvPr/>
+        </p:nvSpPr>
+        <p:spPr>
+          <a:xfrm>
+            <a:off x="5292080" y="3273570"/>
+            <a:ext cx="720080" cy="371453"/>
+          </a:xfrm>
+          <a:prstGeom prst="rect">
+            <a:avLst/>
+          </a:prstGeom>
+          <a:noFill/>
+        </p:spPr>
+        <p:style>
+          <a:lnRef idx="2">
+            <a:schemeClr val="accent1">
+              <a:shade val="50000"/>
+            </a:schemeClr>
+          </a:lnRef>
+          <a:fillRef idx="1">
+            <a:schemeClr val="accent1"/>
+          </a:fillRef>
+          <a:effectRef idx="0">
+            <a:schemeClr val="accent1"/>
+          </a:effectRef>
+          <a:fontRef idx="minor">
+            <a:schemeClr val="lt1"/>
+          </a:fontRef>
+        </p:style>
+        <p:txBody>
+          <a:bodyPr rtlCol="0" anchor="ctr"/>
+          <a:lstStyle/>
+          <a:p>
+            <a:pPr algn="ctr"/>
+            <a:endParaRPr lang="de-DE"/>
+          </a:p>
+        </p:txBody>
+      </p:sp>
+    </p:spTree>
+    <p:extLst>
+      <p:ext uri="{BB962C8B-B14F-4D97-AF65-F5344CB8AC3E}">
+        <p14:creationId xmlns:p14="http://schemas.microsoft.com/office/powerpoint/2010/main" val="1537699003"/>
+      </p:ext>
+    </p:extLst>
+  </p:cSld>
+  <p:clrMapOvr>
+    <a:masterClrMapping/>
+  </p:clrMapOvr>
+  <p:timing>
+    <p:tnLst>
+      <p:par>
+        <p:cTn id="1" dur="indefinite" restart="never" nodeType="tmRoot"/>
+      </p:par>
+    </p:tnLst>
+  </p:timing>
+</p:sld>
+</file>
+
+<file path=ppt/slides/slide13.xml><?xml version="1.0" encoding="utf-8"?>
+<p:sld xmlns:a="http://schemas.openxmlformats.org/drawingml/2006/main" xmlns:r="http://schemas.openxmlformats.org/officeDocument/2006/relationships" xmlns:p="http://schemas.openxmlformats.org/presentationml/2006/main">
+  <p:cSld>
+    <p:spTree>
+      <p:nvGrpSpPr>
+        <p:cNvPr id="1" name=""/>
+        <p:cNvGrpSpPr/>
+        <p:nvPr/>
+      </p:nvGrpSpPr>
+      <p:grpSpPr>
+        <a:xfrm>
+          <a:off x="0" y="0"/>
+          <a:ext cx="0" cy="0"/>
+          <a:chOff x="0" y="0"/>
+          <a:chExt cx="0" cy="0"/>
+        </a:xfrm>
+      </p:grpSpPr>
+      <p:sp>
+        <p:nvSpPr>
+          <p:cNvPr id="2" name="Title 1"/>
+          <p:cNvSpPr>
+            <a:spLocks noGrp="1"/>
+          </p:cNvSpPr>
+          <p:nvPr>
+            <p:ph type="title"/>
+          </p:nvPr>
+        </p:nvSpPr>
+        <p:spPr/>
+        <p:txBody>
+          <a:bodyPr/>
+          <a:lstStyle/>
+          <a:p>
+            <a:r>
+              <a:rPr lang="de-DE" dirty="0" smtClean="0"/>
+              <a:t>Testfall</a:t>
+            </a:r>
+            <a:endParaRPr lang="de-DE" dirty="0"/>
+          </a:p>
+        </p:txBody>
+      </p:sp>
+      <p:pic>
+        <p:nvPicPr>
+          <p:cNvPr id="8" name="Content Placeholder 7"/>
+          <p:cNvPicPr>
+            <a:picLocks noGrp="1" noChangeAspect="1"/>
+          </p:cNvPicPr>
+          <p:nvPr>
+            <p:ph idx="1"/>
+          </p:nvPr>
+        </p:nvPicPr>
+        <p:blipFill>
+          <a:blip r:embed="rId2">
+            <a:extLst>
+              <a:ext uri="{28A0092B-C50C-407E-A947-70E740481C1C}">
+                <a14:useLocalDpi xmlns:a14="http://schemas.microsoft.com/office/drawing/2010/main" val="0"/>
+              </a:ext>
+            </a:extLst>
+          </a:blip>
+          <a:stretch>
+            <a:fillRect/>
+          </a:stretch>
+        </p:blipFill>
+        <p:spPr>
+          <a:xfrm>
+            <a:off x="2573419" y="2348880"/>
+            <a:ext cx="3991532" cy="3057952"/>
+          </a:xfrm>
+          <a:solidFill>
+            <a:schemeClr val="bg1"/>
+          </a:solidFill>
+        </p:spPr>
+      </p:pic>
+      <p:sp>
+        <p:nvSpPr>
+          <p:cNvPr id="9" name="TextBox 8"/>
+          <p:cNvSpPr txBox="1"/>
+          <p:nvPr/>
+        </p:nvSpPr>
+        <p:spPr>
+          <a:xfrm>
+            <a:off x="539552" y="1484784"/>
+            <a:ext cx="7128792" cy="461665"/>
+          </a:xfrm>
+          <a:prstGeom prst="rect">
+            <a:avLst/>
+          </a:prstGeom>
+          <a:noFill/>
+        </p:spPr>
+        <p:txBody>
+          <a:bodyPr wrap="square" rtlCol="0">
+            <a:spAutoFit/>
+          </a:bodyPr>
+          <a:lstStyle/>
+          <a:p>
+            <a:pPr marL="342900" indent="-342900">
+              <a:buFont typeface="Arial" pitchFamily="34" charset="0"/>
+              <a:buChar char="•"/>
+            </a:pPr>
+            <a:r>
+              <a:rPr lang="de-DE" sz="2400" dirty="0" smtClean="0"/>
+              <a:t>Angaben zum Thing eingeben</a:t>
+            </a:r>
+            <a:endParaRPr lang="de-DE" sz="2400" dirty="0"/>
+          </a:p>
+        </p:txBody>
+      </p:sp>
+      <p:sp>
+        <p:nvSpPr>
+          <p:cNvPr id="11" name="TextBox 10"/>
+          <p:cNvSpPr txBox="1"/>
+          <p:nvPr/>
+        </p:nvSpPr>
+        <p:spPr>
+          <a:xfrm>
+            <a:off x="3846290" y="2843063"/>
+            <a:ext cx="1141018" cy="307777"/>
+          </a:xfrm>
+          <a:prstGeom prst="rect">
+            <a:avLst/>
+          </a:prstGeom>
+          <a:noFill/>
+        </p:spPr>
+        <p:txBody>
+          <a:bodyPr wrap="none" rtlCol="0">
+            <a:spAutoFit/>
+          </a:bodyPr>
+          <a:lstStyle/>
+          <a:p>
+            <a:r>
+              <a:rPr lang="de-DE" sz="1400" dirty="0" smtClean="0"/>
+              <a:t>Testfall Thing</a:t>
+            </a:r>
+            <a:endParaRPr lang="de-DE" sz="1400" dirty="0"/>
+          </a:p>
+        </p:txBody>
+      </p:sp>
+      <p:sp>
+        <p:nvSpPr>
+          <p:cNvPr id="12" name="TextBox 11"/>
+          <p:cNvSpPr txBox="1"/>
+          <p:nvPr/>
+        </p:nvSpPr>
+        <p:spPr>
+          <a:xfrm>
+            <a:off x="3846290" y="3150840"/>
+            <a:ext cx="1445790" cy="307777"/>
+          </a:xfrm>
+          <a:prstGeom prst="rect">
+            <a:avLst/>
+          </a:prstGeom>
+          <a:noFill/>
+        </p:spPr>
+        <p:txBody>
+          <a:bodyPr wrap="square" rtlCol="0">
+            <a:spAutoFit/>
+          </a:bodyPr>
+          <a:lstStyle/>
+          <a:p>
+            <a:r>
+              <a:rPr lang="de-DE" sz="1400" dirty="0" smtClean="0"/>
+              <a:t>Lorem Ipsum</a:t>
+            </a:r>
+            <a:endParaRPr lang="de-DE" sz="1400" dirty="0"/>
+          </a:p>
+        </p:txBody>
+      </p:sp>
+      <p:sp>
+        <p:nvSpPr>
+          <p:cNvPr id="13" name="Rectangle 12"/>
+          <p:cNvSpPr/>
+          <p:nvPr/>
+        </p:nvSpPr>
+        <p:spPr>
+          <a:xfrm>
+            <a:off x="3839162" y="4293096"/>
+            <a:ext cx="1155274" cy="144016"/>
+          </a:xfrm>
+          <a:prstGeom prst="rect">
+            <a:avLst/>
+          </a:prstGeom>
+          <a:solidFill>
+            <a:schemeClr val="bg1"/>
+          </a:solidFill>
+          <a:ln>
+            <a:solidFill>
+              <a:schemeClr val="bg1"/>
+            </a:solidFill>
+          </a:ln>
+        </p:spPr>
+        <p:style>
+          <a:lnRef idx="2">
+            <a:schemeClr val="accent1">
+              <a:shade val="50000"/>
+            </a:schemeClr>
+          </a:lnRef>
+          <a:fillRef idx="1">
+            <a:schemeClr val="accent1"/>
+          </a:fillRef>
+          <a:effectRef idx="0">
+            <a:schemeClr val="accent1"/>
+          </a:effectRef>
+          <a:fontRef idx="minor">
+            <a:schemeClr val="lt1"/>
+          </a:fontRef>
+        </p:style>
+        <p:txBody>
+          <a:bodyPr rot="0" spcFirstLastPara="0" vertOverflow="overflow" horzOverflow="overflow" vert="horz" wrap="square" lIns="91440" tIns="45720" rIns="91440" bIns="45720" numCol="1" spcCol="0" rtlCol="0" fromWordArt="0" anchor="ctr" anchorCtr="0" forceAA="0" compatLnSpc="1">
+            <a:prstTxWarp prst="textNoShape">
+              <a:avLst/>
+            </a:prstTxWarp>
+            <a:noAutofit/>
+          </a:bodyPr>
+          <a:lstStyle/>
+          <a:p>
+            <a:pPr algn="ctr"/>
+            <a:endParaRPr lang="de-DE" dirty="0"/>
+          </a:p>
+        </p:txBody>
+      </p:sp>
+      <p:sp>
+        <p:nvSpPr>
+          <p:cNvPr id="14" name="TextBox 13"/>
+          <p:cNvSpPr txBox="1"/>
+          <p:nvPr/>
+        </p:nvSpPr>
+        <p:spPr>
+          <a:xfrm>
+            <a:off x="3851920" y="4195965"/>
+            <a:ext cx="1440160" cy="338554"/>
+          </a:xfrm>
+          <a:prstGeom prst="rect">
+            <a:avLst/>
+          </a:prstGeom>
+          <a:noFill/>
+        </p:spPr>
+        <p:txBody>
+          <a:bodyPr wrap="square" rtlCol="0">
+            <a:spAutoFit/>
+          </a:bodyPr>
+          <a:lstStyle/>
+          <a:p>
+            <a:r>
+              <a:rPr lang="de-DE" sz="1600" dirty="0" smtClean="0"/>
+              <a:t>Karlsruhe</a:t>
+            </a:r>
+            <a:endParaRPr lang="de-DE" sz="1600" dirty="0"/>
+          </a:p>
+        </p:txBody>
+      </p:sp>
+      <p:sp>
+        <p:nvSpPr>
+          <p:cNvPr id="15" name="Rectangle 14"/>
+          <p:cNvSpPr/>
+          <p:nvPr/>
+        </p:nvSpPr>
+        <p:spPr>
+          <a:xfrm>
+            <a:off x="5220072" y="3574696"/>
+            <a:ext cx="432048" cy="162000"/>
+          </a:xfrm>
+          <a:prstGeom prst="rect">
+            <a:avLst/>
+          </a:prstGeom>
+          <a:solidFill>
+            <a:schemeClr val="bg1"/>
+          </a:solidFill>
+          <a:ln>
+            <a:solidFill>
+              <a:schemeClr val="bg1"/>
+            </a:solidFill>
+          </a:ln>
+        </p:spPr>
+        <p:style>
+          <a:lnRef idx="2">
+            <a:schemeClr val="accent1">
+              <a:shade val="50000"/>
+            </a:schemeClr>
+          </a:lnRef>
+          <a:fillRef idx="1">
+            <a:schemeClr val="accent1"/>
+          </a:fillRef>
+          <a:effectRef idx="0">
+            <a:schemeClr val="accent1"/>
+          </a:effectRef>
+          <a:fontRef idx="minor">
+            <a:schemeClr val="lt1"/>
+          </a:fontRef>
+        </p:style>
+        <p:txBody>
+          <a:bodyPr rot="0" spcFirstLastPara="0" vertOverflow="overflow" horzOverflow="overflow" vert="horz" wrap="square" lIns="91440" tIns="45720" rIns="91440" bIns="45720" numCol="1" spcCol="0" rtlCol="0" fromWordArt="0" anchor="ctr" anchorCtr="0" forceAA="0" compatLnSpc="1">
+            <a:prstTxWarp prst="textNoShape">
+              <a:avLst/>
+            </a:prstTxWarp>
+            <a:noAutofit/>
+          </a:bodyPr>
+          <a:lstStyle/>
+          <a:p>
+            <a:pPr algn="ctr"/>
+            <a:endParaRPr lang="de-DE" dirty="0"/>
+          </a:p>
+        </p:txBody>
+      </p:sp>
+      <p:sp>
+        <p:nvSpPr>
+          <p:cNvPr id="16" name="Rectangle 15"/>
+          <p:cNvSpPr/>
+          <p:nvPr/>
+        </p:nvSpPr>
+        <p:spPr>
+          <a:xfrm>
+            <a:off x="3839161" y="3574696"/>
+            <a:ext cx="577637" cy="199158"/>
+          </a:xfrm>
+          <a:prstGeom prst="rect">
+            <a:avLst/>
+          </a:prstGeom>
+          <a:solidFill>
+            <a:schemeClr val="bg1"/>
+          </a:solidFill>
+          <a:ln>
+            <a:solidFill>
+              <a:schemeClr val="bg1"/>
+            </a:solidFill>
+          </a:ln>
+        </p:spPr>
+        <p:style>
+          <a:lnRef idx="2">
+            <a:schemeClr val="accent1">
+              <a:shade val="50000"/>
+            </a:schemeClr>
+          </a:lnRef>
+          <a:fillRef idx="1">
+            <a:schemeClr val="accent1"/>
+          </a:fillRef>
+          <a:effectRef idx="0">
+            <a:schemeClr val="accent1"/>
+          </a:effectRef>
+          <a:fontRef idx="minor">
+            <a:schemeClr val="lt1"/>
+          </a:fontRef>
+        </p:style>
+        <p:txBody>
+          <a:bodyPr rot="0" spcFirstLastPara="0" vertOverflow="overflow" horzOverflow="overflow" vert="horz" wrap="square" lIns="91440" tIns="45720" rIns="91440" bIns="45720" numCol="1" spcCol="0" rtlCol="0" fromWordArt="0" anchor="ctr" anchorCtr="0" forceAA="0" compatLnSpc="1">
+            <a:prstTxWarp prst="textNoShape">
+              <a:avLst/>
+            </a:prstTxWarp>
+            <a:noAutofit/>
+          </a:bodyPr>
+          <a:lstStyle/>
+          <a:p>
+            <a:pPr algn="ctr"/>
+            <a:endParaRPr lang="de-DE" dirty="0"/>
+          </a:p>
+        </p:txBody>
+      </p:sp>
+    </p:spTree>
+    <p:extLst>
+      <p:ext uri="{BB962C8B-B14F-4D97-AF65-F5344CB8AC3E}">
+        <p14:creationId xmlns:p14="http://schemas.microsoft.com/office/powerpoint/2010/main" val="3842217822"/>
+      </p:ext>
+    </p:extLst>
+  </p:cSld>
+  <p:clrMapOvr>
+    <a:masterClrMapping/>
+  </p:clrMapOvr>
+</p:sld>
+</file>
+
+<file path=ppt/slides/slide14.xml><?xml version="1.0" encoding="utf-8"?>
+<p:sld xmlns:a="http://schemas.openxmlformats.org/drawingml/2006/main" xmlns:r="http://schemas.openxmlformats.org/officeDocument/2006/relationships" xmlns:p="http://schemas.openxmlformats.org/presentationml/2006/main">
+  <p:cSld>
+    <p:spTree>
+      <p:nvGrpSpPr>
+        <p:cNvPr id="1" name=""/>
+        <p:cNvGrpSpPr/>
+        <p:nvPr/>
+      </p:nvGrpSpPr>
+      <p:grpSpPr>
+        <a:xfrm>
+          <a:off x="0" y="0"/>
+          <a:ext cx="0" cy="0"/>
+          <a:chOff x="0" y="0"/>
+          <a:chExt cx="0" cy="0"/>
+        </a:xfrm>
+      </p:grpSpPr>
+      <p:sp>
+        <p:nvSpPr>
+          <p:cNvPr id="2" name="Title 1"/>
+          <p:cNvSpPr>
+            <a:spLocks noGrp="1"/>
+          </p:cNvSpPr>
+          <p:nvPr>
+            <p:ph type="title"/>
+          </p:nvPr>
+        </p:nvSpPr>
+        <p:spPr>
+          <a:xfrm>
+            <a:off x="1333329" y="260648"/>
+            <a:ext cx="6518491" cy="1143000"/>
+          </a:xfrm>
+          <a:ln>
+            <a:noFill/>
+          </a:ln>
+        </p:spPr>
+        <p:txBody>
+          <a:bodyPr/>
+          <a:lstStyle/>
+          <a:p>
+            <a:r>
+              <a:rPr lang="de-DE" dirty="0" smtClean="0"/>
+              <a:t>Testfall</a:t>
+            </a:r>
+            <a:endParaRPr lang="de-DE" dirty="0"/>
+          </a:p>
+        </p:txBody>
+      </p:sp>
+      <p:pic>
+        <p:nvPicPr>
+          <p:cNvPr id="7" name="Content Placeholder 6"/>
+          <p:cNvPicPr>
+            <a:picLocks noGrp="1" noChangeAspect="1"/>
+          </p:cNvPicPr>
+          <p:nvPr>
+            <p:ph idx="1"/>
+          </p:nvPr>
+        </p:nvPicPr>
+        <p:blipFill>
+          <a:blip r:embed="rId2">
+            <a:extLst>
+              <a:ext uri="{28A0092B-C50C-407E-A947-70E740481C1C}">
+                <a14:useLocalDpi xmlns:a14="http://schemas.microsoft.com/office/drawing/2010/main" val="0"/>
+              </a:ext>
+            </a:extLst>
+          </a:blip>
+          <a:stretch>
+            <a:fillRect/>
+          </a:stretch>
+        </p:blipFill>
+        <p:spPr>
+          <a:xfrm>
+            <a:off x="539552" y="2132856"/>
+            <a:ext cx="8046156" cy="4525963"/>
+          </a:xfrm>
+          <a:ln>
+            <a:noFill/>
+          </a:ln>
+        </p:spPr>
+      </p:pic>
+      <p:sp>
+        <p:nvSpPr>
+          <p:cNvPr id="4" name="TextBox 3"/>
+          <p:cNvSpPr txBox="1"/>
+          <p:nvPr/>
+        </p:nvSpPr>
+        <p:spPr>
+          <a:xfrm>
+            <a:off x="539552" y="1484784"/>
+            <a:ext cx="7272808" cy="461665"/>
+          </a:xfrm>
+          <a:prstGeom prst="rect">
+            <a:avLst/>
+          </a:prstGeom>
+          <a:noFill/>
+          <a:ln>
+            <a:noFill/>
+          </a:ln>
+        </p:spPr>
+        <p:txBody>
+          <a:bodyPr wrap="square" rtlCol="0">
+            <a:spAutoFit/>
+          </a:bodyPr>
+          <a:lstStyle/>
+          <a:p>
+            <a:pPr marL="342900" indent="-342900">
+              <a:buFont typeface="Arial" pitchFamily="34" charset="0"/>
+              <a:buChar char="•"/>
+            </a:pPr>
+            <a:r>
+              <a:rPr lang="de-DE" sz="2400" dirty="0" smtClean="0"/>
+              <a:t>Datums-/Zeitformat und Zeitzone angeben</a:t>
+            </a:r>
+            <a:endParaRPr lang="de-DE" sz="2400" dirty="0"/>
+          </a:p>
+        </p:txBody>
+      </p:sp>
+      <p:sp>
+        <p:nvSpPr>
+          <p:cNvPr id="3" name="Rectangle 2"/>
+          <p:cNvSpPr/>
+          <p:nvPr/>
+        </p:nvSpPr>
+        <p:spPr>
+          <a:xfrm>
+            <a:off x="4181102" y="3409950"/>
+            <a:ext cx="822946" cy="86866"/>
+          </a:xfrm>
+          <a:prstGeom prst="rect">
+            <a:avLst/>
+          </a:prstGeom>
+          <a:solidFill>
+            <a:schemeClr val="bg1"/>
+          </a:solidFill>
+          <a:ln>
+            <a:noFill/>
+          </a:ln>
+        </p:spPr>
+        <p:style>
+          <a:lnRef idx="2">
+            <a:schemeClr val="accent1">
+              <a:shade val="50000"/>
+            </a:schemeClr>
+          </a:lnRef>
+          <a:fillRef idx="1">
+            <a:schemeClr val="accent1"/>
+          </a:fillRef>
+          <a:effectRef idx="0">
+            <a:schemeClr val="accent1"/>
+          </a:effectRef>
+          <a:fontRef idx="minor">
+            <a:schemeClr val="lt1"/>
+          </a:fontRef>
+        </p:style>
+        <p:txBody>
+          <a:bodyPr rot="0" spcFirstLastPara="0" vertOverflow="overflow" horzOverflow="overflow" vert="horz" wrap="square" lIns="91440" tIns="45720" rIns="91440" bIns="45720" numCol="1" spcCol="0" rtlCol="0" fromWordArt="0" anchor="ctr" anchorCtr="0" forceAA="0" compatLnSpc="1">
+            <a:prstTxWarp prst="textNoShape">
+              <a:avLst/>
+            </a:prstTxWarp>
+            <a:noAutofit/>
+          </a:bodyPr>
+          <a:lstStyle/>
+          <a:p>
+            <a:pPr algn="ctr"/>
+            <a:r>
+              <a:rPr lang="de-DE" sz="800" dirty="0" smtClean="0">
+                <a:solidFill>
+                  <a:schemeClr val="tx1"/>
+                </a:solidFill>
+              </a:rPr>
+              <a:t>Testfall Thing</a:t>
+            </a:r>
+            <a:endParaRPr lang="de-DE" sz="800" dirty="0">
+              <a:solidFill>
+                <a:schemeClr val="tx1"/>
+              </a:solidFill>
+            </a:endParaRPr>
+          </a:p>
+        </p:txBody>
+      </p:sp>
+      <p:sp>
+        <p:nvSpPr>
+          <p:cNvPr id="6" name="Rectangle 5"/>
+          <p:cNvSpPr/>
+          <p:nvPr/>
+        </p:nvSpPr>
+        <p:spPr>
+          <a:xfrm>
+            <a:off x="6228184" y="3224223"/>
+            <a:ext cx="1512168" cy="996865"/>
+          </a:xfrm>
+          <a:prstGeom prst="rect">
+            <a:avLst/>
+          </a:prstGeom>
+          <a:noFill/>
+        </p:spPr>
+        <p:style>
+          <a:lnRef idx="2">
+            <a:schemeClr val="accent1">
+              <a:shade val="50000"/>
+            </a:schemeClr>
+          </a:lnRef>
+          <a:fillRef idx="1">
+            <a:schemeClr val="accent1"/>
+          </a:fillRef>
+          <a:effectRef idx="0">
+            <a:schemeClr val="accent1"/>
+          </a:effectRef>
+          <a:fontRef idx="minor">
+            <a:schemeClr val="lt1"/>
+          </a:fontRef>
+        </p:style>
+        <p:txBody>
+          <a:bodyPr rtlCol="0" anchor="ctr"/>
+          <a:lstStyle/>
+          <a:p>
+            <a:pPr algn="ctr"/>
+            <a:endParaRPr lang="de-DE"/>
+          </a:p>
+        </p:txBody>
+      </p:sp>
+      <p:sp>
+        <p:nvSpPr>
+          <p:cNvPr id="5" name="Rectangle 4"/>
+          <p:cNvSpPr/>
+          <p:nvPr/>
+        </p:nvSpPr>
+        <p:spPr>
+          <a:xfrm>
+            <a:off x="6732240" y="3409950"/>
+            <a:ext cx="576064" cy="86866"/>
+          </a:xfrm>
+          <a:prstGeom prst="rect">
+            <a:avLst/>
+          </a:prstGeom>
+          <a:solidFill>
+            <a:schemeClr val="bg1"/>
+          </a:solidFill>
+          <a:ln>
+            <a:solidFill>
+              <a:schemeClr val="bg1"/>
+            </a:solidFill>
+          </a:ln>
+        </p:spPr>
+        <p:style>
+          <a:lnRef idx="2">
+            <a:schemeClr val="accent1">
+              <a:shade val="50000"/>
+            </a:schemeClr>
+          </a:lnRef>
+          <a:fillRef idx="1">
+            <a:schemeClr val="accent1"/>
+          </a:fillRef>
+          <a:effectRef idx="0">
+            <a:schemeClr val="accent1"/>
+          </a:effectRef>
+          <a:fontRef idx="minor">
+            <a:schemeClr val="lt1"/>
+          </a:fontRef>
+        </p:style>
+        <p:txBody>
+          <a:bodyPr rot="0" spcFirstLastPara="0" vertOverflow="overflow" horzOverflow="overflow" vert="horz" wrap="square" lIns="91440" tIns="45720" rIns="91440" bIns="45720" numCol="1" spcCol="0" rtlCol="0" fromWordArt="0" anchor="ctr" anchorCtr="0" forceAA="0" compatLnSpc="1">
+            <a:prstTxWarp prst="textNoShape">
+              <a:avLst/>
+            </a:prstTxWarp>
+            <a:noAutofit/>
+          </a:bodyPr>
+          <a:lstStyle/>
+          <a:p>
+            <a:pPr algn="ctr"/>
+            <a:r>
+              <a:rPr lang="de-DE" sz="900" dirty="0" smtClean="0">
+                <a:solidFill>
+                  <a:schemeClr val="tx1"/>
+                </a:solidFill>
+              </a:rPr>
+              <a:t>CET</a:t>
+            </a:r>
+            <a:endParaRPr lang="de-DE" sz="900" dirty="0">
+              <a:solidFill>
+                <a:schemeClr val="tx1"/>
+              </a:solidFill>
+            </a:endParaRPr>
+          </a:p>
+        </p:txBody>
+      </p:sp>
+    </p:spTree>
+    <p:extLst>
+      <p:ext uri="{BB962C8B-B14F-4D97-AF65-F5344CB8AC3E}">
+        <p14:creationId xmlns:p14="http://schemas.microsoft.com/office/powerpoint/2010/main" val="1537699003"/>
+      </p:ext>
+    </p:extLst>
+  </p:cSld>
+  <p:clrMapOvr>
+    <a:masterClrMapping/>
+  </p:clrMapOvr>
+  <p:timing>
+    <p:tnLst>
+      <p:par>
+        <p:cTn id="1" dur="indefinite" restart="never" nodeType="tmRoot"/>
+      </p:par>
+    </p:tnLst>
+  </p:timing>
+</p:sld>
+</file>
+
+<file path=ppt/slides/slide15.xml><?xml version="1.0" encoding="utf-8"?>
+<p:sld xmlns:a="http://schemas.openxmlformats.org/drawingml/2006/main" xmlns:r="http://schemas.openxmlformats.org/officeDocument/2006/relationships" xmlns:p="http://schemas.openxmlformats.org/presentationml/2006/main">
+  <p:cSld>
+    <p:spTree>
+      <p:nvGrpSpPr>
+        <p:cNvPr id="1" name=""/>
+        <p:cNvGrpSpPr/>
+        <p:nvPr/>
+      </p:nvGrpSpPr>
+      <p:grpSpPr>
+        <a:xfrm>
+          <a:off x="0" y="0"/>
+          <a:ext cx="0" cy="0"/>
+          <a:chOff x="0" y="0"/>
+          <a:chExt cx="0" cy="0"/>
+        </a:xfrm>
+      </p:grpSpPr>
+      <p:pic>
+        <p:nvPicPr>
+          <p:cNvPr id="8" name="Content Placeholder 6"/>
+          <p:cNvPicPr>
+            <a:picLocks noChangeAspect="1"/>
+          </p:cNvPicPr>
+          <p:nvPr/>
+        </p:nvPicPr>
+        <p:blipFill>
+          <a:blip r:embed="rId2">
+            <a:extLst>
+              <a:ext uri="{28A0092B-C50C-407E-A947-70E740481C1C}">
+                <a14:useLocalDpi xmlns:a14="http://schemas.microsoft.com/office/drawing/2010/main" val="0"/>
+              </a:ext>
+            </a:extLst>
+          </a:blip>
+          <a:stretch>
+            <a:fillRect/>
+          </a:stretch>
+        </p:blipFill>
+        <p:spPr>
+          <a:xfrm>
+            <a:off x="539552" y="2132856"/>
+            <a:ext cx="8046156" cy="4525963"/>
+          </a:xfrm>
+          <a:prstGeom prst="rect">
+            <a:avLst/>
+          </a:prstGeom>
+          <a:ln>
+            <a:noFill/>
+          </a:ln>
+        </p:spPr>
+      </p:pic>
+      <p:sp>
+        <p:nvSpPr>
+          <p:cNvPr id="2" name="Title 1"/>
+          <p:cNvSpPr>
+            <a:spLocks noGrp="1"/>
+          </p:cNvSpPr>
+          <p:nvPr>
+            <p:ph type="title"/>
+          </p:nvPr>
+        </p:nvSpPr>
+        <p:spPr/>
+        <p:txBody>
+          <a:bodyPr/>
+          <a:lstStyle/>
+          <a:p>
+            <a:r>
+              <a:rPr lang="de-DE" dirty="0" smtClean="0"/>
+              <a:t>Testfall</a:t>
+            </a:r>
+            <a:endParaRPr lang="de-DE" dirty="0"/>
+          </a:p>
+        </p:txBody>
+      </p:sp>
+      <p:sp>
+        <p:nvSpPr>
+          <p:cNvPr id="4" name="TextBox 3"/>
+          <p:cNvSpPr txBox="1"/>
+          <p:nvPr/>
+        </p:nvSpPr>
+        <p:spPr>
+          <a:xfrm>
+            <a:off x="539552" y="1484784"/>
+            <a:ext cx="4752528" cy="461665"/>
+          </a:xfrm>
+          <a:prstGeom prst="rect">
+            <a:avLst/>
+          </a:prstGeom>
+          <a:noFill/>
+        </p:spPr>
+        <p:txBody>
+          <a:bodyPr wrap="square" rtlCol="0">
+            <a:spAutoFit/>
+          </a:bodyPr>
+          <a:lstStyle/>
+          <a:p>
+            <a:pPr marL="342900" indent="-342900">
+              <a:buFont typeface="Arial" pitchFamily="34" charset="0"/>
+              <a:buChar char="•"/>
+            </a:pPr>
+            <a:r>
+              <a:rPr lang="de-DE" sz="2400" dirty="0" smtClean="0"/>
+              <a:t>Neuen Datastream erstellen</a:t>
+            </a:r>
+            <a:endParaRPr lang="de-DE" sz="2400" dirty="0"/>
+          </a:p>
+        </p:txBody>
+      </p:sp>
+      <p:sp>
+        <p:nvSpPr>
+          <p:cNvPr id="5" name="Rectangle 4"/>
+          <p:cNvSpPr/>
+          <p:nvPr/>
+        </p:nvSpPr>
+        <p:spPr>
+          <a:xfrm>
+            <a:off x="4283968" y="5085184"/>
+            <a:ext cx="486000" cy="180000"/>
+          </a:xfrm>
+          <a:prstGeom prst="rect">
+            <a:avLst/>
+          </a:prstGeom>
+          <a:noFill/>
+        </p:spPr>
+        <p:style>
+          <a:lnRef idx="2">
+            <a:schemeClr val="accent1">
+              <a:shade val="50000"/>
+            </a:schemeClr>
+          </a:lnRef>
+          <a:fillRef idx="1">
+            <a:schemeClr val="accent1"/>
+          </a:fillRef>
+          <a:effectRef idx="0">
+            <a:schemeClr val="accent1"/>
+          </a:effectRef>
+          <a:fontRef idx="minor">
+            <a:schemeClr val="lt1"/>
+          </a:fontRef>
+        </p:style>
+        <p:txBody>
+          <a:bodyPr rtlCol="0" anchor="ctr"/>
+          <a:lstStyle/>
+          <a:p>
+            <a:pPr algn="ctr"/>
+            <a:endParaRPr lang="de-DE"/>
+          </a:p>
+        </p:txBody>
+      </p:sp>
+      <p:sp>
+        <p:nvSpPr>
+          <p:cNvPr id="9" name="Rectangle 8"/>
+          <p:cNvSpPr/>
+          <p:nvPr/>
+        </p:nvSpPr>
+        <p:spPr>
+          <a:xfrm>
+            <a:off x="4181102" y="3409950"/>
+            <a:ext cx="822946" cy="86866"/>
+          </a:xfrm>
+          <a:prstGeom prst="rect">
+            <a:avLst/>
+          </a:prstGeom>
+          <a:solidFill>
+            <a:schemeClr val="bg1"/>
+          </a:solidFill>
+          <a:ln>
+            <a:noFill/>
+          </a:ln>
+        </p:spPr>
+        <p:style>
+          <a:lnRef idx="2">
+            <a:schemeClr val="accent1">
+              <a:shade val="50000"/>
+            </a:schemeClr>
+          </a:lnRef>
+          <a:fillRef idx="1">
+            <a:schemeClr val="accent1"/>
+          </a:fillRef>
+          <a:effectRef idx="0">
+            <a:schemeClr val="accent1"/>
+          </a:effectRef>
+          <a:fontRef idx="minor">
+            <a:schemeClr val="lt1"/>
+          </a:fontRef>
+        </p:style>
+        <p:txBody>
+          <a:bodyPr rot="0" spcFirstLastPara="0" vertOverflow="overflow" horzOverflow="overflow" vert="horz" wrap="square" lIns="91440" tIns="45720" rIns="91440" bIns="45720" numCol="1" spcCol="0" rtlCol="0" fromWordArt="0" anchor="ctr" anchorCtr="0" forceAA="0" compatLnSpc="1">
+            <a:prstTxWarp prst="textNoShape">
+              <a:avLst/>
+            </a:prstTxWarp>
+            <a:noAutofit/>
+          </a:bodyPr>
+          <a:lstStyle/>
+          <a:p>
+            <a:pPr algn="ctr"/>
+            <a:r>
+              <a:rPr lang="de-DE" sz="800" dirty="0" smtClean="0">
+                <a:solidFill>
+                  <a:schemeClr val="tx1"/>
+                </a:solidFill>
+              </a:rPr>
+              <a:t>Testfall Thing</a:t>
+            </a:r>
+            <a:endParaRPr lang="de-DE" sz="800" dirty="0">
+              <a:solidFill>
+                <a:schemeClr val="tx1"/>
+              </a:solidFill>
+            </a:endParaRPr>
+          </a:p>
+        </p:txBody>
+      </p:sp>
+      <p:sp>
+        <p:nvSpPr>
+          <p:cNvPr id="10" name="Rectangle 9"/>
+          <p:cNvSpPr/>
+          <p:nvPr/>
+        </p:nvSpPr>
+        <p:spPr>
+          <a:xfrm>
+            <a:off x="6732240" y="3409950"/>
+            <a:ext cx="576064" cy="86866"/>
+          </a:xfrm>
+          <a:prstGeom prst="rect">
+            <a:avLst/>
+          </a:prstGeom>
+          <a:solidFill>
+            <a:schemeClr val="bg1"/>
+          </a:solidFill>
+          <a:ln>
+            <a:solidFill>
+              <a:schemeClr val="bg1"/>
+            </a:solidFill>
+          </a:ln>
+        </p:spPr>
+        <p:style>
+          <a:lnRef idx="2">
+            <a:schemeClr val="accent1">
+              <a:shade val="50000"/>
+            </a:schemeClr>
+          </a:lnRef>
+          <a:fillRef idx="1">
+            <a:schemeClr val="accent1"/>
+          </a:fillRef>
+          <a:effectRef idx="0">
+            <a:schemeClr val="accent1"/>
+          </a:effectRef>
+          <a:fontRef idx="minor">
+            <a:schemeClr val="lt1"/>
+          </a:fontRef>
+        </p:style>
+        <p:txBody>
+          <a:bodyPr rot="0" spcFirstLastPara="0" vertOverflow="overflow" horzOverflow="overflow" vert="horz" wrap="square" lIns="91440" tIns="45720" rIns="91440" bIns="45720" numCol="1" spcCol="0" rtlCol="0" fromWordArt="0" anchor="ctr" anchorCtr="0" forceAA="0" compatLnSpc="1">
+            <a:prstTxWarp prst="textNoShape">
+              <a:avLst/>
+            </a:prstTxWarp>
+            <a:noAutofit/>
+          </a:bodyPr>
+          <a:lstStyle/>
+          <a:p>
+            <a:pPr algn="ctr"/>
+            <a:r>
+              <a:rPr lang="de-DE" sz="900" dirty="0" smtClean="0">
+                <a:solidFill>
+                  <a:schemeClr val="tx1"/>
+                </a:solidFill>
+              </a:rPr>
+              <a:t>CET</a:t>
+            </a:r>
+            <a:endParaRPr lang="de-DE" sz="900" dirty="0">
+              <a:solidFill>
+                <a:schemeClr val="tx1"/>
+              </a:solidFill>
+            </a:endParaRPr>
+          </a:p>
+        </p:txBody>
+      </p:sp>
+    </p:spTree>
+    <p:extLst>
+      <p:ext uri="{BB962C8B-B14F-4D97-AF65-F5344CB8AC3E}">
+        <p14:creationId xmlns:p14="http://schemas.microsoft.com/office/powerpoint/2010/main" val="1537699003"/>
+      </p:ext>
+    </p:extLst>
+  </p:cSld>
+  <p:clrMapOvr>
+    <a:masterClrMapping/>
+  </p:clrMapOvr>
+  <p:timing>
+    <p:tnLst>
+      <p:par>
+        <p:cTn id="1" dur="indefinite" restart="never" nodeType="tmRoot"/>
+      </p:par>
+    </p:tnLst>
+  </p:timing>
+</p:sld>
+</file>
+
+<file path=ppt/slides/slide16.xml><?xml version="1.0" encoding="utf-8"?>
+<p:sld xmlns:a="http://schemas.openxmlformats.org/drawingml/2006/main" xmlns:r="http://schemas.openxmlformats.org/officeDocument/2006/relationships" xmlns:p="http://schemas.openxmlformats.org/presentationml/2006/main">
+  <p:cSld>
+    <p:spTree>
+      <p:nvGrpSpPr>
+        <p:cNvPr id="1" name=""/>
+        <p:cNvGrpSpPr/>
+        <p:nvPr/>
+      </p:nvGrpSpPr>
+      <p:grpSpPr>
+        <a:xfrm>
+          <a:off x="0" y="0"/>
+          <a:ext cx="0" cy="0"/>
+          <a:chOff x="0" y="0"/>
+          <a:chExt cx="0" cy="0"/>
+        </a:xfrm>
+      </p:grpSpPr>
+      <p:sp>
+        <p:nvSpPr>
+          <p:cNvPr id="2" name="Title 1"/>
+          <p:cNvSpPr>
+            <a:spLocks noGrp="1"/>
+          </p:cNvSpPr>
+          <p:nvPr>
+            <p:ph type="title"/>
+          </p:nvPr>
+        </p:nvSpPr>
+        <p:spPr/>
+        <p:txBody>
+          <a:bodyPr/>
+          <a:lstStyle/>
+          <a:p>
+            <a:r>
+              <a:rPr lang="de-DE" dirty="0" smtClean="0"/>
+              <a:t>Testfall</a:t>
+            </a:r>
+            <a:endParaRPr lang="de-DE" dirty="0"/>
+          </a:p>
+        </p:txBody>
+      </p:sp>
+      <p:pic>
+        <p:nvPicPr>
+          <p:cNvPr id="4" name="Content Placeholder 3"/>
+          <p:cNvPicPr>
+            <a:picLocks noGrp="1" noChangeAspect="1"/>
+          </p:cNvPicPr>
+          <p:nvPr>
+            <p:ph idx="1"/>
+          </p:nvPr>
+        </p:nvPicPr>
+        <p:blipFill>
+          <a:blip r:embed="rId2">
+            <a:extLst>
+              <a:ext uri="{28A0092B-C50C-407E-A947-70E740481C1C}">
+                <a14:useLocalDpi xmlns:a14="http://schemas.microsoft.com/office/drawing/2010/main" val="0"/>
+              </a:ext>
+            </a:extLst>
+          </a:blip>
+          <a:stretch>
+            <a:fillRect/>
+          </a:stretch>
+        </p:blipFill>
+        <p:spPr>
+          <a:xfrm>
+            <a:off x="1619672" y="2564904"/>
+            <a:ext cx="5906324" cy="4077269"/>
+          </a:xfrm>
+        </p:spPr>
+      </p:pic>
+      <p:sp>
+        <p:nvSpPr>
+          <p:cNvPr id="5" name="TextBox 4"/>
+          <p:cNvSpPr txBox="1"/>
+          <p:nvPr/>
+        </p:nvSpPr>
+        <p:spPr>
+          <a:xfrm>
+            <a:off x="539552" y="1484784"/>
+            <a:ext cx="4752528" cy="461665"/>
+          </a:xfrm>
+          <a:prstGeom prst="rect">
+            <a:avLst/>
+          </a:prstGeom>
+          <a:noFill/>
+        </p:spPr>
+        <p:txBody>
+          <a:bodyPr wrap="square" rtlCol="0">
+            <a:spAutoFit/>
+          </a:bodyPr>
+          <a:lstStyle/>
+          <a:p>
+            <a:pPr marL="342900" indent="-342900">
+              <a:buFont typeface="Arial" pitchFamily="34" charset="0"/>
+              <a:buChar char="•"/>
+            </a:pPr>
+            <a:r>
+              <a:rPr lang="de-DE" sz="2400" dirty="0" smtClean="0"/>
+              <a:t>Datastream Daten angeben</a:t>
+            </a:r>
+            <a:endParaRPr lang="de-DE" sz="2400" dirty="0"/>
+          </a:p>
+        </p:txBody>
+      </p:sp>
+      <p:sp>
+        <p:nvSpPr>
+          <p:cNvPr id="6" name="TextBox 5"/>
+          <p:cNvSpPr txBox="1"/>
+          <p:nvPr/>
+        </p:nvSpPr>
+        <p:spPr>
+          <a:xfrm>
+            <a:off x="3123573" y="2994902"/>
+            <a:ext cx="1800201" cy="307777"/>
+          </a:xfrm>
+          <a:prstGeom prst="rect">
+            <a:avLst/>
+          </a:prstGeom>
+          <a:noFill/>
+        </p:spPr>
+        <p:txBody>
+          <a:bodyPr wrap="square" rtlCol="0">
+            <a:spAutoFit/>
+          </a:bodyPr>
+          <a:lstStyle/>
+          <a:p>
+            <a:r>
+              <a:rPr lang="de-DE" sz="1400" dirty="0" smtClean="0"/>
+              <a:t>Test-Datastream</a:t>
+            </a:r>
+            <a:endParaRPr lang="de-DE" sz="1400" dirty="0"/>
+          </a:p>
+        </p:txBody>
+      </p:sp>
+      <p:sp>
+        <p:nvSpPr>
+          <p:cNvPr id="7" name="TextBox 6"/>
+          <p:cNvSpPr txBox="1"/>
+          <p:nvPr/>
+        </p:nvSpPr>
+        <p:spPr>
+          <a:xfrm>
+            <a:off x="3137829" y="3322671"/>
+            <a:ext cx="2448272" cy="307777"/>
+          </a:xfrm>
+          <a:prstGeom prst="rect">
+            <a:avLst/>
+          </a:prstGeom>
+          <a:noFill/>
+        </p:spPr>
+        <p:txBody>
+          <a:bodyPr wrap="square" rtlCol="0">
+            <a:spAutoFit/>
+          </a:bodyPr>
+          <a:lstStyle/>
+          <a:p>
+            <a:r>
+              <a:rPr lang="de-DE" sz="1400" dirty="0" smtClean="0"/>
+              <a:t>Test</a:t>
+            </a:r>
+            <a:endParaRPr lang="de-DE" sz="1400" dirty="0"/>
+          </a:p>
+        </p:txBody>
+      </p:sp>
+      <p:sp>
+        <p:nvSpPr>
+          <p:cNvPr id="8" name="Rectangle 7"/>
+          <p:cNvSpPr/>
+          <p:nvPr/>
+        </p:nvSpPr>
+        <p:spPr>
+          <a:xfrm>
+            <a:off x="3105228" y="3717032"/>
+            <a:ext cx="818700" cy="216024"/>
+          </a:xfrm>
+          <a:prstGeom prst="rect">
+            <a:avLst/>
+          </a:prstGeom>
+          <a:solidFill>
+            <a:schemeClr val="bg1"/>
+          </a:solidFill>
+          <a:ln>
+            <a:solidFill>
+              <a:schemeClr val="bg1"/>
+            </a:solidFill>
+          </a:ln>
+        </p:spPr>
+        <p:style>
+          <a:lnRef idx="2">
+            <a:schemeClr val="accent1">
+              <a:shade val="50000"/>
+            </a:schemeClr>
+          </a:lnRef>
+          <a:fillRef idx="1">
+            <a:schemeClr val="accent1"/>
+          </a:fillRef>
+          <a:effectRef idx="0">
+            <a:schemeClr val="accent1"/>
+          </a:effectRef>
+          <a:fontRef idx="minor">
+            <a:schemeClr val="lt1"/>
+          </a:fontRef>
+        </p:style>
+        <p:txBody>
+          <a:bodyPr rot="0" spcFirstLastPara="0" vertOverflow="overflow" horzOverflow="overflow" vert="horz" wrap="square" lIns="91440" tIns="45720" rIns="91440" bIns="45720" numCol="1" spcCol="0" rtlCol="0" fromWordArt="0" anchor="ctr" anchorCtr="0" forceAA="0" compatLnSpc="1">
+            <a:prstTxWarp prst="textNoShape">
+              <a:avLst/>
+            </a:prstTxWarp>
+            <a:noAutofit/>
+          </a:bodyPr>
+          <a:lstStyle/>
+          <a:p>
+            <a:pPr algn="ctr"/>
+            <a:r>
+              <a:rPr lang="de-DE" sz="1400" dirty="0" smtClean="0">
+                <a:solidFill>
+                  <a:schemeClr val="tx1"/>
+                </a:solidFill>
+              </a:rPr>
+              <a:t>Integer</a:t>
+            </a:r>
+            <a:endParaRPr lang="de-DE" sz="1400" dirty="0">
+              <a:solidFill>
+                <a:schemeClr val="tx1"/>
+              </a:solidFill>
+            </a:endParaRPr>
+          </a:p>
+        </p:txBody>
+      </p:sp>
+      <p:sp>
+        <p:nvSpPr>
+          <p:cNvPr id="9" name="Rectangle 8"/>
+          <p:cNvSpPr/>
+          <p:nvPr/>
+        </p:nvSpPr>
+        <p:spPr>
+          <a:xfrm>
+            <a:off x="3105228" y="4077072"/>
+            <a:ext cx="1106732" cy="216024"/>
+          </a:xfrm>
+          <a:prstGeom prst="rect">
+            <a:avLst/>
+          </a:prstGeom>
+          <a:solidFill>
+            <a:schemeClr val="bg1"/>
+          </a:solidFill>
+          <a:ln>
+            <a:solidFill>
+              <a:schemeClr val="bg1"/>
+            </a:solidFill>
+          </a:ln>
+        </p:spPr>
+        <p:style>
+          <a:lnRef idx="2">
+            <a:schemeClr val="accent1">
+              <a:shade val="50000"/>
+            </a:schemeClr>
+          </a:lnRef>
+          <a:fillRef idx="1">
+            <a:schemeClr val="accent1"/>
+          </a:fillRef>
+          <a:effectRef idx="0">
+            <a:schemeClr val="accent1"/>
+          </a:effectRef>
+          <a:fontRef idx="minor">
+            <a:schemeClr val="lt1"/>
+          </a:fontRef>
+        </p:style>
+        <p:txBody>
+          <a:bodyPr rot="0" spcFirstLastPara="0" vertOverflow="overflow" horzOverflow="overflow" vert="horz" wrap="square" lIns="91440" tIns="45720" rIns="91440" bIns="45720" numCol="1" spcCol="0" rtlCol="0" fromWordArt="0" anchor="ctr" anchorCtr="0" forceAA="0" compatLnSpc="1">
+            <a:prstTxWarp prst="textNoShape">
+              <a:avLst/>
+            </a:prstTxWarp>
+            <a:noAutofit/>
+          </a:bodyPr>
+          <a:lstStyle/>
+          <a:p>
+            <a:pPr algn="ctr"/>
+            <a:r>
+              <a:rPr lang="de-DE" sz="1400" dirty="0" smtClean="0">
+                <a:solidFill>
+                  <a:schemeClr val="tx1"/>
+                </a:solidFill>
+              </a:rPr>
+              <a:t>Tachometer</a:t>
+            </a:r>
+            <a:endParaRPr lang="de-DE" sz="1400" dirty="0">
+              <a:solidFill>
+                <a:schemeClr val="tx1"/>
+              </a:solidFill>
+            </a:endParaRPr>
+          </a:p>
+        </p:txBody>
+      </p:sp>
+      <p:sp>
+        <p:nvSpPr>
+          <p:cNvPr id="10" name="Rectangle 9"/>
+          <p:cNvSpPr/>
+          <p:nvPr/>
+        </p:nvSpPr>
+        <p:spPr>
+          <a:xfrm>
+            <a:off x="6372200" y="5373216"/>
+            <a:ext cx="360040" cy="144016"/>
+          </a:xfrm>
+          <a:prstGeom prst="rect">
+            <a:avLst/>
+          </a:prstGeom>
+          <a:solidFill>
+            <a:schemeClr val="bg1"/>
+          </a:solidFill>
+          <a:ln>
+            <a:solidFill>
+              <a:schemeClr val="bg1"/>
+            </a:solidFill>
+          </a:ln>
+        </p:spPr>
+        <p:style>
+          <a:lnRef idx="2">
+            <a:schemeClr val="accent1">
+              <a:shade val="50000"/>
+            </a:schemeClr>
+          </a:lnRef>
+          <a:fillRef idx="1">
+            <a:schemeClr val="accent1"/>
+          </a:fillRef>
+          <a:effectRef idx="0">
+            <a:schemeClr val="accent1"/>
+          </a:effectRef>
+          <a:fontRef idx="minor">
+            <a:schemeClr val="lt1"/>
+          </a:fontRef>
+        </p:style>
+        <p:txBody>
+          <a:bodyPr rot="0" spcFirstLastPara="0" vertOverflow="overflow" horzOverflow="overflow" vert="horz" wrap="square" lIns="91440" tIns="45720" rIns="91440" bIns="45720" numCol="1" spcCol="0" rtlCol="0" fromWordArt="0" anchor="ctr" anchorCtr="0" forceAA="0" compatLnSpc="1">
+            <a:prstTxWarp prst="textNoShape">
+              <a:avLst/>
+            </a:prstTxWarp>
+            <a:noAutofit/>
+          </a:bodyPr>
+          <a:lstStyle/>
+          <a:p>
+            <a:pPr algn="ctr"/>
+            <a:endParaRPr lang="de-DE"/>
+          </a:p>
+        </p:txBody>
+      </p:sp>
+      <p:sp>
+        <p:nvSpPr>
+          <p:cNvPr id="11" name="Rectangle 10"/>
+          <p:cNvSpPr/>
+          <p:nvPr/>
+        </p:nvSpPr>
+        <p:spPr>
+          <a:xfrm>
+            <a:off x="1835696" y="5373216"/>
+            <a:ext cx="1080120" cy="144016"/>
+          </a:xfrm>
+          <a:prstGeom prst="rect">
+            <a:avLst/>
+          </a:prstGeom>
+          <a:solidFill>
+            <a:schemeClr val="bg1"/>
+          </a:solidFill>
+          <a:ln>
+            <a:solidFill>
+              <a:schemeClr val="bg1"/>
+            </a:solidFill>
+          </a:ln>
+        </p:spPr>
+        <p:style>
+          <a:lnRef idx="2">
+            <a:schemeClr val="accent1">
+              <a:shade val="50000"/>
+            </a:schemeClr>
+          </a:lnRef>
+          <a:fillRef idx="1">
+            <a:schemeClr val="accent1"/>
+          </a:fillRef>
+          <a:effectRef idx="0">
+            <a:schemeClr val="accent1"/>
+          </a:effectRef>
+          <a:fontRef idx="minor">
+            <a:schemeClr val="lt1"/>
+          </a:fontRef>
+        </p:style>
+        <p:txBody>
+          <a:bodyPr rot="0" spcFirstLastPara="0" vertOverflow="overflow" horzOverflow="overflow" vert="horz" wrap="square" lIns="91440" tIns="45720" rIns="91440" bIns="45720" numCol="1" spcCol="0" rtlCol="0" fromWordArt="0" anchor="ctr" anchorCtr="0" forceAA="0" compatLnSpc="1">
+            <a:prstTxWarp prst="textNoShape">
+              <a:avLst/>
+            </a:prstTxWarp>
+            <a:noAutofit/>
+          </a:bodyPr>
+          <a:lstStyle/>
+          <a:p>
+            <a:pPr algn="ctr"/>
+            <a:r>
+              <a:rPr lang="de-DE" sz="1400" dirty="0" smtClean="0">
+                <a:solidFill>
+                  <a:schemeClr val="tx1"/>
+                </a:solidFill>
+              </a:rPr>
+              <a:t>Speed</a:t>
+            </a:r>
+            <a:endParaRPr lang="de-DE" sz="1400" dirty="0">
+              <a:solidFill>
+                <a:schemeClr val="tx1"/>
+              </a:solidFill>
+            </a:endParaRPr>
+          </a:p>
+        </p:txBody>
+      </p:sp>
+    </p:spTree>
+    <p:extLst>
+      <p:ext uri="{BB962C8B-B14F-4D97-AF65-F5344CB8AC3E}">
+        <p14:creationId xmlns:p14="http://schemas.microsoft.com/office/powerpoint/2010/main" val="3419808928"/>
+      </p:ext>
+    </p:extLst>
+  </p:cSld>
+  <p:clrMapOvr>
+    <a:masterClrMapping/>
+  </p:clrMapOvr>
+</p:sld>
+</file>
+
+<file path=ppt/slides/slide17.xml><?xml version="1.0" encoding="utf-8"?>
+<p:sld xmlns:a="http://schemas.openxmlformats.org/drawingml/2006/main" xmlns:r="http://schemas.openxmlformats.org/officeDocument/2006/relationships" xmlns:p="http://schemas.openxmlformats.org/presentationml/2006/main">
+  <p:cSld>
+    <p:spTree>
+      <p:nvGrpSpPr>
+        <p:cNvPr id="1" name=""/>
+        <p:cNvGrpSpPr/>
+        <p:nvPr/>
+      </p:nvGrpSpPr>
+      <p:grpSpPr>
+        <a:xfrm>
+          <a:off x="0" y="0"/>
+          <a:ext cx="0" cy="0"/>
+          <a:chOff x="0" y="0"/>
+          <a:chExt cx="0" cy="0"/>
+        </a:xfrm>
+      </p:grpSpPr>
+      <p:pic>
+        <p:nvPicPr>
+          <p:cNvPr id="8" name="Content Placeholder 6"/>
+          <p:cNvPicPr>
+            <a:picLocks noChangeAspect="1"/>
+          </p:cNvPicPr>
+          <p:nvPr/>
+        </p:nvPicPr>
+        <p:blipFill>
+          <a:blip r:embed="rId2">
+            <a:extLst>
+              <a:ext uri="{28A0092B-C50C-407E-A947-70E740481C1C}">
+                <a14:useLocalDpi xmlns:a14="http://schemas.microsoft.com/office/drawing/2010/main" val="0"/>
+              </a:ext>
+            </a:extLst>
+          </a:blip>
+          <a:stretch>
+            <a:fillRect/>
+          </a:stretch>
+        </p:blipFill>
+        <p:spPr>
+          <a:xfrm>
+            <a:off x="539552" y="2132855"/>
+            <a:ext cx="8046156" cy="4525963"/>
+          </a:xfrm>
+          <a:prstGeom prst="rect">
+            <a:avLst/>
+          </a:prstGeom>
+          <a:ln>
+            <a:noFill/>
+          </a:ln>
+        </p:spPr>
+      </p:pic>
+      <p:sp>
+        <p:nvSpPr>
+          <p:cNvPr id="2" name="Title 1"/>
+          <p:cNvSpPr>
+            <a:spLocks noGrp="1"/>
+          </p:cNvSpPr>
+          <p:nvPr>
+            <p:ph type="title"/>
+          </p:nvPr>
+        </p:nvSpPr>
+        <p:spPr/>
+        <p:txBody>
+          <a:bodyPr/>
+          <a:lstStyle/>
+          <a:p>
+            <a:r>
+              <a:rPr lang="de-DE" dirty="0" smtClean="0"/>
+              <a:t>Testfall</a:t>
+            </a:r>
+            <a:endParaRPr lang="de-DE" dirty="0"/>
+          </a:p>
+        </p:txBody>
+      </p:sp>
+      <p:sp>
+        <p:nvSpPr>
+          <p:cNvPr id="4" name="TextBox 3"/>
+          <p:cNvSpPr txBox="1"/>
+          <p:nvPr/>
+        </p:nvSpPr>
+        <p:spPr>
+          <a:xfrm>
+            <a:off x="539552" y="1484784"/>
+            <a:ext cx="4752528" cy="461665"/>
+          </a:xfrm>
+          <a:prstGeom prst="rect">
+            <a:avLst/>
+          </a:prstGeom>
+          <a:noFill/>
+        </p:spPr>
+        <p:txBody>
+          <a:bodyPr wrap="square" rtlCol="0">
+            <a:spAutoFit/>
+          </a:bodyPr>
+          <a:lstStyle/>
+          <a:p>
+            <a:pPr marL="342900" indent="-342900">
+              <a:buFont typeface="Arial" pitchFamily="34" charset="0"/>
+              <a:buChar char="•"/>
+            </a:pPr>
+            <a:r>
+              <a:rPr lang="de-DE" sz="2400" dirty="0" smtClean="0"/>
+              <a:t>Upload starten</a:t>
+            </a:r>
+            <a:endParaRPr lang="de-DE" sz="2400" dirty="0"/>
+          </a:p>
+        </p:txBody>
+      </p:sp>
+      <p:sp>
+        <p:nvSpPr>
+          <p:cNvPr id="9" name="Rectangle 8"/>
+          <p:cNvSpPr/>
+          <p:nvPr/>
+        </p:nvSpPr>
+        <p:spPr>
+          <a:xfrm>
+            <a:off x="4181102" y="3409950"/>
+            <a:ext cx="822946" cy="86866"/>
+          </a:xfrm>
+          <a:prstGeom prst="rect">
+            <a:avLst/>
+          </a:prstGeom>
+          <a:solidFill>
+            <a:schemeClr val="bg1"/>
+          </a:solidFill>
+          <a:ln>
+            <a:noFill/>
+          </a:ln>
+        </p:spPr>
+        <p:style>
+          <a:lnRef idx="2">
+            <a:schemeClr val="accent1">
+              <a:shade val="50000"/>
+            </a:schemeClr>
+          </a:lnRef>
+          <a:fillRef idx="1">
+            <a:schemeClr val="accent1"/>
+          </a:fillRef>
+          <a:effectRef idx="0">
+            <a:schemeClr val="accent1"/>
+          </a:effectRef>
+          <a:fontRef idx="minor">
+            <a:schemeClr val="lt1"/>
+          </a:fontRef>
+        </p:style>
+        <p:txBody>
+          <a:bodyPr rot="0" spcFirstLastPara="0" vertOverflow="overflow" horzOverflow="overflow" vert="horz" wrap="square" lIns="91440" tIns="45720" rIns="91440" bIns="45720" numCol="1" spcCol="0" rtlCol="0" fromWordArt="0" anchor="ctr" anchorCtr="0" forceAA="0" compatLnSpc="1">
+            <a:prstTxWarp prst="textNoShape">
+              <a:avLst/>
+            </a:prstTxWarp>
+            <a:noAutofit/>
+          </a:bodyPr>
+          <a:lstStyle/>
+          <a:p>
+            <a:pPr algn="ctr"/>
+            <a:r>
+              <a:rPr lang="de-DE" sz="800" dirty="0" smtClean="0">
+                <a:solidFill>
+                  <a:schemeClr val="tx1"/>
+                </a:solidFill>
+              </a:rPr>
+              <a:t>Testfall Thing</a:t>
+            </a:r>
+            <a:endParaRPr lang="de-DE" sz="800" dirty="0">
+              <a:solidFill>
+                <a:schemeClr val="tx1"/>
+              </a:solidFill>
+            </a:endParaRPr>
+          </a:p>
+        </p:txBody>
+      </p:sp>
+      <p:sp>
+        <p:nvSpPr>
+          <p:cNvPr id="10" name="Rectangle 9"/>
+          <p:cNvSpPr/>
+          <p:nvPr/>
+        </p:nvSpPr>
+        <p:spPr>
+          <a:xfrm>
+            <a:off x="6732240" y="3409950"/>
+            <a:ext cx="576064" cy="86866"/>
+          </a:xfrm>
+          <a:prstGeom prst="rect">
+            <a:avLst/>
+          </a:prstGeom>
+          <a:solidFill>
+            <a:schemeClr val="bg1"/>
+          </a:solidFill>
+          <a:ln>
+            <a:solidFill>
+              <a:schemeClr val="bg1"/>
+            </a:solidFill>
+          </a:ln>
+        </p:spPr>
+        <p:style>
+          <a:lnRef idx="2">
+            <a:schemeClr val="accent1">
+              <a:shade val="50000"/>
+            </a:schemeClr>
+          </a:lnRef>
+          <a:fillRef idx="1">
+            <a:schemeClr val="accent1"/>
+          </a:fillRef>
+          <a:effectRef idx="0">
+            <a:schemeClr val="accent1"/>
+          </a:effectRef>
+          <a:fontRef idx="minor">
+            <a:schemeClr val="lt1"/>
+          </a:fontRef>
+        </p:style>
+        <p:txBody>
+          <a:bodyPr rot="0" spcFirstLastPara="0" vertOverflow="overflow" horzOverflow="overflow" vert="horz" wrap="square" lIns="91440" tIns="45720" rIns="91440" bIns="45720" numCol="1" spcCol="0" rtlCol="0" fromWordArt="0" anchor="ctr" anchorCtr="0" forceAA="0" compatLnSpc="1">
+            <a:prstTxWarp prst="textNoShape">
+              <a:avLst/>
+            </a:prstTxWarp>
+            <a:noAutofit/>
+          </a:bodyPr>
+          <a:lstStyle/>
+          <a:p>
+            <a:pPr algn="ctr"/>
+            <a:r>
+              <a:rPr lang="de-DE" sz="900" dirty="0" smtClean="0">
+                <a:solidFill>
+                  <a:schemeClr val="tx1"/>
+                </a:solidFill>
+              </a:rPr>
+              <a:t>CET</a:t>
+            </a:r>
+            <a:endParaRPr lang="de-DE" sz="900" dirty="0">
+              <a:solidFill>
+                <a:schemeClr val="tx1"/>
+              </a:solidFill>
+            </a:endParaRPr>
+          </a:p>
+        </p:txBody>
+      </p:sp>
+      <p:sp>
+        <p:nvSpPr>
+          <p:cNvPr id="3" name="Rectangle 2"/>
+          <p:cNvSpPr/>
+          <p:nvPr/>
+        </p:nvSpPr>
+        <p:spPr>
+          <a:xfrm>
+            <a:off x="3059832" y="5445224"/>
+            <a:ext cx="792088" cy="216024"/>
+          </a:xfrm>
+          <a:prstGeom prst="rect">
+            <a:avLst/>
+          </a:prstGeom>
+          <a:solidFill>
+            <a:schemeClr val="bg1"/>
+          </a:solidFill>
+          <a:ln>
+            <a:solidFill>
+              <a:schemeClr val="bg1"/>
+            </a:solidFill>
+          </a:ln>
+        </p:spPr>
+        <p:style>
+          <a:lnRef idx="2">
+            <a:schemeClr val="accent1">
+              <a:shade val="50000"/>
+            </a:schemeClr>
+          </a:lnRef>
+          <a:fillRef idx="1">
+            <a:schemeClr val="accent1"/>
+          </a:fillRef>
+          <a:effectRef idx="0">
+            <a:schemeClr val="accent1"/>
+          </a:effectRef>
+          <a:fontRef idx="minor">
+            <a:schemeClr val="lt1"/>
+          </a:fontRef>
+        </p:style>
+        <p:txBody>
+          <a:bodyPr rot="0" spcFirstLastPara="0" vertOverflow="overflow" horzOverflow="overflow" vert="horz" wrap="square" lIns="91440" tIns="45720" rIns="91440" bIns="45720" numCol="1" spcCol="0" rtlCol="0" fromWordArt="0" anchor="ctr" anchorCtr="0" forceAA="0" compatLnSpc="1">
+            <a:prstTxWarp prst="textNoShape">
+              <a:avLst/>
+            </a:prstTxWarp>
+            <a:noAutofit/>
+          </a:bodyPr>
+          <a:lstStyle/>
+          <a:p>
+            <a:pPr algn="ctr"/>
+            <a:endParaRPr lang="de-DE"/>
+          </a:p>
+        </p:txBody>
+      </p:sp>
+      <p:sp>
+        <p:nvSpPr>
+          <p:cNvPr id="6" name="Rectangle 5"/>
+          <p:cNvSpPr/>
+          <p:nvPr/>
+        </p:nvSpPr>
+        <p:spPr>
+          <a:xfrm>
+            <a:off x="3455876" y="4869160"/>
+            <a:ext cx="1044116" cy="108000"/>
+          </a:xfrm>
+          <a:prstGeom prst="rect">
+            <a:avLst/>
+          </a:prstGeom>
+          <a:solidFill>
+            <a:schemeClr val="bg1"/>
+          </a:solidFill>
+          <a:ln>
+            <a:solidFill>
+              <a:schemeClr val="bg1"/>
+            </a:solidFill>
+          </a:ln>
+        </p:spPr>
+        <p:style>
+          <a:lnRef idx="2">
+            <a:schemeClr val="accent1">
+              <a:shade val="50000"/>
+            </a:schemeClr>
+          </a:lnRef>
+          <a:fillRef idx="1">
+            <a:schemeClr val="accent1"/>
+          </a:fillRef>
+          <a:effectRef idx="0">
+            <a:schemeClr val="accent1"/>
+          </a:effectRef>
+          <a:fontRef idx="minor">
+            <a:schemeClr val="lt1"/>
+          </a:fontRef>
+        </p:style>
+        <p:txBody>
+          <a:bodyPr rot="0" spcFirstLastPara="0" vertOverflow="overflow" horzOverflow="overflow" vert="horz" wrap="square" lIns="91440" tIns="45720" rIns="91440" bIns="45720" numCol="1" spcCol="0" rtlCol="0" fromWordArt="0" anchor="ctr" anchorCtr="0" forceAA="0" compatLnSpc="1">
+            <a:prstTxWarp prst="textNoShape">
+              <a:avLst/>
+            </a:prstTxWarp>
+            <a:noAutofit/>
+          </a:bodyPr>
+          <a:lstStyle/>
+          <a:p>
+            <a:pPr algn="ctr"/>
+            <a:r>
+              <a:rPr lang="de-DE" sz="1000" dirty="0" smtClean="0">
+                <a:solidFill>
+                  <a:schemeClr val="tx1"/>
+                </a:solidFill>
+              </a:rPr>
+              <a:t>Test Datastream</a:t>
+            </a:r>
+            <a:endParaRPr lang="de-DE" sz="1000" dirty="0">
+              <a:solidFill>
+                <a:schemeClr val="tx1"/>
+              </a:solidFill>
+            </a:endParaRPr>
+          </a:p>
+        </p:txBody>
+      </p:sp>
+      <p:sp>
+        <p:nvSpPr>
+          <p:cNvPr id="7" name="Rectangle 6"/>
+          <p:cNvSpPr/>
+          <p:nvPr/>
+        </p:nvSpPr>
+        <p:spPr>
+          <a:xfrm>
+            <a:off x="7452320" y="4653136"/>
+            <a:ext cx="144016" cy="72008"/>
+          </a:xfrm>
+          <a:prstGeom prst="rect">
+            <a:avLst/>
+          </a:prstGeom>
+          <a:solidFill>
+            <a:schemeClr val="bg1"/>
+          </a:solidFill>
+          <a:ln>
+            <a:solidFill>
+              <a:schemeClr val="bg1"/>
+            </a:solidFill>
+          </a:ln>
+        </p:spPr>
+        <p:style>
+          <a:lnRef idx="2">
+            <a:schemeClr val="accent1">
+              <a:shade val="50000"/>
+            </a:schemeClr>
+          </a:lnRef>
+          <a:fillRef idx="1">
+            <a:schemeClr val="accent1"/>
+          </a:fillRef>
+          <a:effectRef idx="0">
+            <a:schemeClr val="accent1"/>
+          </a:effectRef>
+          <a:fontRef idx="minor">
+            <a:schemeClr val="lt1"/>
+          </a:fontRef>
+        </p:style>
+        <p:txBody>
+          <a:bodyPr rot="0" spcFirstLastPara="0" vertOverflow="overflow" horzOverflow="overflow" vert="horz" wrap="square" lIns="91440" tIns="45720" rIns="91440" bIns="45720" numCol="1" spcCol="0" rtlCol="0" fromWordArt="0" anchor="ctr" anchorCtr="0" forceAA="0" compatLnSpc="1">
+            <a:prstTxWarp prst="textNoShape">
+              <a:avLst/>
+            </a:prstTxWarp>
+            <a:noAutofit/>
+          </a:bodyPr>
+          <a:lstStyle/>
+          <a:p>
+            <a:pPr algn="ctr"/>
+            <a:endParaRPr lang="de-DE"/>
+          </a:p>
+        </p:txBody>
+      </p:sp>
+      <p:sp>
+        <p:nvSpPr>
+          <p:cNvPr id="11" name="Rectangle 10"/>
+          <p:cNvSpPr/>
+          <p:nvPr/>
+        </p:nvSpPr>
+        <p:spPr>
+          <a:xfrm>
+            <a:off x="7740352" y="6309320"/>
+            <a:ext cx="684008" cy="180000"/>
+          </a:xfrm>
+          <a:prstGeom prst="rect">
+            <a:avLst/>
+          </a:prstGeom>
+          <a:noFill/>
+          <a:ln>
+            <a:solidFill>
+              <a:schemeClr val="accent1"/>
+            </a:solidFill>
+          </a:ln>
+        </p:spPr>
+        <p:style>
+          <a:lnRef idx="2">
+            <a:schemeClr val="accent1">
+              <a:shade val="50000"/>
+            </a:schemeClr>
+          </a:lnRef>
+          <a:fillRef idx="1">
+            <a:schemeClr val="accent1"/>
+          </a:fillRef>
+          <a:effectRef idx="0">
+            <a:schemeClr val="accent1"/>
+          </a:effectRef>
+          <a:fontRef idx="minor">
+            <a:schemeClr val="lt1"/>
+          </a:fontRef>
+        </p:style>
+        <p:txBody>
+          <a:bodyPr rot="0" spcFirstLastPara="0" vertOverflow="overflow" horzOverflow="overflow" vert="horz" wrap="square" lIns="91440" tIns="45720" rIns="91440" bIns="45720" numCol="1" spcCol="0" rtlCol="0" fromWordArt="0" anchor="ctr" anchorCtr="0" forceAA="0" compatLnSpc="1">
+            <a:prstTxWarp prst="textNoShape">
+              <a:avLst/>
+            </a:prstTxWarp>
+            <a:noAutofit/>
+          </a:bodyPr>
+          <a:lstStyle/>
+          <a:p>
+            <a:pPr algn="ctr"/>
+            <a:endParaRPr lang="de-DE"/>
+          </a:p>
+        </p:txBody>
+      </p:sp>
+    </p:spTree>
+    <p:extLst>
+      <p:ext uri="{BB962C8B-B14F-4D97-AF65-F5344CB8AC3E}">
+        <p14:creationId xmlns:p14="http://schemas.microsoft.com/office/powerpoint/2010/main" val="3270932943"/>
+      </p:ext>
+    </p:extLst>
+  </p:cSld>
+  <p:clrMapOvr>
+    <a:masterClrMapping/>
+  </p:clrMapOvr>
+  <p:timing>
+    <p:tnLst>
+      <p:par>
+        <p:cTn id="1" dur="indefinite" restart="never" nodeType="tmRoot"/>
+      </p:par>
+    </p:tnLst>
+  </p:timing>
+</p:sld>
+</file>
+
 <file path=ppt/slides/slide2.xml><?xml version="1.0" encoding="utf-8"?>
 <p:sld xmlns:a="http://schemas.openxmlformats.org/drawingml/2006/main" xmlns:r="http://schemas.openxmlformats.org/officeDocument/2006/relationships" xmlns:p="http://schemas.openxmlformats.org/presentationml/2006/main">
   <p:cSld>
@@ -3907,6 +6278,13 @@
   <p:clrMapOvr>
     <a:masterClrMapping/>
   </p:clrMapOvr>
+  <p:timing>
+    <p:tnLst>
+      <p:par>
+        <p:cTn id="1" dur="indefinite" restart="never" nodeType="tmRoot"/>
+      </p:par>
+    </p:tnLst>
+  </p:timing>
 </p:sld>
 </file>
 
@@ -4035,6 +6413,13 @@
   <p:clrMapOvr>
     <a:masterClrMapping/>
   </p:clrMapOvr>
+  <p:timing>
+    <p:tnLst>
+      <p:par>
+        <p:cTn id="1" dur="indefinite" restart="never" nodeType="tmRoot"/>
+      </p:par>
+    </p:tnLst>
+  </p:timing>
 </p:sld>
 </file>
 
@@ -4163,6 +6548,13 @@
   <p:clrMapOvr>
     <a:masterClrMapping/>
   </p:clrMapOvr>
+  <p:timing>
+    <p:tnLst>
+      <p:par>
+        <p:cTn id="1" dur="indefinite" restart="never" nodeType="tmRoot"/>
+      </p:par>
+    </p:tnLst>
+  </p:timing>
 </p:sld>
 </file>
 
@@ -4291,6 +6683,13 @@
   <p:clrMapOvr>
     <a:masterClrMapping/>
   </p:clrMapOvr>
+  <p:timing>
+    <p:tnLst>
+      <p:par>
+        <p:cTn id="1" dur="indefinite" restart="never" nodeType="tmRoot"/>
+      </p:par>
+    </p:tnLst>
+  </p:timing>
 </p:sld>
 </file>
 
@@ -4422,6 +6821,13 @@
   <p:clrMapOvr>
     <a:masterClrMapping/>
   </p:clrMapOvr>
+  <p:timing>
+    <p:tnLst>
+      <p:par>
+        <p:cTn id="1" dur="indefinite" restart="never" nodeType="tmRoot"/>
+      </p:par>
+    </p:tnLst>
+  </p:timing>
 </p:sld>
 </file>
 
@@ -4550,6 +6956,13 @@
   <p:clrMapOvr>
     <a:masterClrMapping/>
   </p:clrMapOvr>
+  <p:timing>
+    <p:tnLst>
+      <p:par>
+        <p:cTn id="1" dur="indefinite" restart="never" nodeType="tmRoot"/>
+      </p:par>
+    </p:tnLst>
+  </p:timing>
 </p:sld>
 </file>
 
@@ -4833,7 +7246,47 @@
       </a:bgFillStyleLst>
     </a:fmtScheme>
   </a:themeElements>
-  <a:objectDefaults/>
+  <a:objectDefaults>
+    <a:spDef>
+      <a:spPr>
+        <a:solidFill>
+          <a:schemeClr val="bg1"/>
+        </a:solidFill>
+        <a:ln>
+          <a:solidFill>
+            <a:schemeClr val="bg1"/>
+          </a:solidFill>
+        </a:ln>
+      </a:spPr>
+      <a:bodyPr rot="0" spcFirstLastPara="0" vertOverflow="overflow" horzOverflow="overflow" vert="horz" wrap="square" lIns="91440" tIns="45720" rIns="91440" bIns="45720" numCol="1" spcCol="0" rtlCol="0" fromWordArt="0" anchor="ctr" anchorCtr="0" forceAA="0" compatLnSpc="1">
+        <a:prstTxWarp prst="textNoShape">
+          <a:avLst/>
+        </a:prstTxWarp>
+        <a:noAutofit/>
+      </a:bodyPr>
+      <a:lstStyle>
+        <a:defPPr algn="ctr">
+          <a:defRPr/>
+        </a:defPPr>
+      </a:lstStyle>
+      <a:style>
+        <a:lnRef idx="2">
+          <a:schemeClr val="accent1">
+            <a:shade val="50000"/>
+          </a:schemeClr>
+        </a:lnRef>
+        <a:fillRef idx="1">
+          <a:schemeClr val="accent1"/>
+        </a:fillRef>
+        <a:effectRef idx="0">
+          <a:schemeClr val="accent1"/>
+        </a:effectRef>
+        <a:fontRef idx="minor">
+          <a:schemeClr val="lt1"/>
+        </a:fontRef>
+      </a:style>
+    </a:spDef>
+  </a:objectDefaults>
   <a:extraClrSchemeLst/>
 </a:theme>
 </file>

--- a/Pflichtenheft/Pflichtenheft Präsentation.pptx
+++ b/Pflichtenheft/Pflichtenheft Präsentation.pptx
@@ -123,6 +123,22 @@
       </a:defRPr>
     </a:lvl9pPr>
   </p:defaultTextStyle>
+  <p:extLst>
+    <p:ext uri="{EFAFB233-063F-42B5-8137-9DF3F51BA10A}">
+      <p15:sldGuideLst xmlns:p15="http://schemas.microsoft.com/office/powerpoint/2012/main">
+        <p15:guide id="1" orient="horz" pos="2160">
+          <p15:clr>
+            <a:srgbClr val="A4A3A4"/>
+          </p15:clr>
+        </p15:guide>
+        <p15:guide id="2" pos="2880">
+          <p15:clr>
+            <a:srgbClr val="A4A3A4"/>
+          </p15:clr>
+        </p15:guide>
+      </p15:sldGuideLst>
+    </p:ext>
+  </p:extLst>
 </p:presentation>
 </file>
 
@@ -367,7 +383,7 @@
           <a:p>
             <a:fld id="{A4868141-CDDC-4A04-81A7-AFE2BB317C4D}" type="slidenum">
               <a:rPr lang="de-DE" smtClean="0"/>
-              <a:t>‹#›</a:t>
+              <a:t>‹Nr.›</a:t>
             </a:fld>
             <a:endParaRPr lang="de-DE"/>
           </a:p>
@@ -783,7 +799,7 @@
           <a:p>
             <a:fld id="{0983C68D-D4A7-45D7-81FB-9D23F2FA23A5}" type="slidenum">
               <a:rPr lang="de-DE" smtClean="0"/>
-              <a:t>‹#›</a:t>
+              <a:t>‹Nr.›</a:t>
             </a:fld>
             <a:endParaRPr lang="de-DE"/>
           </a:p>
@@ -953,7 +969,7 @@
           <a:p>
             <a:fld id="{0983C68D-D4A7-45D7-81FB-9D23F2FA23A5}" type="slidenum">
               <a:rPr lang="de-DE" smtClean="0"/>
-              <a:t>‹#›</a:t>
+              <a:t>‹Nr.›</a:t>
             </a:fld>
             <a:endParaRPr lang="de-DE"/>
           </a:p>
@@ -1133,7 +1149,7 @@
           <a:p>
             <a:fld id="{0983C68D-D4A7-45D7-81FB-9D23F2FA23A5}" type="slidenum">
               <a:rPr lang="de-DE" smtClean="0"/>
-              <a:t>‹#›</a:t>
+              <a:t>‹Nr.›</a:t>
             </a:fld>
             <a:endParaRPr lang="de-DE"/>
           </a:p>
@@ -1303,7 +1319,7 @@
           <a:p>
             <a:fld id="{0983C68D-D4A7-45D7-81FB-9D23F2FA23A5}" type="slidenum">
               <a:rPr lang="de-DE" smtClean="0"/>
-              <a:t>‹#›</a:t>
+              <a:t>‹Nr.›</a:t>
             </a:fld>
             <a:endParaRPr lang="de-DE"/>
           </a:p>
@@ -1549,7 +1565,7 @@
           <a:p>
             <a:fld id="{0983C68D-D4A7-45D7-81FB-9D23F2FA23A5}" type="slidenum">
               <a:rPr lang="de-DE" smtClean="0"/>
-              <a:t>‹#›</a:t>
+              <a:t>‹Nr.›</a:t>
             </a:fld>
             <a:endParaRPr lang="de-DE"/>
           </a:p>
@@ -1837,7 +1853,7 @@
           <a:p>
             <a:fld id="{0983C68D-D4A7-45D7-81FB-9D23F2FA23A5}" type="slidenum">
               <a:rPr lang="de-DE" smtClean="0"/>
-              <a:t>‹#›</a:t>
+              <a:t>‹Nr.›</a:t>
             </a:fld>
             <a:endParaRPr lang="de-DE"/>
           </a:p>
@@ -2259,7 +2275,7 @@
           <a:p>
             <a:fld id="{0983C68D-D4A7-45D7-81FB-9D23F2FA23A5}" type="slidenum">
               <a:rPr lang="de-DE" smtClean="0"/>
-              <a:t>‹#›</a:t>
+              <a:t>‹Nr.›</a:t>
             </a:fld>
             <a:endParaRPr lang="de-DE"/>
           </a:p>
@@ -2377,7 +2393,7 @@
           <a:p>
             <a:fld id="{0983C68D-D4A7-45D7-81FB-9D23F2FA23A5}" type="slidenum">
               <a:rPr lang="de-DE" smtClean="0"/>
-              <a:t>‹#›</a:t>
+              <a:t>‹Nr.›</a:t>
             </a:fld>
             <a:endParaRPr lang="de-DE"/>
           </a:p>
@@ -2472,7 +2488,7 @@
           <a:p>
             <a:fld id="{0983C68D-D4A7-45D7-81FB-9D23F2FA23A5}" type="slidenum">
               <a:rPr lang="de-DE" smtClean="0"/>
-              <a:t>‹#›</a:t>
+              <a:t>‹Nr.›</a:t>
             </a:fld>
             <a:endParaRPr lang="de-DE"/>
           </a:p>
@@ -2749,7 +2765,7 @@
           <a:p>
             <a:fld id="{0983C68D-D4A7-45D7-81FB-9D23F2FA23A5}" type="slidenum">
               <a:rPr lang="de-DE" smtClean="0"/>
-              <a:t>‹#›</a:t>
+              <a:t>‹Nr.›</a:t>
             </a:fld>
             <a:endParaRPr lang="de-DE"/>
           </a:p>
@@ -3002,7 +3018,7 @@
           <a:p>
             <a:fld id="{0983C68D-D4A7-45D7-81FB-9D23F2FA23A5}" type="slidenum">
               <a:rPr lang="de-DE" smtClean="0"/>
-              <a:t>‹#›</a:t>
+              <a:t>‹Nr.›</a:t>
             </a:fld>
             <a:endParaRPr lang="de-DE"/>
           </a:p>
@@ -3251,7 +3267,7 @@
           <a:p>
             <a:fld id="{0983C68D-D4A7-45D7-81FB-9D23F2FA23A5}" type="slidenum">
               <a:rPr lang="de-DE" smtClean="0"/>
-              <a:t>‹#›</a:t>
+              <a:t>‹Nr.›</a:t>
             </a:fld>
             <a:endParaRPr lang="de-DE"/>
           </a:p>
@@ -6022,7 +6038,15 @@
           <a:p>
             <a:r>
               <a:rPr lang="de-DE" sz="2800" dirty="0" smtClean="0"/>
-              <a:t>Aufgabe : Software entwerfen/entwickeln um Sensordaten auf einen FROST-Server zu laden</a:t>
+              <a:t>Aufgabe : Software </a:t>
+            </a:r>
+            <a:r>
+              <a:rPr lang="de-DE" sz="2800" dirty="0" smtClean="0"/>
+              <a:t>entwerfen/entwickeln, </a:t>
+            </a:r>
+            <a:r>
+              <a:rPr lang="de-DE" sz="2800" dirty="0" smtClean="0"/>
+              <a:t>um Sensordaten auf einen FROST-Server zu laden</a:t>
             </a:r>
           </a:p>
           <a:p>
@@ -6034,7 +6058,19 @@
           <a:p>
             <a:r>
               <a:rPr lang="de-DE" sz="2800" dirty="0" smtClean="0"/>
-              <a:t>Priorität : Benutzbarkeit, Software soll vor allem leicht zu bedienen sein, selbst ohne technischem Vorwissen</a:t>
+              <a:t>Priorität : Benutzbarkeit, Software soll vor allem leicht zu bedienen sein, selbst </a:t>
+            </a:r>
+            <a:r>
+              <a:rPr lang="de-DE" sz="2800" smtClean="0"/>
+              <a:t>ohne </a:t>
+            </a:r>
+            <a:r>
+              <a:rPr lang="de-DE" sz="2800" smtClean="0"/>
+              <a:t>technisches </a:t>
+            </a:r>
+            <a:r>
+              <a:rPr lang="de-DE" sz="2800" dirty="0" smtClean="0"/>
+              <a:t>Vorwissen</a:t>
             </a:r>
             <a:endParaRPr lang="de-DE" sz="2800" dirty="0"/>
           </a:p>

--- a/Pflichtenheft/Pflichtenheft Präsentation.pptx
+++ b/Pflichtenheft/Pflichtenheft Präsentation.pptx
@@ -125,7 +125,7 @@
   </p:defaultTextStyle>
   <p:extLst>
     <p:ext uri="{EFAFB233-063F-42B5-8137-9DF3F51BA10A}">
-      <p15:sldGuideLst xmlns:p15="http://schemas.microsoft.com/office/powerpoint/2012/main">
+      <p15:sldGuideLst xmlns:p15="http://schemas.microsoft.com/office/powerpoint/2012/main" xmlns="">
         <p15:guide id="1" orient="horz" pos="2160">
           <p15:clr>
             <a:srgbClr val="A4A3A4"/>
@@ -383,7 +383,7 @@
           <a:p>
             <a:fld id="{A4868141-CDDC-4A04-81A7-AFE2BB317C4D}" type="slidenum">
               <a:rPr lang="de-DE" smtClean="0"/>
-              <a:t>‹Nr.›</a:t>
+              <a:t>‹#›</a:t>
             </a:fld>
             <a:endParaRPr lang="de-DE"/>
           </a:p>
@@ -799,7 +799,7 @@
           <a:p>
             <a:fld id="{0983C68D-D4A7-45D7-81FB-9D23F2FA23A5}" type="slidenum">
               <a:rPr lang="de-DE" smtClean="0"/>
-              <a:t>‹Nr.›</a:t>
+              <a:t>‹#›</a:t>
             </a:fld>
             <a:endParaRPr lang="de-DE"/>
           </a:p>
@@ -969,7 +969,7 @@
           <a:p>
             <a:fld id="{0983C68D-D4A7-45D7-81FB-9D23F2FA23A5}" type="slidenum">
               <a:rPr lang="de-DE" smtClean="0"/>
-              <a:t>‹Nr.›</a:t>
+              <a:t>‹#›</a:t>
             </a:fld>
             <a:endParaRPr lang="de-DE"/>
           </a:p>
@@ -1149,7 +1149,7 @@
           <a:p>
             <a:fld id="{0983C68D-D4A7-45D7-81FB-9D23F2FA23A5}" type="slidenum">
               <a:rPr lang="de-DE" smtClean="0"/>
-              <a:t>‹Nr.›</a:t>
+              <a:t>‹#›</a:t>
             </a:fld>
             <a:endParaRPr lang="de-DE"/>
           </a:p>
@@ -1319,7 +1319,7 @@
           <a:p>
             <a:fld id="{0983C68D-D4A7-45D7-81FB-9D23F2FA23A5}" type="slidenum">
               <a:rPr lang="de-DE" smtClean="0"/>
-              <a:t>‹Nr.›</a:t>
+              <a:t>‹#›</a:t>
             </a:fld>
             <a:endParaRPr lang="de-DE"/>
           </a:p>
@@ -1565,7 +1565,7 @@
           <a:p>
             <a:fld id="{0983C68D-D4A7-45D7-81FB-9D23F2FA23A5}" type="slidenum">
               <a:rPr lang="de-DE" smtClean="0"/>
-              <a:t>‹Nr.›</a:t>
+              <a:t>‹#›</a:t>
             </a:fld>
             <a:endParaRPr lang="de-DE"/>
           </a:p>
@@ -1853,7 +1853,7 @@
           <a:p>
             <a:fld id="{0983C68D-D4A7-45D7-81FB-9D23F2FA23A5}" type="slidenum">
               <a:rPr lang="de-DE" smtClean="0"/>
-              <a:t>‹Nr.›</a:t>
+              <a:t>‹#›</a:t>
             </a:fld>
             <a:endParaRPr lang="de-DE"/>
           </a:p>
@@ -2275,7 +2275,7 @@
           <a:p>
             <a:fld id="{0983C68D-D4A7-45D7-81FB-9D23F2FA23A5}" type="slidenum">
               <a:rPr lang="de-DE" smtClean="0"/>
-              <a:t>‹Nr.›</a:t>
+              <a:t>‹#›</a:t>
             </a:fld>
             <a:endParaRPr lang="de-DE"/>
           </a:p>
@@ -2393,7 +2393,7 @@
           <a:p>
             <a:fld id="{0983C68D-D4A7-45D7-81FB-9D23F2FA23A5}" type="slidenum">
               <a:rPr lang="de-DE" smtClean="0"/>
-              <a:t>‹Nr.›</a:t>
+              <a:t>‹#›</a:t>
             </a:fld>
             <a:endParaRPr lang="de-DE"/>
           </a:p>
@@ -2488,7 +2488,7 @@
           <a:p>
             <a:fld id="{0983C68D-D4A7-45D7-81FB-9D23F2FA23A5}" type="slidenum">
               <a:rPr lang="de-DE" smtClean="0"/>
-              <a:t>‹Nr.›</a:t>
+              <a:t>‹#›</a:t>
             </a:fld>
             <a:endParaRPr lang="de-DE"/>
           </a:p>
@@ -2765,7 +2765,7 @@
           <a:p>
             <a:fld id="{0983C68D-D4A7-45D7-81FB-9D23F2FA23A5}" type="slidenum">
               <a:rPr lang="de-DE" smtClean="0"/>
-              <a:t>‹Nr.›</a:t>
+              <a:t>‹#›</a:t>
             </a:fld>
             <a:endParaRPr lang="de-DE"/>
           </a:p>
@@ -3018,7 +3018,7 @@
           <a:p>
             <a:fld id="{0983C68D-D4A7-45D7-81FB-9D23F2FA23A5}" type="slidenum">
               <a:rPr lang="de-DE" smtClean="0"/>
-              <a:t>‹Nr.›</a:t>
+              <a:t>‹#›</a:t>
             </a:fld>
             <a:endParaRPr lang="de-DE"/>
           </a:p>
@@ -3267,7 +3267,7 @@
           <a:p>
             <a:fld id="{0983C68D-D4A7-45D7-81FB-9D23F2FA23A5}" type="slidenum">
               <a:rPr lang="de-DE" smtClean="0"/>
-              <a:t>‹Nr.›</a:t>
+              <a:t>‹#›</a:t>
             </a:fld>
             <a:endParaRPr lang="de-DE"/>
           </a:p>
@@ -6032,45 +6032,40 @@
         <p:spPr/>
         <p:txBody>
           <a:bodyPr>
-            <a:normAutofit/>
+            <a:normAutofit lnSpcReduction="10000"/>
           </a:bodyPr>
           <a:lstStyle/>
           <a:p>
             <a:r>
               <a:rPr lang="de-DE" sz="2800" dirty="0" smtClean="0"/>
-              <a:t>Aufgabe : Software </a:t>
-            </a:r>
+              <a:t>Aufgabe : Software entwerfen/entwickeln, um Sensordaten auf einen FROST-Server zu laden</a:t>
+            </a:r>
+          </a:p>
+          <a:p>
             <a:r>
               <a:rPr lang="de-DE" sz="2800" dirty="0" smtClean="0"/>
-              <a:t>entwerfen/entwickeln, </a:t>
+              <a:t>Daten entsprechen nicht zwangsweise dem SensorThings Standard und müssen konvertiert </a:t>
             </a:r>
             <a:r>
               <a:rPr lang="de-DE" sz="2800" dirty="0" smtClean="0"/>
-              <a:t>um Sensordaten auf einen FROST-Server zu laden</a:t>
+              <a:t>werden</a:t>
             </a:r>
           </a:p>
           <a:p>
             <a:r>
               <a:rPr lang="de-DE" sz="2800" dirty="0" smtClean="0"/>
-              <a:t>Daten entsprechen nicht zwangsweise dem SensorThings Standard und müssen konvertiert werden</a:t>
-            </a:r>
+              <a:t>Wird überall genutzt wo Sensordaten gesammelt werden</a:t>
+            </a:r>
+            <a:endParaRPr lang="de-DE" sz="2800" dirty="0" smtClean="0"/>
           </a:p>
           <a:p>
             <a:r>
               <a:rPr lang="de-DE" sz="2800" dirty="0" smtClean="0"/>
-              <a:t>Priorität : Benutzbarkeit, Software soll vor allem leicht zu bedienen sein, selbst </a:t>
-            </a:r>
-            <a:r>
-              <a:rPr lang="de-DE" sz="2800" smtClean="0"/>
-              <a:t>ohne </a:t>
-            </a:r>
-            <a:r>
-              <a:rPr lang="de-DE" sz="2800" smtClean="0"/>
-              <a:t>technisches </a:t>
+              <a:t>Priorität </a:t>
             </a:r>
             <a:r>
               <a:rPr lang="de-DE" sz="2800" dirty="0" smtClean="0"/>
-              <a:t>Vorwissen</a:t>
+              <a:t>: Benutzbarkeit, Software soll vor allem leicht zu bedienen sein, selbst ohne technisches Vorwissen</a:t>
             </a:r>
             <a:endParaRPr lang="de-DE" sz="2800" dirty="0"/>
           </a:p>

--- a/Pflichtenheft/Pflichtenheft Präsentation.pptx
+++ b/Pflichtenheft/Pflichtenheft Präsentation.pptx
@@ -5,7 +5,7 @@
     <p:sldMasterId id="2147483756" r:id="rId1"/>
   </p:sldMasterIdLst>
   <p:notesMasterIdLst>
-    <p:notesMasterId r:id="rId19"/>
+    <p:notesMasterId r:id="rId20"/>
   </p:notesMasterIdLst>
   <p:sldIdLst>
     <p:sldId id="256" r:id="rId2"/>
@@ -17,14 +17,15 @@
     <p:sldId id="261" r:id="rId8"/>
     <p:sldId id="263" r:id="rId9"/>
     <p:sldId id="264" r:id="rId10"/>
-    <p:sldId id="265" r:id="rId11"/>
-    <p:sldId id="266" r:id="rId12"/>
-    <p:sldId id="267" r:id="rId13"/>
-    <p:sldId id="270" r:id="rId14"/>
-    <p:sldId id="268" r:id="rId15"/>
-    <p:sldId id="269" r:id="rId16"/>
-    <p:sldId id="271" r:id="rId17"/>
-    <p:sldId id="272" r:id="rId18"/>
+    <p:sldId id="273" r:id="rId11"/>
+    <p:sldId id="265" r:id="rId12"/>
+    <p:sldId id="266" r:id="rId13"/>
+    <p:sldId id="267" r:id="rId14"/>
+    <p:sldId id="270" r:id="rId15"/>
+    <p:sldId id="268" r:id="rId16"/>
+    <p:sldId id="269" r:id="rId17"/>
+    <p:sldId id="271" r:id="rId18"/>
+    <p:sldId id="272" r:id="rId19"/>
   </p:sldIdLst>
   <p:sldSz cx="9144000" cy="6858000" type="screen4x3"/>
   <p:notesSz cx="6858000" cy="9144000"/>
@@ -125,7 +126,7 @@
   </p:defaultTextStyle>
   <p:extLst>
     <p:ext uri="{EFAFB233-063F-42B5-8137-9DF3F51BA10A}">
-      <p15:sldGuideLst xmlns:p15="http://schemas.microsoft.com/office/powerpoint/2012/main" xmlns="">
+      <p15:sldGuideLst xmlns="" xmlns:p15="http://schemas.microsoft.com/office/powerpoint/2012/main">
         <p15:guide id="1" orient="horz" pos="2160">
           <p15:clr>
             <a:srgbClr val="A4A3A4"/>
@@ -567,6 +568,90 @@
     <p:extLst>
       <p:ext uri="{BB962C8B-B14F-4D97-AF65-F5344CB8AC3E}">
         <p14:creationId xmlns:p14="http://schemas.microsoft.com/office/powerpoint/2010/main" val="3776812401"/>
+      </p:ext>
+    </p:extLst>
+  </p:cSld>
+  <p:clrMapOvr>
+    <a:masterClrMapping/>
+  </p:clrMapOvr>
+</p:notes>
+</file>
+
+<file path=ppt/notesSlides/notesSlide2.xml><?xml version="1.0" encoding="utf-8"?>
+<p:notes xmlns:a="http://schemas.openxmlformats.org/drawingml/2006/main" xmlns:r="http://schemas.openxmlformats.org/officeDocument/2006/relationships" xmlns:p="http://schemas.openxmlformats.org/presentationml/2006/main">
+  <p:cSld>
+    <p:spTree>
+      <p:nvGrpSpPr>
+        <p:cNvPr id="1" name=""/>
+        <p:cNvGrpSpPr/>
+        <p:nvPr/>
+      </p:nvGrpSpPr>
+      <p:grpSpPr>
+        <a:xfrm>
+          <a:off x="0" y="0"/>
+          <a:ext cx="0" cy="0"/>
+          <a:chOff x="0" y="0"/>
+          <a:chExt cx="0" cy="0"/>
+        </a:xfrm>
+      </p:grpSpPr>
+      <p:sp>
+        <p:nvSpPr>
+          <p:cNvPr id="2" name="Slide Image Placeholder 1"/>
+          <p:cNvSpPr>
+            <a:spLocks noGrp="1" noRot="1" noChangeAspect="1"/>
+          </p:cNvSpPr>
+          <p:nvPr>
+            <p:ph type="sldImg"/>
+          </p:nvPr>
+        </p:nvSpPr>
+        <p:spPr/>
+      </p:sp>
+      <p:sp>
+        <p:nvSpPr>
+          <p:cNvPr id="3" name="Notes Placeholder 2"/>
+          <p:cNvSpPr>
+            <a:spLocks noGrp="1"/>
+          </p:cNvSpPr>
+          <p:nvPr>
+            <p:ph type="body" idx="1"/>
+          </p:nvPr>
+        </p:nvSpPr>
+        <p:spPr/>
+        <p:txBody>
+          <a:bodyPr/>
+          <a:lstStyle/>
+          <a:p>
+            <a:endParaRPr lang="de-DE" dirty="0"/>
+          </a:p>
+        </p:txBody>
+      </p:sp>
+      <p:sp>
+        <p:nvSpPr>
+          <p:cNvPr id="4" name="Slide Number Placeholder 3"/>
+          <p:cNvSpPr>
+            <a:spLocks noGrp="1"/>
+          </p:cNvSpPr>
+          <p:nvPr>
+            <p:ph type="sldNum" sz="quarter" idx="10"/>
+          </p:nvPr>
+        </p:nvSpPr>
+        <p:spPr/>
+        <p:txBody>
+          <a:bodyPr/>
+          <a:lstStyle/>
+          <a:p>
+            <a:fld id="{A4868141-CDDC-4A04-81A7-AFE2BB317C4D}" type="slidenum">
+              <a:rPr lang="de-DE" smtClean="0"/>
+              <a:t>18</a:t>
+            </a:fld>
+            <a:endParaRPr lang="de-DE"/>
+          </a:p>
+        </p:txBody>
+      </p:sp>
+    </p:spTree>
+    <p:extLst>
+      <p:ext uri="{BB962C8B-B14F-4D97-AF65-F5344CB8AC3E}">
+        <p14:creationId xmlns:p14="http://schemas.microsoft.com/office/powerpoint/2010/main" val="2697122183"/>
       </p:ext>
     </p:extLst>
   </p:cSld>
@@ -3633,38 +3718,13 @@
           <a:chExt cx="0" cy="0"/>
         </a:xfrm>
       </p:grpSpPr>
-      <p:sp>
-        <p:nvSpPr>
-          <p:cNvPr id="2" name="Title 1"/>
-          <p:cNvSpPr>
-            <a:spLocks noGrp="1"/>
-          </p:cNvSpPr>
-          <p:nvPr>
-            <p:ph type="title"/>
-          </p:nvPr>
-        </p:nvSpPr>
-        <p:spPr/>
-        <p:txBody>
-          <a:bodyPr/>
-          <a:lstStyle/>
-          <a:p>
-            <a:r>
-              <a:rPr lang="de-DE" dirty="0" smtClean="0"/>
-              <a:t>Testfall</a:t>
-            </a:r>
-            <a:endParaRPr lang="de-DE" dirty="0"/>
-          </a:p>
-        </p:txBody>
-      </p:sp>
       <p:pic>
         <p:nvPicPr>
-          <p:cNvPr id="7" name="Content Placeholder 6"/>
+          <p:cNvPr id="6" name="Content Placeholder 3"/>
           <p:cNvPicPr>
-            <a:picLocks noGrp="1" noChangeAspect="1"/>
+            <a:picLocks noChangeAspect="1"/>
           </p:cNvPicPr>
-          <p:nvPr>
-            <p:ph idx="1"/>
-          </p:nvPr>
+          <p:nvPr/>
         </p:nvPicPr>
         <p:blipFill>
           <a:blip r:embed="rId2">
@@ -3680,60 +3740,57 @@
         </p:blipFill>
         <p:spPr>
           <a:xfrm>
-            <a:off x="539552" y="2132856"/>
+            <a:off x="530675" y="1600200"/>
             <a:ext cx="8046156" cy="4525963"/>
           </a:xfrm>
+          <a:prstGeom prst="rect">
+            <a:avLst/>
+          </a:prstGeom>
         </p:spPr>
       </p:pic>
       <p:sp>
         <p:nvSpPr>
-          <p:cNvPr id="4" name="TextBox 3"/>
-          <p:cNvSpPr txBox="1"/>
+          <p:cNvPr id="2" name="Title 1"/>
+          <p:cNvSpPr>
+            <a:spLocks noGrp="1"/>
+          </p:cNvSpPr>
+          <p:nvPr>
+            <p:ph type="title"/>
+          </p:nvPr>
+        </p:nvSpPr>
+        <p:spPr/>
+        <p:txBody>
+          <a:bodyPr/>
+          <a:lstStyle/>
+          <a:p>
+            <a:r>
+              <a:rPr lang="de-DE" dirty="0" smtClean="0"/>
+              <a:t>Gui Übersicht</a:t>
+            </a:r>
+            <a:endParaRPr lang="de-DE" dirty="0"/>
+          </a:p>
+        </p:txBody>
+      </p:sp>
+      <p:sp>
+        <p:nvSpPr>
+          <p:cNvPr id="3" name="Rectangle 2"/>
+          <p:cNvSpPr/>
           <p:nvPr/>
         </p:nvSpPr>
         <p:spPr>
           <a:xfrm>
-            <a:off x="539552" y="1484784"/>
-            <a:ext cx="4752528" cy="461665"/>
+            <a:off x="7740352" y="2132856"/>
+            <a:ext cx="648072" cy="216024"/>
           </a:xfrm>
           <a:prstGeom prst="rect">
             <a:avLst/>
           </a:prstGeom>
           <a:noFill/>
-        </p:spPr>
-        <p:txBody>
-          <a:bodyPr wrap="square" rtlCol="0">
-            <a:spAutoFit/>
-          </a:bodyPr>
-          <a:lstStyle/>
-          <a:p>
-            <a:pPr marL="342900" indent="-342900">
-              <a:buFont typeface="Arial" pitchFamily="34" charset="0"/>
-              <a:buChar char="•"/>
-            </a:pPr>
-            <a:r>
-              <a:rPr lang="de-DE" sz="2400" dirty="0" smtClean="0"/>
-              <a:t>User wählt eine Datei aus</a:t>
-            </a:r>
-            <a:endParaRPr lang="de-DE" sz="2400" dirty="0"/>
-          </a:p>
-        </p:txBody>
-      </p:sp>
-      <p:sp>
-        <p:nvSpPr>
-          <p:cNvPr id="8" name="Rectangle 7"/>
-          <p:cNvSpPr/>
-          <p:nvPr/>
-        </p:nvSpPr>
-        <p:spPr>
-          <a:xfrm>
-            <a:off x="1979712" y="3501008"/>
-            <a:ext cx="684000" cy="252000"/>
-          </a:xfrm>
-          <a:prstGeom prst="rect">
-            <a:avLst/>
-          </a:prstGeom>
-          <a:noFill/>
+          <a:ln>
+            <a:solidFill>
+              <a:srgbClr val="FF0000"/>
+            </a:solidFill>
+          </a:ln>
         </p:spPr>
         <p:style>
           <a:lnRef idx="2">
@@ -3763,7 +3820,7 @@
     </p:spTree>
     <p:extLst>
       <p:ext uri="{BB962C8B-B14F-4D97-AF65-F5344CB8AC3E}">
-        <p14:creationId xmlns:p14="http://schemas.microsoft.com/office/powerpoint/2010/main" val="3361880382"/>
+        <p14:creationId xmlns:p14="http://schemas.microsoft.com/office/powerpoint/2010/main" val="3382455253"/>
       </p:ext>
     </p:extLst>
   </p:cSld>
@@ -3797,38 +3854,13 @@
           <a:chExt cx="0" cy="0"/>
         </a:xfrm>
       </p:grpSpPr>
-      <p:sp>
-        <p:nvSpPr>
-          <p:cNvPr id="2" name="Title 1"/>
-          <p:cNvSpPr>
-            <a:spLocks noGrp="1"/>
-          </p:cNvSpPr>
-          <p:nvPr>
-            <p:ph type="title"/>
-          </p:nvPr>
-        </p:nvSpPr>
-        <p:spPr/>
-        <p:txBody>
-          <a:bodyPr/>
-          <a:lstStyle/>
-          <a:p>
-            <a:r>
-              <a:rPr lang="de-DE" dirty="0" smtClean="0"/>
-              <a:t>Testfall</a:t>
-            </a:r>
-            <a:endParaRPr lang="de-DE" dirty="0"/>
-          </a:p>
-        </p:txBody>
-      </p:sp>
       <p:pic>
         <p:nvPicPr>
-          <p:cNvPr id="7" name="Content Placeholder 6"/>
+          <p:cNvPr id="9" name="Content Placeholder 3"/>
           <p:cNvPicPr>
-            <a:picLocks noGrp="1" noChangeAspect="1"/>
+            <a:picLocks noChangeAspect="1"/>
           </p:cNvPicPr>
-          <p:nvPr>
-            <p:ph idx="1"/>
-          </p:nvPr>
+          <p:nvPr/>
         </p:nvPicPr>
         <p:blipFill>
           <a:blip r:embed="rId2">
@@ -3844,11 +3876,37 @@
         </p:blipFill>
         <p:spPr>
           <a:xfrm>
-            <a:off x="539552" y="2132856"/>
+            <a:off x="539552" y="2120616"/>
             <a:ext cx="8046156" cy="4525963"/>
           </a:xfrm>
+          <a:prstGeom prst="rect">
+            <a:avLst/>
+          </a:prstGeom>
         </p:spPr>
       </p:pic>
+      <p:sp>
+        <p:nvSpPr>
+          <p:cNvPr id="2" name="Title 1"/>
+          <p:cNvSpPr>
+            <a:spLocks noGrp="1"/>
+          </p:cNvSpPr>
+          <p:nvPr>
+            <p:ph type="title"/>
+          </p:nvPr>
+        </p:nvSpPr>
+        <p:spPr/>
+        <p:txBody>
+          <a:bodyPr/>
+          <a:lstStyle/>
+          <a:p>
+            <a:r>
+              <a:rPr lang="de-DE" dirty="0" smtClean="0"/>
+              <a:t>Testfall</a:t>
+            </a:r>
+            <a:endParaRPr lang="de-DE" dirty="0"/>
+          </a:p>
+        </p:txBody>
+      </p:sp>
       <p:sp>
         <p:nvSpPr>
           <p:cNvPr id="4" name="TextBox 3"/>
@@ -3858,7 +3916,7 @@
         <p:spPr>
           <a:xfrm>
             <a:off x="539552" y="1484784"/>
-            <a:ext cx="6840760" cy="461665"/>
+            <a:ext cx="4752528" cy="461665"/>
           </a:xfrm>
           <a:prstGeom prst="rect">
             <a:avLst/>
@@ -3877,7 +3935,7 @@
             </a:pPr>
             <a:r>
               <a:rPr lang="de-DE" sz="2400" dirty="0" smtClean="0"/>
-              <a:t>Trennsymbol und Kopfzeilen angegeben</a:t>
+              <a:t>User wählt eine Datei aus</a:t>
             </a:r>
             <a:endParaRPr lang="de-DE" sz="2400" dirty="0"/>
           </a:p>
@@ -3891,8 +3949,8 @@
         </p:nvSpPr>
         <p:spPr>
           <a:xfrm>
-            <a:off x="2843808" y="3221812"/>
-            <a:ext cx="1224136" cy="783252"/>
+            <a:off x="1979712" y="3501008"/>
+            <a:ext cx="684000" cy="252000"/>
           </a:xfrm>
           <a:prstGeom prst="rect">
             <a:avLst/>
@@ -3927,7 +3985,7 @@
     </p:spTree>
     <p:extLst>
       <p:ext uri="{BB962C8B-B14F-4D97-AF65-F5344CB8AC3E}">
-        <p14:creationId xmlns:p14="http://schemas.microsoft.com/office/powerpoint/2010/main" val="1537699003"/>
+        <p14:creationId xmlns:p14="http://schemas.microsoft.com/office/powerpoint/2010/main" val="3361880382"/>
       </p:ext>
     </p:extLst>
   </p:cSld>
@@ -3961,38 +4019,13 @@
           <a:chExt cx="0" cy="0"/>
         </a:xfrm>
       </p:grpSpPr>
-      <p:sp>
-        <p:nvSpPr>
-          <p:cNvPr id="2" name="Title 1"/>
-          <p:cNvSpPr>
-            <a:spLocks noGrp="1"/>
-          </p:cNvSpPr>
-          <p:nvPr>
-            <p:ph type="title"/>
-          </p:nvPr>
-        </p:nvSpPr>
-        <p:spPr/>
-        <p:txBody>
-          <a:bodyPr/>
-          <a:lstStyle/>
-          <a:p>
-            <a:r>
-              <a:rPr lang="de-DE" dirty="0" smtClean="0"/>
-              <a:t>Testfall</a:t>
-            </a:r>
-            <a:endParaRPr lang="de-DE" dirty="0"/>
-          </a:p>
-        </p:txBody>
-      </p:sp>
       <p:pic>
         <p:nvPicPr>
-          <p:cNvPr id="7" name="Content Placeholder 6"/>
+          <p:cNvPr id="9" name="Content Placeholder 3"/>
           <p:cNvPicPr>
-            <a:picLocks noGrp="1" noChangeAspect="1"/>
+            <a:picLocks noChangeAspect="1"/>
           </p:cNvPicPr>
-          <p:nvPr>
-            <p:ph idx="1"/>
-          </p:nvPr>
+          <p:nvPr/>
         </p:nvPicPr>
         <p:blipFill>
           <a:blip r:embed="rId2">
@@ -4008,11 +4041,37 @@
         </p:blipFill>
         <p:spPr>
           <a:xfrm>
-            <a:off x="539552" y="2132856"/>
+            <a:off x="539552" y="2120616"/>
             <a:ext cx="8046156" cy="4525963"/>
           </a:xfrm>
+          <a:prstGeom prst="rect">
+            <a:avLst/>
+          </a:prstGeom>
         </p:spPr>
       </p:pic>
+      <p:sp>
+        <p:nvSpPr>
+          <p:cNvPr id="2" name="Title 1"/>
+          <p:cNvSpPr>
+            <a:spLocks noGrp="1"/>
+          </p:cNvSpPr>
+          <p:nvPr>
+            <p:ph type="title"/>
+          </p:nvPr>
+        </p:nvSpPr>
+        <p:spPr/>
+        <p:txBody>
+          <a:bodyPr/>
+          <a:lstStyle/>
+          <a:p>
+            <a:r>
+              <a:rPr lang="de-DE" dirty="0" smtClean="0"/>
+              <a:t>Testfall</a:t>
+            </a:r>
+            <a:endParaRPr lang="de-DE" dirty="0"/>
+          </a:p>
+        </p:txBody>
+      </p:sp>
       <p:sp>
         <p:nvSpPr>
           <p:cNvPr id="4" name="TextBox 3"/>
@@ -4022,7 +4081,7 @@
         <p:spPr>
           <a:xfrm>
             <a:off x="539552" y="1484784"/>
-            <a:ext cx="4752528" cy="461665"/>
+            <a:ext cx="6840760" cy="461665"/>
           </a:xfrm>
           <a:prstGeom prst="rect">
             <a:avLst/>
@@ -4041,7 +4100,7 @@
             </a:pPr>
             <a:r>
               <a:rPr lang="de-DE" sz="2400" dirty="0" smtClean="0"/>
-              <a:t>Neues Thing erstellen</a:t>
+              <a:t>Trennsymbol und Kopfzeilen angegeben</a:t>
             </a:r>
             <a:endParaRPr lang="de-DE" sz="2400" dirty="0"/>
           </a:p>
@@ -4049,14 +4108,14 @@
       </p:sp>
       <p:sp>
         <p:nvSpPr>
-          <p:cNvPr id="5" name="Rectangle 4"/>
+          <p:cNvPr id="8" name="Rectangle 7"/>
           <p:cNvSpPr/>
           <p:nvPr/>
         </p:nvSpPr>
         <p:spPr>
           <a:xfrm>
-            <a:off x="5292080" y="3273570"/>
-            <a:ext cx="720080" cy="371453"/>
+            <a:off x="2843808" y="3221812"/>
+            <a:ext cx="1224136" cy="783252"/>
           </a:xfrm>
           <a:prstGeom prst="rect">
             <a:avLst/>
@@ -4125,38 +4184,13 @@
           <a:chExt cx="0" cy="0"/>
         </a:xfrm>
       </p:grpSpPr>
-      <p:sp>
-        <p:nvSpPr>
-          <p:cNvPr id="2" name="Title 1"/>
-          <p:cNvSpPr>
-            <a:spLocks noGrp="1"/>
-          </p:cNvSpPr>
-          <p:nvPr>
-            <p:ph type="title"/>
-          </p:nvPr>
-        </p:nvSpPr>
-        <p:spPr/>
-        <p:txBody>
-          <a:bodyPr/>
-          <a:lstStyle/>
-          <a:p>
-            <a:r>
-              <a:rPr lang="de-DE" dirty="0" smtClean="0"/>
-              <a:t>Testfall</a:t>
-            </a:r>
-            <a:endParaRPr lang="de-DE" dirty="0"/>
-          </a:p>
-        </p:txBody>
-      </p:sp>
       <p:pic>
         <p:nvPicPr>
-          <p:cNvPr id="8" name="Content Placeholder 7"/>
+          <p:cNvPr id="8" name="Content Placeholder 3"/>
           <p:cNvPicPr>
-            <a:picLocks noGrp="1" noChangeAspect="1"/>
+            <a:picLocks noChangeAspect="1"/>
           </p:cNvPicPr>
-          <p:nvPr>
-            <p:ph idx="1"/>
-          </p:nvPr>
+          <p:nvPr/>
         </p:nvPicPr>
         <p:blipFill>
           <a:blip r:embed="rId2">
@@ -4172,24 +4206,47 @@
         </p:blipFill>
         <p:spPr>
           <a:xfrm>
-            <a:off x="2573419" y="2348880"/>
-            <a:ext cx="3991532" cy="3057952"/>
-          </a:xfrm>
-          <a:solidFill>
-            <a:schemeClr val="bg1"/>
-          </a:solidFill>
+            <a:off x="539552" y="2120616"/>
+            <a:ext cx="8046156" cy="4525963"/>
+          </a:xfrm>
+          <a:prstGeom prst="rect">
+            <a:avLst/>
+          </a:prstGeom>
         </p:spPr>
       </p:pic>
       <p:sp>
         <p:nvSpPr>
-          <p:cNvPr id="9" name="TextBox 8"/>
+          <p:cNvPr id="2" name="Title 1"/>
+          <p:cNvSpPr>
+            <a:spLocks noGrp="1"/>
+          </p:cNvSpPr>
+          <p:nvPr>
+            <p:ph type="title"/>
+          </p:nvPr>
+        </p:nvSpPr>
+        <p:spPr/>
+        <p:txBody>
+          <a:bodyPr/>
+          <a:lstStyle/>
+          <a:p>
+            <a:r>
+              <a:rPr lang="de-DE" dirty="0" smtClean="0"/>
+              <a:t>Testfall</a:t>
+            </a:r>
+            <a:endParaRPr lang="de-DE" dirty="0"/>
+          </a:p>
+        </p:txBody>
+      </p:sp>
+      <p:sp>
+        <p:nvSpPr>
+          <p:cNvPr id="4" name="TextBox 3"/>
           <p:cNvSpPr txBox="1"/>
           <p:nvPr/>
         </p:nvSpPr>
         <p:spPr>
           <a:xfrm>
             <a:off x="539552" y="1484784"/>
-            <a:ext cx="7128792" cy="461665"/>
+            <a:ext cx="4752528" cy="461665"/>
           </a:xfrm>
           <a:prstGeom prst="rect">
             <a:avLst/>
@@ -4208,7 +4265,7 @@
             </a:pPr>
             <a:r>
               <a:rPr lang="de-DE" sz="2400" dirty="0" smtClean="0"/>
-              <a:t>Angaben zum Thing eingeben</a:t>
+              <a:t>Neues Thing erstellen</a:t>
             </a:r>
             <a:endParaRPr lang="de-DE" sz="2400" dirty="0"/>
           </a:p>
@@ -4216,86 +4273,19 @@
       </p:sp>
       <p:sp>
         <p:nvSpPr>
-          <p:cNvPr id="11" name="TextBox 10"/>
-          <p:cNvSpPr txBox="1"/>
+          <p:cNvPr id="5" name="Rectangle 4"/>
+          <p:cNvSpPr/>
           <p:nvPr/>
         </p:nvSpPr>
         <p:spPr>
           <a:xfrm>
-            <a:off x="3846290" y="2843063"/>
-            <a:ext cx="1141018" cy="307777"/>
+            <a:off x="5292080" y="3273570"/>
+            <a:ext cx="720080" cy="371453"/>
           </a:xfrm>
           <a:prstGeom prst="rect">
             <a:avLst/>
           </a:prstGeom>
           <a:noFill/>
-        </p:spPr>
-        <p:txBody>
-          <a:bodyPr wrap="none" rtlCol="0">
-            <a:spAutoFit/>
-          </a:bodyPr>
-          <a:lstStyle/>
-          <a:p>
-            <a:r>
-              <a:rPr lang="de-DE" sz="1400" dirty="0" smtClean="0"/>
-              <a:t>Testfall Thing</a:t>
-            </a:r>
-            <a:endParaRPr lang="de-DE" sz="1400" dirty="0"/>
-          </a:p>
-        </p:txBody>
-      </p:sp>
-      <p:sp>
-        <p:nvSpPr>
-          <p:cNvPr id="12" name="TextBox 11"/>
-          <p:cNvSpPr txBox="1"/>
-          <p:nvPr/>
-        </p:nvSpPr>
-        <p:spPr>
-          <a:xfrm>
-            <a:off x="3846290" y="3150840"/>
-            <a:ext cx="1445790" cy="307777"/>
-          </a:xfrm>
-          <a:prstGeom prst="rect">
-            <a:avLst/>
-          </a:prstGeom>
-          <a:noFill/>
-        </p:spPr>
-        <p:txBody>
-          <a:bodyPr wrap="square" rtlCol="0">
-            <a:spAutoFit/>
-          </a:bodyPr>
-          <a:lstStyle/>
-          <a:p>
-            <a:r>
-              <a:rPr lang="de-DE" sz="1400" dirty="0" smtClean="0"/>
-              <a:t>Lorem Ipsum</a:t>
-            </a:r>
-            <a:endParaRPr lang="de-DE" sz="1400" dirty="0"/>
-          </a:p>
-        </p:txBody>
-      </p:sp>
-      <p:sp>
-        <p:nvSpPr>
-          <p:cNvPr id="13" name="Rectangle 12"/>
-          <p:cNvSpPr/>
-          <p:nvPr/>
-        </p:nvSpPr>
-        <p:spPr>
-          <a:xfrm>
-            <a:off x="3839162" y="4293096"/>
-            <a:ext cx="1155274" cy="144016"/>
-          </a:xfrm>
-          <a:prstGeom prst="rect">
-            <a:avLst/>
-          </a:prstGeom>
-          <a:solidFill>
-            <a:schemeClr val="bg1"/>
-          </a:solidFill>
-          <a:ln>
-            <a:solidFill>
-              <a:schemeClr val="bg1"/>
-            </a:solidFill>
-          </a:ln>
         </p:spPr>
         <p:style>
           <a:lnRef idx="2">
@@ -4314,165 +4304,31 @@
           </a:fontRef>
         </p:style>
         <p:txBody>
-          <a:bodyPr rot="0" spcFirstLastPara="0" vertOverflow="overflow" horzOverflow="overflow" vert="horz" wrap="square" lIns="91440" tIns="45720" rIns="91440" bIns="45720" numCol="1" spcCol="0" rtlCol="0" fromWordArt="0" anchor="ctr" anchorCtr="0" forceAA="0" compatLnSpc="1">
-            <a:prstTxWarp prst="textNoShape">
-              <a:avLst/>
-            </a:prstTxWarp>
-            <a:noAutofit/>
-          </a:bodyPr>
+          <a:bodyPr rtlCol="0" anchor="ctr"/>
           <a:lstStyle/>
           <a:p>
             <a:pPr algn="ctr"/>
-            <a:endParaRPr lang="de-DE" dirty="0"/>
-          </a:p>
-        </p:txBody>
-      </p:sp>
-      <p:sp>
-        <p:nvSpPr>
-          <p:cNvPr id="14" name="TextBox 13"/>
-          <p:cNvSpPr txBox="1"/>
-          <p:nvPr/>
-        </p:nvSpPr>
-        <p:spPr>
-          <a:xfrm>
-            <a:off x="3851920" y="4195965"/>
-            <a:ext cx="1440160" cy="338554"/>
-          </a:xfrm>
-          <a:prstGeom prst="rect">
-            <a:avLst/>
-          </a:prstGeom>
-          <a:noFill/>
-        </p:spPr>
-        <p:txBody>
-          <a:bodyPr wrap="square" rtlCol="0">
-            <a:spAutoFit/>
-          </a:bodyPr>
-          <a:lstStyle/>
-          <a:p>
-            <a:r>
-              <a:rPr lang="de-DE" sz="1600" dirty="0" smtClean="0"/>
-              <a:t>Karlsruhe</a:t>
-            </a:r>
-            <a:endParaRPr lang="de-DE" sz="1600" dirty="0"/>
-          </a:p>
-        </p:txBody>
-      </p:sp>
-      <p:sp>
-        <p:nvSpPr>
-          <p:cNvPr id="15" name="Rectangle 14"/>
-          <p:cNvSpPr/>
-          <p:nvPr/>
-        </p:nvSpPr>
-        <p:spPr>
-          <a:xfrm>
-            <a:off x="5220072" y="3574696"/>
-            <a:ext cx="432048" cy="162000"/>
-          </a:xfrm>
-          <a:prstGeom prst="rect">
-            <a:avLst/>
-          </a:prstGeom>
-          <a:solidFill>
-            <a:schemeClr val="bg1"/>
-          </a:solidFill>
-          <a:ln>
-            <a:solidFill>
-              <a:schemeClr val="bg1"/>
-            </a:solidFill>
-          </a:ln>
-        </p:spPr>
-        <p:style>
-          <a:lnRef idx="2">
-            <a:schemeClr val="accent1">
-              <a:shade val="50000"/>
-            </a:schemeClr>
-          </a:lnRef>
-          <a:fillRef idx="1">
-            <a:schemeClr val="accent1"/>
-          </a:fillRef>
-          <a:effectRef idx="0">
-            <a:schemeClr val="accent1"/>
-          </a:effectRef>
-          <a:fontRef idx="minor">
-            <a:schemeClr val="lt1"/>
-          </a:fontRef>
-        </p:style>
-        <p:txBody>
-          <a:bodyPr rot="0" spcFirstLastPara="0" vertOverflow="overflow" horzOverflow="overflow" vert="horz" wrap="square" lIns="91440" tIns="45720" rIns="91440" bIns="45720" numCol="1" spcCol="0" rtlCol="0" fromWordArt="0" anchor="ctr" anchorCtr="0" forceAA="0" compatLnSpc="1">
-            <a:prstTxWarp prst="textNoShape">
-              <a:avLst/>
-            </a:prstTxWarp>
-            <a:noAutofit/>
-          </a:bodyPr>
-          <a:lstStyle/>
-          <a:p>
-            <a:pPr algn="ctr"/>
-            <a:endParaRPr lang="de-DE" dirty="0"/>
-          </a:p>
-        </p:txBody>
-      </p:sp>
-      <p:sp>
-        <p:nvSpPr>
-          <p:cNvPr id="16" name="Rectangle 15"/>
-          <p:cNvSpPr/>
-          <p:nvPr/>
-        </p:nvSpPr>
-        <p:spPr>
-          <a:xfrm>
-            <a:off x="3839161" y="3574696"/>
-            <a:ext cx="577637" cy="199158"/>
-          </a:xfrm>
-          <a:prstGeom prst="rect">
-            <a:avLst/>
-          </a:prstGeom>
-          <a:solidFill>
-            <a:schemeClr val="bg1"/>
-          </a:solidFill>
-          <a:ln>
-            <a:solidFill>
-              <a:schemeClr val="bg1"/>
-            </a:solidFill>
-          </a:ln>
-        </p:spPr>
-        <p:style>
-          <a:lnRef idx="2">
-            <a:schemeClr val="accent1">
-              <a:shade val="50000"/>
-            </a:schemeClr>
-          </a:lnRef>
-          <a:fillRef idx="1">
-            <a:schemeClr val="accent1"/>
-          </a:fillRef>
-          <a:effectRef idx="0">
-            <a:schemeClr val="accent1"/>
-          </a:effectRef>
-          <a:fontRef idx="minor">
-            <a:schemeClr val="lt1"/>
-          </a:fontRef>
-        </p:style>
-        <p:txBody>
-          <a:bodyPr rot="0" spcFirstLastPara="0" vertOverflow="overflow" horzOverflow="overflow" vert="horz" wrap="square" lIns="91440" tIns="45720" rIns="91440" bIns="45720" numCol="1" spcCol="0" rtlCol="0" fromWordArt="0" anchor="ctr" anchorCtr="0" forceAA="0" compatLnSpc="1">
-            <a:prstTxWarp prst="textNoShape">
-              <a:avLst/>
-            </a:prstTxWarp>
-            <a:noAutofit/>
-          </a:bodyPr>
-          <a:lstStyle/>
-          <a:p>
-            <a:pPr algn="ctr"/>
-            <a:endParaRPr lang="de-DE" dirty="0"/>
+            <a:endParaRPr lang="de-DE"/>
           </a:p>
         </p:txBody>
       </p:sp>
     </p:spTree>
     <p:extLst>
       <p:ext uri="{BB962C8B-B14F-4D97-AF65-F5344CB8AC3E}">
-        <p14:creationId xmlns:p14="http://schemas.microsoft.com/office/powerpoint/2010/main" val="3842217822"/>
+        <p14:creationId xmlns:p14="http://schemas.microsoft.com/office/powerpoint/2010/main" val="1537699003"/>
       </p:ext>
     </p:extLst>
   </p:cSld>
   <p:clrMapOvr>
     <a:masterClrMapping/>
   </p:clrMapOvr>
+  <p:timing>
+    <p:tnLst>
+      <p:par>
+        <p:cTn id="1" dur="indefinite" restart="never" nodeType="tmRoot"/>
+      </p:par>
+    </p:tnLst>
+  </p:timing>
 </p:sld>
 </file>
 
@@ -4503,15 +4359,7 @@
             <p:ph type="title"/>
           </p:nvPr>
         </p:nvSpPr>
-        <p:spPr>
-          <a:xfrm>
-            <a:off x="1333329" y="260648"/>
-            <a:ext cx="6518491" cy="1143000"/>
-          </a:xfrm>
-          <a:ln>
-            <a:noFill/>
-          </a:ln>
-        </p:spPr>
+        <p:spPr/>
         <p:txBody>
           <a:bodyPr/>
           <a:lstStyle/>
@@ -4526,7 +4374,7 @@
       </p:sp>
       <p:pic>
         <p:nvPicPr>
-          <p:cNvPr id="7" name="Content Placeholder 6"/>
+          <p:cNvPr id="8" name="Content Placeholder 7"/>
           <p:cNvPicPr>
             <a:picLocks noGrp="1" noChangeAspect="1"/>
           </p:cNvPicPr>
@@ -4548,32 +4396,29 @@
         </p:blipFill>
         <p:spPr>
           <a:xfrm>
-            <a:off x="539552" y="2132856"/>
-            <a:ext cx="8046156" cy="4525963"/>
-          </a:xfrm>
-          <a:ln>
-            <a:noFill/>
-          </a:ln>
+            <a:off x="2573419" y="2348880"/>
+            <a:ext cx="3991532" cy="3057952"/>
+          </a:xfrm>
+          <a:solidFill>
+            <a:schemeClr val="bg1"/>
+          </a:solidFill>
         </p:spPr>
       </p:pic>
       <p:sp>
         <p:nvSpPr>
-          <p:cNvPr id="4" name="TextBox 3"/>
+          <p:cNvPr id="9" name="TextBox 8"/>
           <p:cNvSpPr txBox="1"/>
           <p:nvPr/>
         </p:nvSpPr>
         <p:spPr>
           <a:xfrm>
             <a:off x="539552" y="1484784"/>
-            <a:ext cx="7272808" cy="461665"/>
+            <a:ext cx="7128792" cy="461665"/>
           </a:xfrm>
           <a:prstGeom prst="rect">
             <a:avLst/>
           </a:prstGeom>
           <a:noFill/>
-          <a:ln>
-            <a:noFill/>
-          </a:ln>
         </p:spPr>
         <p:txBody>
           <a:bodyPr wrap="square" rtlCol="0">
@@ -4587,7 +4432,7 @@
             </a:pPr>
             <a:r>
               <a:rPr lang="de-DE" sz="2400" dirty="0" smtClean="0"/>
-              <a:t>Datums-/Zeitformat und Zeitzone angeben</a:t>
+              <a:t>Angaben zum Thing eingeben</a:t>
             </a:r>
             <a:endParaRPr lang="de-DE" sz="2400" dirty="0"/>
           </a:p>
@@ -4595,14 +4440,74 @@
       </p:sp>
       <p:sp>
         <p:nvSpPr>
-          <p:cNvPr id="3" name="Rectangle 2"/>
+          <p:cNvPr id="11" name="TextBox 10"/>
+          <p:cNvSpPr txBox="1"/>
+          <p:nvPr/>
+        </p:nvSpPr>
+        <p:spPr>
+          <a:xfrm>
+            <a:off x="3846290" y="2843063"/>
+            <a:ext cx="1141018" cy="307777"/>
+          </a:xfrm>
+          <a:prstGeom prst="rect">
+            <a:avLst/>
+          </a:prstGeom>
+          <a:noFill/>
+        </p:spPr>
+        <p:txBody>
+          <a:bodyPr wrap="none" rtlCol="0">
+            <a:spAutoFit/>
+          </a:bodyPr>
+          <a:lstStyle/>
+          <a:p>
+            <a:r>
+              <a:rPr lang="de-DE" sz="1400" dirty="0" smtClean="0"/>
+              <a:t>Testfall Thing</a:t>
+            </a:r>
+            <a:endParaRPr lang="de-DE" sz="1400" dirty="0"/>
+          </a:p>
+        </p:txBody>
+      </p:sp>
+      <p:sp>
+        <p:nvSpPr>
+          <p:cNvPr id="12" name="TextBox 11"/>
+          <p:cNvSpPr txBox="1"/>
+          <p:nvPr/>
+        </p:nvSpPr>
+        <p:spPr>
+          <a:xfrm>
+            <a:off x="3846290" y="3150840"/>
+            <a:ext cx="1445790" cy="307777"/>
+          </a:xfrm>
+          <a:prstGeom prst="rect">
+            <a:avLst/>
+          </a:prstGeom>
+          <a:noFill/>
+        </p:spPr>
+        <p:txBody>
+          <a:bodyPr wrap="square" rtlCol="0">
+            <a:spAutoFit/>
+          </a:bodyPr>
+          <a:lstStyle/>
+          <a:p>
+            <a:r>
+              <a:rPr lang="de-DE" sz="1400" dirty="0" smtClean="0"/>
+              <a:t>Lorem Ipsum</a:t>
+            </a:r>
+            <a:endParaRPr lang="de-DE" sz="1400" dirty="0"/>
+          </a:p>
+        </p:txBody>
+      </p:sp>
+      <p:sp>
+        <p:nvSpPr>
+          <p:cNvPr id="13" name="Rectangle 12"/>
           <p:cNvSpPr/>
           <p:nvPr/>
         </p:nvSpPr>
         <p:spPr>
           <a:xfrm>
-            <a:off x="4181102" y="3409950"/>
-            <a:ext cx="822946" cy="86866"/>
+            <a:off x="3839162" y="4293096"/>
+            <a:ext cx="1155274" cy="144016"/>
           </a:xfrm>
           <a:prstGeom prst="rect">
             <a:avLst/>
@@ -4611,7 +4516,9 @@
             <a:schemeClr val="bg1"/>
           </a:solidFill>
           <a:ln>
-            <a:noFill/>
+            <a:solidFill>
+              <a:schemeClr val="bg1"/>
+            </a:solidFill>
           </a:ln>
         </p:spPr>
         <p:style>
@@ -4640,37 +4547,62 @@
           <a:lstStyle/>
           <a:p>
             <a:pPr algn="ctr"/>
-            <a:r>
-              <a:rPr lang="de-DE" sz="800" dirty="0" smtClean="0">
-                <a:solidFill>
-                  <a:schemeClr val="tx1"/>
-                </a:solidFill>
-              </a:rPr>
-              <a:t>Testfall Thing</a:t>
-            </a:r>
-            <a:endParaRPr lang="de-DE" sz="800" dirty="0">
-              <a:solidFill>
-                <a:schemeClr val="tx1"/>
-              </a:solidFill>
-            </a:endParaRPr>
-          </a:p>
-        </p:txBody>
-      </p:sp>
-      <p:sp>
-        <p:nvSpPr>
-          <p:cNvPr id="6" name="Rectangle 5"/>
-          <p:cNvSpPr/>
+            <a:endParaRPr lang="de-DE" dirty="0"/>
+          </a:p>
+        </p:txBody>
+      </p:sp>
+      <p:sp>
+        <p:nvSpPr>
+          <p:cNvPr id="14" name="TextBox 13"/>
+          <p:cNvSpPr txBox="1"/>
           <p:nvPr/>
         </p:nvSpPr>
         <p:spPr>
           <a:xfrm>
-            <a:off x="6228184" y="3224223"/>
-            <a:ext cx="1512168" cy="996865"/>
+            <a:off x="3851920" y="4195965"/>
+            <a:ext cx="1440160" cy="338554"/>
           </a:xfrm>
           <a:prstGeom prst="rect">
             <a:avLst/>
           </a:prstGeom>
           <a:noFill/>
+        </p:spPr>
+        <p:txBody>
+          <a:bodyPr wrap="square" rtlCol="0">
+            <a:spAutoFit/>
+          </a:bodyPr>
+          <a:lstStyle/>
+          <a:p>
+            <a:r>
+              <a:rPr lang="de-DE" sz="1600" dirty="0" smtClean="0"/>
+              <a:t>Karlsruhe</a:t>
+            </a:r>
+            <a:endParaRPr lang="de-DE" sz="1600" dirty="0"/>
+          </a:p>
+        </p:txBody>
+      </p:sp>
+      <p:sp>
+        <p:nvSpPr>
+          <p:cNvPr id="15" name="Rectangle 14"/>
+          <p:cNvSpPr/>
+          <p:nvPr/>
+        </p:nvSpPr>
+        <p:spPr>
+          <a:xfrm>
+            <a:off x="5220072" y="3574696"/>
+            <a:ext cx="432048" cy="162000"/>
+          </a:xfrm>
+          <a:prstGeom prst="rect">
+            <a:avLst/>
+          </a:prstGeom>
+          <a:solidFill>
+            <a:schemeClr val="bg1"/>
+          </a:solidFill>
+          <a:ln>
+            <a:solidFill>
+              <a:schemeClr val="bg1"/>
+            </a:solidFill>
+          </a:ln>
         </p:spPr>
         <p:style>
           <a:lnRef idx="2">
@@ -4689,24 +4621,29 @@
           </a:fontRef>
         </p:style>
         <p:txBody>
-          <a:bodyPr rtlCol="0" anchor="ctr"/>
+          <a:bodyPr rot="0" spcFirstLastPara="0" vertOverflow="overflow" horzOverflow="overflow" vert="horz" wrap="square" lIns="91440" tIns="45720" rIns="91440" bIns="45720" numCol="1" spcCol="0" rtlCol="0" fromWordArt="0" anchor="ctr" anchorCtr="0" forceAA="0" compatLnSpc="1">
+            <a:prstTxWarp prst="textNoShape">
+              <a:avLst/>
+            </a:prstTxWarp>
+            <a:noAutofit/>
+          </a:bodyPr>
           <a:lstStyle/>
           <a:p>
             <a:pPr algn="ctr"/>
-            <a:endParaRPr lang="de-DE"/>
-          </a:p>
-        </p:txBody>
-      </p:sp>
-      <p:sp>
-        <p:nvSpPr>
-          <p:cNvPr id="5" name="Rectangle 4"/>
+            <a:endParaRPr lang="de-DE" dirty="0"/>
+          </a:p>
+        </p:txBody>
+      </p:sp>
+      <p:sp>
+        <p:nvSpPr>
+          <p:cNvPr id="16" name="Rectangle 15"/>
           <p:cNvSpPr/>
           <p:nvPr/>
         </p:nvSpPr>
         <p:spPr>
           <a:xfrm>
-            <a:off x="6732240" y="3409950"/>
-            <a:ext cx="576064" cy="86866"/>
+            <a:off x="3839161" y="3574696"/>
+            <a:ext cx="577637" cy="199158"/>
           </a:xfrm>
           <a:prstGeom prst="rect">
             <a:avLst/>
@@ -4746,39 +4683,20 @@
           <a:lstStyle/>
           <a:p>
             <a:pPr algn="ctr"/>
-            <a:r>
-              <a:rPr lang="de-DE" sz="900" dirty="0" smtClean="0">
-                <a:solidFill>
-                  <a:schemeClr val="tx1"/>
-                </a:solidFill>
-              </a:rPr>
-              <a:t>CET</a:t>
-            </a:r>
-            <a:endParaRPr lang="de-DE" sz="900" dirty="0">
-              <a:solidFill>
-                <a:schemeClr val="tx1"/>
-              </a:solidFill>
-            </a:endParaRPr>
+            <a:endParaRPr lang="de-DE" dirty="0"/>
           </a:p>
         </p:txBody>
       </p:sp>
     </p:spTree>
     <p:extLst>
       <p:ext uri="{BB962C8B-B14F-4D97-AF65-F5344CB8AC3E}">
-        <p14:creationId xmlns:p14="http://schemas.microsoft.com/office/powerpoint/2010/main" val="1537699003"/>
+        <p14:creationId xmlns:p14="http://schemas.microsoft.com/office/powerpoint/2010/main" val="3842217822"/>
       </p:ext>
     </p:extLst>
   </p:cSld>
   <p:clrMapOvr>
     <a:masterClrMapping/>
   </p:clrMapOvr>
-  <p:timing>
-    <p:tnLst>
-      <p:par>
-        <p:cTn id="1" dur="indefinite" restart="never" nodeType="tmRoot"/>
-      </p:par>
-    </p:tnLst>
-  </p:timing>
 </p:sld>
 </file>
 
@@ -4799,13 +4717,46 @@
           <a:chExt cx="0" cy="0"/>
         </a:xfrm>
       </p:grpSpPr>
+      <p:sp>
+        <p:nvSpPr>
+          <p:cNvPr id="2" name="Title 1"/>
+          <p:cNvSpPr>
+            <a:spLocks noGrp="1"/>
+          </p:cNvSpPr>
+          <p:nvPr>
+            <p:ph type="title"/>
+          </p:nvPr>
+        </p:nvSpPr>
+        <p:spPr>
+          <a:xfrm>
+            <a:off x="1333329" y="260648"/>
+            <a:ext cx="6518491" cy="1143000"/>
+          </a:xfrm>
+          <a:ln>
+            <a:noFill/>
+          </a:ln>
+        </p:spPr>
+        <p:txBody>
+          <a:bodyPr/>
+          <a:lstStyle/>
+          <a:p>
+            <a:r>
+              <a:rPr lang="de-DE" dirty="0" smtClean="0"/>
+              <a:t>Testfall</a:t>
+            </a:r>
+            <a:endParaRPr lang="de-DE" dirty="0"/>
+          </a:p>
+        </p:txBody>
+      </p:sp>
       <p:pic>
         <p:nvPicPr>
-          <p:cNvPr id="8" name="Content Placeholder 6"/>
+          <p:cNvPr id="7" name="Content Placeholder 6"/>
           <p:cNvPicPr>
-            <a:picLocks noChangeAspect="1"/>
+            <a:picLocks noGrp="1" noChangeAspect="1"/>
           </p:cNvPicPr>
-          <p:nvPr/>
+          <p:nvPr>
+            <p:ph idx="1"/>
+          </p:nvPr>
         </p:nvPicPr>
         <p:blipFill>
           <a:blip r:embed="rId2">
@@ -4824,9 +4775,6 @@
             <a:off x="539552" y="2132856"/>
             <a:ext cx="8046156" cy="4525963"/>
           </a:xfrm>
-          <a:prstGeom prst="rect">
-            <a:avLst/>
-          </a:prstGeom>
           <a:ln>
             <a:noFill/>
           </a:ln>
@@ -4834,29 +4782,6 @@
       </p:pic>
       <p:sp>
         <p:nvSpPr>
-          <p:cNvPr id="2" name="Title 1"/>
-          <p:cNvSpPr>
-            <a:spLocks noGrp="1"/>
-          </p:cNvSpPr>
-          <p:nvPr>
-            <p:ph type="title"/>
-          </p:nvPr>
-        </p:nvSpPr>
-        <p:spPr/>
-        <p:txBody>
-          <a:bodyPr/>
-          <a:lstStyle/>
-          <a:p>
-            <a:r>
-              <a:rPr lang="de-DE" dirty="0" smtClean="0"/>
-              <a:t>Testfall</a:t>
-            </a:r>
-            <a:endParaRPr lang="de-DE" dirty="0"/>
-          </a:p>
-        </p:txBody>
-      </p:sp>
-      <p:sp>
-        <p:nvSpPr>
           <p:cNvPr id="4" name="TextBox 3"/>
           <p:cNvSpPr txBox="1"/>
           <p:nvPr/>
@@ -4864,12 +4789,15 @@
         <p:spPr>
           <a:xfrm>
             <a:off x="539552" y="1484784"/>
-            <a:ext cx="4752528" cy="461665"/>
+            <a:ext cx="7272808" cy="461665"/>
           </a:xfrm>
           <a:prstGeom prst="rect">
             <a:avLst/>
           </a:prstGeom>
           <a:noFill/>
+          <a:ln>
+            <a:noFill/>
+          </a:ln>
         </p:spPr>
         <p:txBody>
           <a:bodyPr wrap="square" rtlCol="0">
@@ -4883,7 +4811,7 @@
             </a:pPr>
             <a:r>
               <a:rPr lang="de-DE" sz="2400" dirty="0" smtClean="0"/>
-              <a:t>Neuen Datastream erstellen</a:t>
+              <a:t>Datums-/Zeitformat und Zeitzone angeben</a:t>
             </a:r>
             <a:endParaRPr lang="de-DE" sz="2400" dirty="0"/>
           </a:p>
@@ -4891,19 +4819,24 @@
       </p:sp>
       <p:sp>
         <p:nvSpPr>
-          <p:cNvPr id="5" name="Rectangle 4"/>
+          <p:cNvPr id="3" name="Rectangle 2"/>
           <p:cNvSpPr/>
           <p:nvPr/>
         </p:nvSpPr>
         <p:spPr>
           <a:xfrm>
-            <a:off x="4283968" y="5085184"/>
-            <a:ext cx="486000" cy="180000"/>
+            <a:off x="4181102" y="3409950"/>
+            <a:ext cx="822946" cy="86866"/>
           </a:xfrm>
           <a:prstGeom prst="rect">
             <a:avLst/>
           </a:prstGeom>
-          <a:noFill/>
+          <a:solidFill>
+            <a:schemeClr val="bg1"/>
+          </a:solidFill>
+          <a:ln>
+            <a:noFill/>
+          </a:ln>
         </p:spPr>
         <p:style>
           <a:lnRef idx="2">
@@ -4922,34 +4855,46 @@
           </a:fontRef>
         </p:style>
         <p:txBody>
-          <a:bodyPr rtlCol="0" anchor="ctr"/>
+          <a:bodyPr rot="0" spcFirstLastPara="0" vertOverflow="overflow" horzOverflow="overflow" vert="horz" wrap="square" lIns="91440" tIns="45720" rIns="91440" bIns="45720" numCol="1" spcCol="0" rtlCol="0" fromWordArt="0" anchor="ctr" anchorCtr="0" forceAA="0" compatLnSpc="1">
+            <a:prstTxWarp prst="textNoShape">
+              <a:avLst/>
+            </a:prstTxWarp>
+            <a:noAutofit/>
+          </a:bodyPr>
           <a:lstStyle/>
           <a:p>
             <a:pPr algn="ctr"/>
-            <a:endParaRPr lang="de-DE"/>
-          </a:p>
-        </p:txBody>
-      </p:sp>
-      <p:sp>
-        <p:nvSpPr>
-          <p:cNvPr id="9" name="Rectangle 8"/>
+            <a:r>
+              <a:rPr lang="de-DE" sz="800" dirty="0" smtClean="0">
+                <a:solidFill>
+                  <a:schemeClr val="tx1"/>
+                </a:solidFill>
+              </a:rPr>
+              <a:t>Testfall Thing</a:t>
+            </a:r>
+            <a:endParaRPr lang="de-DE" sz="800" dirty="0">
+              <a:solidFill>
+                <a:schemeClr val="tx1"/>
+              </a:solidFill>
+            </a:endParaRPr>
+          </a:p>
+        </p:txBody>
+      </p:sp>
+      <p:sp>
+        <p:nvSpPr>
+          <p:cNvPr id="6" name="Rectangle 5"/>
           <p:cNvSpPr/>
           <p:nvPr/>
         </p:nvSpPr>
         <p:spPr>
           <a:xfrm>
-            <a:off x="4181102" y="3409950"/>
-            <a:ext cx="822946" cy="86866"/>
+            <a:off x="6228184" y="3224223"/>
+            <a:ext cx="1512168" cy="996865"/>
           </a:xfrm>
           <a:prstGeom prst="rect">
             <a:avLst/>
           </a:prstGeom>
-          <a:solidFill>
-            <a:schemeClr val="bg1"/>
-          </a:solidFill>
-          <a:ln>
-            <a:noFill/>
-          </a:ln>
+          <a:noFill/>
         </p:spPr>
         <p:style>
           <a:lnRef idx="2">
@@ -4968,34 +4913,17 @@
           </a:fontRef>
         </p:style>
         <p:txBody>
-          <a:bodyPr rot="0" spcFirstLastPara="0" vertOverflow="overflow" horzOverflow="overflow" vert="horz" wrap="square" lIns="91440" tIns="45720" rIns="91440" bIns="45720" numCol="1" spcCol="0" rtlCol="0" fromWordArt="0" anchor="ctr" anchorCtr="0" forceAA="0" compatLnSpc="1">
-            <a:prstTxWarp prst="textNoShape">
-              <a:avLst/>
-            </a:prstTxWarp>
-            <a:noAutofit/>
-          </a:bodyPr>
+          <a:bodyPr rtlCol="0" anchor="ctr"/>
           <a:lstStyle/>
           <a:p>
             <a:pPr algn="ctr"/>
-            <a:r>
-              <a:rPr lang="de-DE" sz="800" dirty="0" smtClean="0">
-                <a:solidFill>
-                  <a:schemeClr val="tx1"/>
-                </a:solidFill>
-              </a:rPr>
-              <a:t>Testfall Thing</a:t>
-            </a:r>
-            <a:endParaRPr lang="de-DE" sz="800" dirty="0">
-              <a:solidFill>
-                <a:schemeClr val="tx1"/>
-              </a:solidFill>
-            </a:endParaRPr>
-          </a:p>
-        </p:txBody>
-      </p:sp>
-      <p:sp>
-        <p:nvSpPr>
-          <p:cNvPr id="10" name="Rectangle 9"/>
+            <a:endParaRPr lang="de-DE"/>
+          </a:p>
+        </p:txBody>
+      </p:sp>
+      <p:sp>
+        <p:nvSpPr>
+          <p:cNvPr id="5" name="Rectangle 4"/>
           <p:cNvSpPr/>
           <p:nvPr/>
         </p:nvSpPr>
@@ -5095,38 +5023,13 @@
           <a:chExt cx="0" cy="0"/>
         </a:xfrm>
       </p:grpSpPr>
-      <p:sp>
-        <p:nvSpPr>
-          <p:cNvPr id="2" name="Title 1"/>
-          <p:cNvSpPr>
-            <a:spLocks noGrp="1"/>
-          </p:cNvSpPr>
-          <p:nvPr>
-            <p:ph type="title"/>
-          </p:nvPr>
-        </p:nvSpPr>
-        <p:spPr/>
-        <p:txBody>
-          <a:bodyPr/>
-          <a:lstStyle/>
-          <a:p>
-            <a:r>
-              <a:rPr lang="de-DE" dirty="0" smtClean="0"/>
-              <a:t>Testfall</a:t>
-            </a:r>
-            <a:endParaRPr lang="de-DE" dirty="0"/>
-          </a:p>
-        </p:txBody>
-      </p:sp>
       <p:pic>
         <p:nvPicPr>
-          <p:cNvPr id="4" name="Content Placeholder 3"/>
+          <p:cNvPr id="8" name="Content Placeholder 6"/>
           <p:cNvPicPr>
-            <a:picLocks noGrp="1" noChangeAspect="1"/>
+            <a:picLocks noChangeAspect="1"/>
           </p:cNvPicPr>
-          <p:nvPr>
-            <p:ph idx="1"/>
-          </p:nvPr>
+          <p:nvPr/>
         </p:nvPicPr>
         <p:blipFill>
           <a:blip r:embed="rId2">
@@ -5142,14 +5045,43 @@
         </p:blipFill>
         <p:spPr>
           <a:xfrm>
-            <a:off x="1619672" y="2564904"/>
-            <a:ext cx="5906324" cy="4077269"/>
-          </a:xfrm>
+            <a:off x="539552" y="2132856"/>
+            <a:ext cx="8046156" cy="4525963"/>
+          </a:xfrm>
+          <a:prstGeom prst="rect">
+            <a:avLst/>
+          </a:prstGeom>
+          <a:ln>
+            <a:noFill/>
+          </a:ln>
         </p:spPr>
       </p:pic>
       <p:sp>
         <p:nvSpPr>
-          <p:cNvPr id="5" name="TextBox 4"/>
+          <p:cNvPr id="2" name="Title 1"/>
+          <p:cNvSpPr>
+            <a:spLocks noGrp="1"/>
+          </p:cNvSpPr>
+          <p:nvPr>
+            <p:ph type="title"/>
+          </p:nvPr>
+        </p:nvSpPr>
+        <p:spPr/>
+        <p:txBody>
+          <a:bodyPr/>
+          <a:lstStyle/>
+          <a:p>
+            <a:r>
+              <a:rPr lang="de-DE" dirty="0" smtClean="0"/>
+              <a:t>Testfall</a:t>
+            </a:r>
+            <a:endParaRPr lang="de-DE" dirty="0"/>
+          </a:p>
+        </p:txBody>
+      </p:sp>
+      <p:sp>
+        <p:nvSpPr>
+          <p:cNvPr id="4" name="TextBox 3"/>
           <p:cNvSpPr txBox="1"/>
           <p:nvPr/>
         </p:nvSpPr>
@@ -5175,7 +5107,7 @@
             </a:pPr>
             <a:r>
               <a:rPr lang="de-DE" sz="2400" dirty="0" smtClean="0"/>
-              <a:t>Datastream Daten angeben</a:t>
+              <a:t>Neuen Datastream erstellen</a:t>
             </a:r>
             <a:endParaRPr lang="de-DE" sz="2400" dirty="0"/>
           </a:p>
@@ -5183,86 +5115,19 @@
       </p:sp>
       <p:sp>
         <p:nvSpPr>
-          <p:cNvPr id="6" name="TextBox 5"/>
-          <p:cNvSpPr txBox="1"/>
+          <p:cNvPr id="5" name="Rectangle 4"/>
+          <p:cNvSpPr/>
           <p:nvPr/>
         </p:nvSpPr>
         <p:spPr>
           <a:xfrm>
-            <a:off x="3123573" y="2994902"/>
-            <a:ext cx="1800201" cy="307777"/>
+            <a:off x="4283968" y="5085184"/>
+            <a:ext cx="486000" cy="180000"/>
           </a:xfrm>
           <a:prstGeom prst="rect">
             <a:avLst/>
           </a:prstGeom>
           <a:noFill/>
-        </p:spPr>
-        <p:txBody>
-          <a:bodyPr wrap="square" rtlCol="0">
-            <a:spAutoFit/>
-          </a:bodyPr>
-          <a:lstStyle/>
-          <a:p>
-            <a:r>
-              <a:rPr lang="de-DE" sz="1400" dirty="0" smtClean="0"/>
-              <a:t>Test-Datastream</a:t>
-            </a:r>
-            <a:endParaRPr lang="de-DE" sz="1400" dirty="0"/>
-          </a:p>
-        </p:txBody>
-      </p:sp>
-      <p:sp>
-        <p:nvSpPr>
-          <p:cNvPr id="7" name="TextBox 6"/>
-          <p:cNvSpPr txBox="1"/>
-          <p:nvPr/>
-        </p:nvSpPr>
-        <p:spPr>
-          <a:xfrm>
-            <a:off x="3137829" y="3322671"/>
-            <a:ext cx="2448272" cy="307777"/>
-          </a:xfrm>
-          <a:prstGeom prst="rect">
-            <a:avLst/>
-          </a:prstGeom>
-          <a:noFill/>
-        </p:spPr>
-        <p:txBody>
-          <a:bodyPr wrap="square" rtlCol="0">
-            <a:spAutoFit/>
-          </a:bodyPr>
-          <a:lstStyle/>
-          <a:p>
-            <a:r>
-              <a:rPr lang="de-DE" sz="1400" dirty="0" smtClean="0"/>
-              <a:t>Test</a:t>
-            </a:r>
-            <a:endParaRPr lang="de-DE" sz="1400" dirty="0"/>
-          </a:p>
-        </p:txBody>
-      </p:sp>
-      <p:sp>
-        <p:nvSpPr>
-          <p:cNvPr id="8" name="Rectangle 7"/>
-          <p:cNvSpPr/>
-          <p:nvPr/>
-        </p:nvSpPr>
-        <p:spPr>
-          <a:xfrm>
-            <a:off x="3105228" y="3717032"/>
-            <a:ext cx="818700" cy="216024"/>
-          </a:xfrm>
-          <a:prstGeom prst="rect">
-            <a:avLst/>
-          </a:prstGeom>
-          <a:solidFill>
-            <a:schemeClr val="bg1"/>
-          </a:solidFill>
-          <a:ln>
-            <a:solidFill>
-              <a:schemeClr val="bg1"/>
-            </a:solidFill>
-          </a:ln>
         </p:spPr>
         <p:style>
           <a:lnRef idx="2">
@@ -5281,28 +5146,11 @@
           </a:fontRef>
         </p:style>
         <p:txBody>
-          <a:bodyPr rot="0" spcFirstLastPara="0" vertOverflow="overflow" horzOverflow="overflow" vert="horz" wrap="square" lIns="91440" tIns="45720" rIns="91440" bIns="45720" numCol="1" spcCol="0" rtlCol="0" fromWordArt="0" anchor="ctr" anchorCtr="0" forceAA="0" compatLnSpc="1">
-            <a:prstTxWarp prst="textNoShape">
-              <a:avLst/>
-            </a:prstTxWarp>
-            <a:noAutofit/>
-          </a:bodyPr>
+          <a:bodyPr rtlCol="0" anchor="ctr"/>
           <a:lstStyle/>
           <a:p>
             <a:pPr algn="ctr"/>
-            <a:r>
-              <a:rPr lang="de-DE" sz="1400" dirty="0" smtClean="0">
-                <a:solidFill>
-                  <a:schemeClr val="tx1"/>
-                </a:solidFill>
-              </a:rPr>
-              <a:t>Integer</a:t>
-            </a:r>
-            <a:endParaRPr lang="de-DE" sz="1400" dirty="0">
-              <a:solidFill>
-                <a:schemeClr val="tx1"/>
-              </a:solidFill>
-            </a:endParaRPr>
+            <a:endParaRPr lang="de-DE"/>
           </a:p>
         </p:txBody>
       </p:sp>
@@ -5314,8 +5162,8 @@
         </p:nvSpPr>
         <p:spPr>
           <a:xfrm>
-            <a:off x="3105228" y="4077072"/>
-            <a:ext cx="1106732" cy="216024"/>
+            <a:off x="4181102" y="3409950"/>
+            <a:ext cx="822946" cy="86866"/>
           </a:xfrm>
           <a:prstGeom prst="rect">
             <a:avLst/>
@@ -5324,9 +5172,7 @@
             <a:schemeClr val="bg1"/>
           </a:solidFill>
           <a:ln>
-            <a:solidFill>
-              <a:schemeClr val="bg1"/>
-            </a:solidFill>
+            <a:noFill/>
           </a:ln>
         </p:spPr>
         <p:style>
@@ -5356,14 +5202,14 @@
           <a:p>
             <a:pPr algn="ctr"/>
             <a:r>
-              <a:rPr lang="de-DE" sz="1400" dirty="0" smtClean="0">
+              <a:rPr lang="de-DE" sz="800" dirty="0" smtClean="0">
                 <a:solidFill>
                   <a:schemeClr val="tx1"/>
                 </a:solidFill>
               </a:rPr>
-              <a:t>Tachometer</a:t>
-            </a:r>
-            <a:endParaRPr lang="de-DE" sz="1400" dirty="0">
+              <a:t>Testfall Thing</a:t>
+            </a:r>
+            <a:endParaRPr lang="de-DE" sz="800" dirty="0">
               <a:solidFill>
                 <a:schemeClr val="tx1"/>
               </a:solidFill>
@@ -5379,8 +5225,8 @@
         </p:nvSpPr>
         <p:spPr>
           <a:xfrm>
-            <a:off x="6372200" y="5373216"/>
-            <a:ext cx="360040" cy="144016"/>
+            <a:off x="6732240" y="3409950"/>
+            <a:ext cx="576064" cy="86866"/>
           </a:xfrm>
           <a:prstGeom prst="rect">
             <a:avLst/>
@@ -5420,68 +5266,15 @@
           <a:lstStyle/>
           <a:p>
             <a:pPr algn="ctr"/>
-            <a:endParaRPr lang="de-DE"/>
-          </a:p>
-        </p:txBody>
-      </p:sp>
-      <p:sp>
-        <p:nvSpPr>
-          <p:cNvPr id="11" name="Rectangle 10"/>
-          <p:cNvSpPr/>
-          <p:nvPr/>
-        </p:nvSpPr>
-        <p:spPr>
-          <a:xfrm>
-            <a:off x="1835696" y="5373216"/>
-            <a:ext cx="1080120" cy="144016"/>
-          </a:xfrm>
-          <a:prstGeom prst="rect">
-            <a:avLst/>
-          </a:prstGeom>
-          <a:solidFill>
-            <a:schemeClr val="bg1"/>
-          </a:solidFill>
-          <a:ln>
-            <a:solidFill>
-              <a:schemeClr val="bg1"/>
-            </a:solidFill>
-          </a:ln>
-        </p:spPr>
-        <p:style>
-          <a:lnRef idx="2">
-            <a:schemeClr val="accent1">
-              <a:shade val="50000"/>
-            </a:schemeClr>
-          </a:lnRef>
-          <a:fillRef idx="1">
-            <a:schemeClr val="accent1"/>
-          </a:fillRef>
-          <a:effectRef idx="0">
-            <a:schemeClr val="accent1"/>
-          </a:effectRef>
-          <a:fontRef idx="minor">
-            <a:schemeClr val="lt1"/>
-          </a:fontRef>
-        </p:style>
-        <p:txBody>
-          <a:bodyPr rot="0" spcFirstLastPara="0" vertOverflow="overflow" horzOverflow="overflow" vert="horz" wrap="square" lIns="91440" tIns="45720" rIns="91440" bIns="45720" numCol="1" spcCol="0" rtlCol="0" fromWordArt="0" anchor="ctr" anchorCtr="0" forceAA="0" compatLnSpc="1">
-            <a:prstTxWarp prst="textNoShape">
-              <a:avLst/>
-            </a:prstTxWarp>
-            <a:noAutofit/>
-          </a:bodyPr>
-          <a:lstStyle/>
-          <a:p>
-            <a:pPr algn="ctr"/>
-            <a:r>
-              <a:rPr lang="de-DE" sz="1400" dirty="0" smtClean="0">
+            <a:r>
+              <a:rPr lang="de-DE" sz="900" dirty="0" smtClean="0">
                 <a:solidFill>
                   <a:schemeClr val="tx1"/>
                 </a:solidFill>
               </a:rPr>
-              <a:t>Speed</a:t>
-            </a:r>
-            <a:endParaRPr lang="de-DE" sz="1400" dirty="0">
+              <a:t>CET</a:t>
+            </a:r>
+            <a:endParaRPr lang="de-DE" sz="900" dirty="0">
               <a:solidFill>
                 <a:schemeClr val="tx1"/>
               </a:solidFill>
@@ -5492,13 +5285,20 @@
     </p:spTree>
     <p:extLst>
       <p:ext uri="{BB962C8B-B14F-4D97-AF65-F5344CB8AC3E}">
-        <p14:creationId xmlns:p14="http://schemas.microsoft.com/office/powerpoint/2010/main" val="3419808928"/>
+        <p14:creationId xmlns:p14="http://schemas.microsoft.com/office/powerpoint/2010/main" val="1537699003"/>
       </p:ext>
     </p:extLst>
   </p:cSld>
   <p:clrMapOvr>
     <a:masterClrMapping/>
   </p:clrMapOvr>
+  <p:timing>
+    <p:tnLst>
+      <p:par>
+        <p:cTn id="1" dur="indefinite" restart="never" nodeType="tmRoot"/>
+      </p:par>
+    </p:tnLst>
+  </p:timing>
 </p:sld>
 </file>
 
@@ -5519,13 +5319,38 @@
           <a:chExt cx="0" cy="0"/>
         </a:xfrm>
       </p:grpSpPr>
+      <p:sp>
+        <p:nvSpPr>
+          <p:cNvPr id="2" name="Title 1"/>
+          <p:cNvSpPr>
+            <a:spLocks noGrp="1"/>
+          </p:cNvSpPr>
+          <p:nvPr>
+            <p:ph type="title"/>
+          </p:nvPr>
+        </p:nvSpPr>
+        <p:spPr/>
+        <p:txBody>
+          <a:bodyPr/>
+          <a:lstStyle/>
+          <a:p>
+            <a:r>
+              <a:rPr lang="de-DE" dirty="0" smtClean="0"/>
+              <a:t>Testfall</a:t>
+            </a:r>
+            <a:endParaRPr lang="de-DE" dirty="0"/>
+          </a:p>
+        </p:txBody>
+      </p:sp>
       <p:pic>
         <p:nvPicPr>
-          <p:cNvPr id="8" name="Content Placeholder 6"/>
+          <p:cNvPr id="4" name="Content Placeholder 3"/>
           <p:cNvPicPr>
-            <a:picLocks noChangeAspect="1"/>
+            <a:picLocks noGrp="1" noChangeAspect="1"/>
           </p:cNvPicPr>
-          <p:nvPr/>
+          <p:nvPr>
+            <p:ph idx="1"/>
+          </p:nvPr>
         </p:nvPicPr>
         <p:blipFill>
           <a:blip r:embed="rId2">
@@ -5541,43 +5366,14 @@
         </p:blipFill>
         <p:spPr>
           <a:xfrm>
-            <a:off x="539552" y="2132855"/>
-            <a:ext cx="8046156" cy="4525963"/>
-          </a:xfrm>
-          <a:prstGeom prst="rect">
-            <a:avLst/>
-          </a:prstGeom>
-          <a:ln>
-            <a:noFill/>
-          </a:ln>
+            <a:off x="1619672" y="2564904"/>
+            <a:ext cx="5906324" cy="4077269"/>
+          </a:xfrm>
         </p:spPr>
       </p:pic>
       <p:sp>
         <p:nvSpPr>
-          <p:cNvPr id="2" name="Title 1"/>
-          <p:cNvSpPr>
-            <a:spLocks noGrp="1"/>
-          </p:cNvSpPr>
-          <p:nvPr>
-            <p:ph type="title"/>
-          </p:nvPr>
-        </p:nvSpPr>
-        <p:spPr/>
-        <p:txBody>
-          <a:bodyPr/>
-          <a:lstStyle/>
-          <a:p>
-            <a:r>
-              <a:rPr lang="de-DE" dirty="0" smtClean="0"/>
-              <a:t>Testfall</a:t>
-            </a:r>
-            <a:endParaRPr lang="de-DE" dirty="0"/>
-          </a:p>
-        </p:txBody>
-      </p:sp>
-      <p:sp>
-        <p:nvSpPr>
-          <p:cNvPr id="4" name="TextBox 3"/>
+          <p:cNvPr id="5" name="TextBox 4"/>
           <p:cNvSpPr txBox="1"/>
           <p:nvPr/>
         </p:nvSpPr>
@@ -5603,7 +5399,7 @@
             </a:pPr>
             <a:r>
               <a:rPr lang="de-DE" sz="2400" dirty="0" smtClean="0"/>
-              <a:t>Upload starten</a:t>
+              <a:t>Datastream Daten angeben</a:t>
             </a:r>
             <a:endParaRPr lang="de-DE" sz="2400" dirty="0"/>
           </a:p>
@@ -5611,14 +5407,74 @@
       </p:sp>
       <p:sp>
         <p:nvSpPr>
-          <p:cNvPr id="9" name="Rectangle 8"/>
+          <p:cNvPr id="6" name="TextBox 5"/>
+          <p:cNvSpPr txBox="1"/>
+          <p:nvPr/>
+        </p:nvSpPr>
+        <p:spPr>
+          <a:xfrm>
+            <a:off x="3123573" y="2994902"/>
+            <a:ext cx="1800201" cy="307777"/>
+          </a:xfrm>
+          <a:prstGeom prst="rect">
+            <a:avLst/>
+          </a:prstGeom>
+          <a:noFill/>
+        </p:spPr>
+        <p:txBody>
+          <a:bodyPr wrap="square" rtlCol="0">
+            <a:spAutoFit/>
+          </a:bodyPr>
+          <a:lstStyle/>
+          <a:p>
+            <a:r>
+              <a:rPr lang="de-DE" sz="1400" dirty="0" smtClean="0"/>
+              <a:t>Test-Datastream</a:t>
+            </a:r>
+            <a:endParaRPr lang="de-DE" sz="1400" dirty="0"/>
+          </a:p>
+        </p:txBody>
+      </p:sp>
+      <p:sp>
+        <p:nvSpPr>
+          <p:cNvPr id="7" name="TextBox 6"/>
+          <p:cNvSpPr txBox="1"/>
+          <p:nvPr/>
+        </p:nvSpPr>
+        <p:spPr>
+          <a:xfrm>
+            <a:off x="3137829" y="3322671"/>
+            <a:ext cx="2448272" cy="307777"/>
+          </a:xfrm>
+          <a:prstGeom prst="rect">
+            <a:avLst/>
+          </a:prstGeom>
+          <a:noFill/>
+        </p:spPr>
+        <p:txBody>
+          <a:bodyPr wrap="square" rtlCol="0">
+            <a:spAutoFit/>
+          </a:bodyPr>
+          <a:lstStyle/>
+          <a:p>
+            <a:r>
+              <a:rPr lang="de-DE" sz="1400" dirty="0" smtClean="0"/>
+              <a:t>Test</a:t>
+            </a:r>
+            <a:endParaRPr lang="de-DE" sz="1400" dirty="0"/>
+          </a:p>
+        </p:txBody>
+      </p:sp>
+      <p:sp>
+        <p:nvSpPr>
+          <p:cNvPr id="8" name="Rectangle 7"/>
           <p:cNvSpPr/>
           <p:nvPr/>
         </p:nvSpPr>
         <p:spPr>
           <a:xfrm>
-            <a:off x="4181102" y="3409950"/>
-            <a:ext cx="822946" cy="86866"/>
+            <a:off x="3105228" y="3717032"/>
+            <a:ext cx="818700" cy="216024"/>
           </a:xfrm>
           <a:prstGeom prst="rect">
             <a:avLst/>
@@ -5627,7 +5483,9 @@
             <a:schemeClr val="bg1"/>
           </a:solidFill>
           <a:ln>
-            <a:noFill/>
+            <a:solidFill>
+              <a:schemeClr val="bg1"/>
+            </a:solidFill>
           </a:ln>
         </p:spPr>
         <p:style>
@@ -5657,14 +5515,14 @@
           <a:p>
             <a:pPr algn="ctr"/>
             <a:r>
-              <a:rPr lang="de-DE" sz="800" dirty="0" smtClean="0">
+              <a:rPr lang="de-DE" sz="1400" dirty="0" smtClean="0">
                 <a:solidFill>
                   <a:schemeClr val="tx1"/>
                 </a:solidFill>
               </a:rPr>
-              <a:t>Testfall Thing</a:t>
-            </a:r>
-            <a:endParaRPr lang="de-DE" sz="800" dirty="0">
+              <a:t>Integer</a:t>
+            </a:r>
+            <a:endParaRPr lang="de-DE" sz="1400" dirty="0">
               <a:solidFill>
                 <a:schemeClr val="tx1"/>
               </a:solidFill>
@@ -5674,14 +5532,14 @@
       </p:sp>
       <p:sp>
         <p:nvSpPr>
-          <p:cNvPr id="10" name="Rectangle 9"/>
+          <p:cNvPr id="9" name="Rectangle 8"/>
           <p:cNvSpPr/>
           <p:nvPr/>
         </p:nvSpPr>
         <p:spPr>
           <a:xfrm>
-            <a:off x="6732240" y="3409950"/>
-            <a:ext cx="576064" cy="86866"/>
+            <a:off x="3105228" y="4077072"/>
+            <a:ext cx="1106732" cy="216024"/>
           </a:xfrm>
           <a:prstGeom prst="rect">
             <a:avLst/>
@@ -5722,14 +5580,14 @@
           <a:p>
             <a:pPr algn="ctr"/>
             <a:r>
-              <a:rPr lang="de-DE" sz="900" dirty="0" smtClean="0">
+              <a:rPr lang="de-DE" sz="1400" dirty="0" smtClean="0">
                 <a:solidFill>
                   <a:schemeClr val="tx1"/>
                 </a:solidFill>
               </a:rPr>
-              <a:t>CET</a:t>
-            </a:r>
-            <a:endParaRPr lang="de-DE" sz="900" dirty="0">
+              <a:t>Tachometer</a:t>
+            </a:r>
+            <a:endParaRPr lang="de-DE" sz="1400" dirty="0">
               <a:solidFill>
                 <a:schemeClr val="tx1"/>
               </a:solidFill>
@@ -5739,14 +5597,14 @@
       </p:sp>
       <p:sp>
         <p:nvSpPr>
-          <p:cNvPr id="3" name="Rectangle 2"/>
+          <p:cNvPr id="10" name="Rectangle 9"/>
           <p:cNvSpPr/>
           <p:nvPr/>
         </p:nvSpPr>
         <p:spPr>
           <a:xfrm>
-            <a:off x="3059832" y="5445224"/>
-            <a:ext cx="792088" cy="216024"/>
+            <a:off x="6372200" y="5373216"/>
+            <a:ext cx="360040" cy="144016"/>
           </a:xfrm>
           <a:prstGeom prst="rect">
             <a:avLst/>
@@ -5792,14 +5650,14 @@
       </p:sp>
       <p:sp>
         <p:nvSpPr>
-          <p:cNvPr id="6" name="Rectangle 5"/>
+          <p:cNvPr id="11" name="Rectangle 10"/>
           <p:cNvSpPr/>
           <p:nvPr/>
         </p:nvSpPr>
         <p:spPr>
           <a:xfrm>
-            <a:off x="3455876" y="4869160"/>
-            <a:ext cx="1044116" cy="108000"/>
+            <a:off x="1835696" y="5373216"/>
+            <a:ext cx="1080120" cy="144016"/>
           </a:xfrm>
           <a:prstGeom prst="rect">
             <a:avLst/>
@@ -5840,14 +5698,14 @@
           <a:p>
             <a:pPr algn="ctr"/>
             <a:r>
-              <a:rPr lang="de-DE" sz="1000" dirty="0" smtClean="0">
+              <a:rPr lang="de-DE" sz="1400" dirty="0" smtClean="0">
                 <a:solidFill>
                   <a:schemeClr val="tx1"/>
                 </a:solidFill>
               </a:rPr>
-              <a:t>Test Datastream</a:t>
-            </a:r>
-            <a:endParaRPr lang="de-DE" sz="1000" dirty="0">
+              <a:t>Speed</a:t>
+            </a:r>
+            <a:endParaRPr lang="de-DE" sz="1400" dirty="0">
               <a:solidFill>
                 <a:schemeClr val="tx1"/>
               </a:solidFill>
@@ -5855,16 +5713,133 @@
           </a:p>
         </p:txBody>
       </p:sp>
-      <p:sp>
-        <p:nvSpPr>
-          <p:cNvPr id="7" name="Rectangle 6"/>
+    </p:spTree>
+    <p:extLst>
+      <p:ext uri="{BB962C8B-B14F-4D97-AF65-F5344CB8AC3E}">
+        <p14:creationId xmlns:p14="http://schemas.microsoft.com/office/powerpoint/2010/main" val="3419808928"/>
+      </p:ext>
+    </p:extLst>
+  </p:cSld>
+  <p:clrMapOvr>
+    <a:masterClrMapping/>
+  </p:clrMapOvr>
+</p:sld>
+</file>
+
+<file path=ppt/slides/slide18.xml><?xml version="1.0" encoding="utf-8"?>
+<p:sld xmlns:a="http://schemas.openxmlformats.org/drawingml/2006/main" xmlns:r="http://schemas.openxmlformats.org/officeDocument/2006/relationships" xmlns:p="http://schemas.openxmlformats.org/presentationml/2006/main">
+  <p:cSld>
+    <p:spTree>
+      <p:nvGrpSpPr>
+        <p:cNvPr id="1" name=""/>
+        <p:cNvGrpSpPr/>
+        <p:nvPr/>
+      </p:nvGrpSpPr>
+      <p:grpSpPr>
+        <a:xfrm>
+          <a:off x="0" y="0"/>
+          <a:ext cx="0" cy="0"/>
+          <a:chOff x="0" y="0"/>
+          <a:chExt cx="0" cy="0"/>
+        </a:xfrm>
+      </p:grpSpPr>
+      <p:pic>
+        <p:nvPicPr>
+          <p:cNvPr id="12" name="Content Placeholder 3"/>
+          <p:cNvPicPr>
+            <a:picLocks noChangeAspect="1"/>
+          </p:cNvPicPr>
+          <p:nvPr/>
+        </p:nvPicPr>
+        <p:blipFill>
+          <a:blip r:embed="rId3">
+            <a:extLst>
+              <a:ext uri="{28A0092B-C50C-407E-A947-70E740481C1C}">
+                <a14:useLocalDpi xmlns:a14="http://schemas.microsoft.com/office/drawing/2010/main" val="0"/>
+              </a:ext>
+            </a:extLst>
+          </a:blip>
+          <a:stretch>
+            <a:fillRect/>
+          </a:stretch>
+        </p:blipFill>
+        <p:spPr>
+          <a:xfrm>
+            <a:off x="539552" y="2120616"/>
+            <a:ext cx="8046156" cy="4525963"/>
+          </a:xfrm>
+          <a:prstGeom prst="rect">
+            <a:avLst/>
+          </a:prstGeom>
+        </p:spPr>
+      </p:pic>
+      <p:sp>
+        <p:nvSpPr>
+          <p:cNvPr id="2" name="Title 1"/>
+          <p:cNvSpPr>
+            <a:spLocks noGrp="1"/>
+          </p:cNvSpPr>
+          <p:nvPr>
+            <p:ph type="title"/>
+          </p:nvPr>
+        </p:nvSpPr>
+        <p:spPr/>
+        <p:txBody>
+          <a:bodyPr/>
+          <a:lstStyle/>
+          <a:p>
+            <a:r>
+              <a:rPr lang="de-DE" dirty="0" smtClean="0"/>
+              <a:t>Testfall</a:t>
+            </a:r>
+            <a:endParaRPr lang="de-DE" dirty="0"/>
+          </a:p>
+        </p:txBody>
+      </p:sp>
+      <p:sp>
+        <p:nvSpPr>
+          <p:cNvPr id="4" name="TextBox 3"/>
+          <p:cNvSpPr txBox="1"/>
+          <p:nvPr/>
+        </p:nvSpPr>
+        <p:spPr>
+          <a:xfrm>
+            <a:off x="539552" y="1484784"/>
+            <a:ext cx="4752528" cy="461665"/>
+          </a:xfrm>
+          <a:prstGeom prst="rect">
+            <a:avLst/>
+          </a:prstGeom>
+          <a:noFill/>
+        </p:spPr>
+        <p:txBody>
+          <a:bodyPr wrap="square" rtlCol="0">
+            <a:spAutoFit/>
+          </a:bodyPr>
+          <a:lstStyle/>
+          <a:p>
+            <a:pPr marL="342900" indent="-342900">
+              <a:buFont typeface="Arial" pitchFamily="34" charset="0"/>
+              <a:buChar char="•"/>
+            </a:pPr>
+            <a:r>
+              <a:rPr lang="de-DE" sz="2400" dirty="0" smtClean="0"/>
+              <a:t>Upload starten</a:t>
+            </a:r>
+            <a:endParaRPr lang="de-DE" sz="2400" dirty="0"/>
+          </a:p>
+        </p:txBody>
+      </p:sp>
+      <p:sp>
+        <p:nvSpPr>
+          <p:cNvPr id="9" name="Rectangle 8"/>
           <p:cNvSpPr/>
           <p:nvPr/>
         </p:nvSpPr>
         <p:spPr>
           <a:xfrm>
-            <a:off x="7452320" y="4653136"/>
-            <a:ext cx="144016" cy="72008"/>
+            <a:off x="4181102" y="3409950"/>
+            <a:ext cx="822946" cy="86866"/>
           </a:xfrm>
           <a:prstGeom prst="rect">
             <a:avLst/>
@@ -5873,9 +5848,7 @@
             <a:schemeClr val="bg1"/>
           </a:solidFill>
           <a:ln>
-            <a:solidFill>
-              <a:schemeClr val="bg1"/>
-            </a:solidFill>
+            <a:noFill/>
           </a:ln>
         </p:spPr>
         <p:style>
@@ -5904,6 +5877,254 @@
           <a:lstStyle/>
           <a:p>
             <a:pPr algn="ctr"/>
+            <a:r>
+              <a:rPr lang="de-DE" sz="800" dirty="0" smtClean="0">
+                <a:solidFill>
+                  <a:schemeClr val="tx1"/>
+                </a:solidFill>
+              </a:rPr>
+              <a:t>Testfall Thing</a:t>
+            </a:r>
+            <a:endParaRPr lang="de-DE" sz="800" dirty="0">
+              <a:solidFill>
+                <a:schemeClr val="tx1"/>
+              </a:solidFill>
+            </a:endParaRPr>
+          </a:p>
+        </p:txBody>
+      </p:sp>
+      <p:sp>
+        <p:nvSpPr>
+          <p:cNvPr id="10" name="Rectangle 9"/>
+          <p:cNvSpPr/>
+          <p:nvPr/>
+        </p:nvSpPr>
+        <p:spPr>
+          <a:xfrm>
+            <a:off x="6732240" y="3409950"/>
+            <a:ext cx="576064" cy="86866"/>
+          </a:xfrm>
+          <a:prstGeom prst="rect">
+            <a:avLst/>
+          </a:prstGeom>
+          <a:solidFill>
+            <a:schemeClr val="bg1"/>
+          </a:solidFill>
+          <a:ln>
+            <a:solidFill>
+              <a:schemeClr val="bg1"/>
+            </a:solidFill>
+          </a:ln>
+        </p:spPr>
+        <p:style>
+          <a:lnRef idx="2">
+            <a:schemeClr val="accent1">
+              <a:shade val="50000"/>
+            </a:schemeClr>
+          </a:lnRef>
+          <a:fillRef idx="1">
+            <a:schemeClr val="accent1"/>
+          </a:fillRef>
+          <a:effectRef idx="0">
+            <a:schemeClr val="accent1"/>
+          </a:effectRef>
+          <a:fontRef idx="minor">
+            <a:schemeClr val="lt1"/>
+          </a:fontRef>
+        </p:style>
+        <p:txBody>
+          <a:bodyPr rot="0" spcFirstLastPara="0" vertOverflow="overflow" horzOverflow="overflow" vert="horz" wrap="square" lIns="91440" tIns="45720" rIns="91440" bIns="45720" numCol="1" spcCol="0" rtlCol="0" fromWordArt="0" anchor="ctr" anchorCtr="0" forceAA="0" compatLnSpc="1">
+            <a:prstTxWarp prst="textNoShape">
+              <a:avLst/>
+            </a:prstTxWarp>
+            <a:noAutofit/>
+          </a:bodyPr>
+          <a:lstStyle/>
+          <a:p>
+            <a:pPr algn="ctr"/>
+            <a:r>
+              <a:rPr lang="de-DE" sz="900" dirty="0" smtClean="0">
+                <a:solidFill>
+                  <a:schemeClr val="tx1"/>
+                </a:solidFill>
+              </a:rPr>
+              <a:t>CET</a:t>
+            </a:r>
+            <a:endParaRPr lang="de-DE" sz="900" dirty="0">
+              <a:solidFill>
+                <a:schemeClr val="tx1"/>
+              </a:solidFill>
+            </a:endParaRPr>
+          </a:p>
+        </p:txBody>
+      </p:sp>
+      <p:sp>
+        <p:nvSpPr>
+          <p:cNvPr id="3" name="Rectangle 2"/>
+          <p:cNvSpPr/>
+          <p:nvPr/>
+        </p:nvSpPr>
+        <p:spPr>
+          <a:xfrm>
+            <a:off x="3059832" y="5445224"/>
+            <a:ext cx="792088" cy="216024"/>
+          </a:xfrm>
+          <a:prstGeom prst="rect">
+            <a:avLst/>
+          </a:prstGeom>
+          <a:solidFill>
+            <a:schemeClr val="bg1"/>
+          </a:solidFill>
+          <a:ln>
+            <a:solidFill>
+              <a:schemeClr val="bg1"/>
+            </a:solidFill>
+          </a:ln>
+        </p:spPr>
+        <p:style>
+          <a:lnRef idx="2">
+            <a:schemeClr val="accent1">
+              <a:shade val="50000"/>
+            </a:schemeClr>
+          </a:lnRef>
+          <a:fillRef idx="1">
+            <a:schemeClr val="accent1"/>
+          </a:fillRef>
+          <a:effectRef idx="0">
+            <a:schemeClr val="accent1"/>
+          </a:effectRef>
+          <a:fontRef idx="minor">
+            <a:schemeClr val="lt1"/>
+          </a:fontRef>
+        </p:style>
+        <p:txBody>
+          <a:bodyPr rot="0" spcFirstLastPara="0" vertOverflow="overflow" horzOverflow="overflow" vert="horz" wrap="square" lIns="91440" tIns="45720" rIns="91440" bIns="45720" numCol="1" spcCol="0" rtlCol="0" fromWordArt="0" anchor="ctr" anchorCtr="0" forceAA="0" compatLnSpc="1">
+            <a:prstTxWarp prst="textNoShape">
+              <a:avLst/>
+            </a:prstTxWarp>
+            <a:noAutofit/>
+          </a:bodyPr>
+          <a:lstStyle/>
+          <a:p>
+            <a:pPr algn="ctr"/>
+            <a:endParaRPr lang="de-DE"/>
+          </a:p>
+        </p:txBody>
+      </p:sp>
+      <p:sp>
+        <p:nvSpPr>
+          <p:cNvPr id="6" name="Rectangle 5"/>
+          <p:cNvSpPr/>
+          <p:nvPr/>
+        </p:nvSpPr>
+        <p:spPr>
+          <a:xfrm>
+            <a:off x="3455876" y="4869160"/>
+            <a:ext cx="1044116" cy="108000"/>
+          </a:xfrm>
+          <a:prstGeom prst="rect">
+            <a:avLst/>
+          </a:prstGeom>
+          <a:solidFill>
+            <a:schemeClr val="bg1"/>
+          </a:solidFill>
+          <a:ln>
+            <a:solidFill>
+              <a:schemeClr val="bg1"/>
+            </a:solidFill>
+          </a:ln>
+        </p:spPr>
+        <p:style>
+          <a:lnRef idx="2">
+            <a:schemeClr val="accent1">
+              <a:shade val="50000"/>
+            </a:schemeClr>
+          </a:lnRef>
+          <a:fillRef idx="1">
+            <a:schemeClr val="accent1"/>
+          </a:fillRef>
+          <a:effectRef idx="0">
+            <a:schemeClr val="accent1"/>
+          </a:effectRef>
+          <a:fontRef idx="minor">
+            <a:schemeClr val="lt1"/>
+          </a:fontRef>
+        </p:style>
+        <p:txBody>
+          <a:bodyPr rot="0" spcFirstLastPara="0" vertOverflow="overflow" horzOverflow="overflow" vert="horz" wrap="square" lIns="91440" tIns="45720" rIns="91440" bIns="45720" numCol="1" spcCol="0" rtlCol="0" fromWordArt="0" anchor="ctr" anchorCtr="0" forceAA="0" compatLnSpc="1">
+            <a:prstTxWarp prst="textNoShape">
+              <a:avLst/>
+            </a:prstTxWarp>
+            <a:noAutofit/>
+          </a:bodyPr>
+          <a:lstStyle/>
+          <a:p>
+            <a:pPr algn="ctr"/>
+            <a:r>
+              <a:rPr lang="de-DE" sz="1000" dirty="0" smtClean="0">
+                <a:solidFill>
+                  <a:schemeClr val="tx1"/>
+                </a:solidFill>
+              </a:rPr>
+              <a:t>Test Datastream</a:t>
+            </a:r>
+            <a:endParaRPr lang="de-DE" sz="1000" dirty="0">
+              <a:solidFill>
+                <a:schemeClr val="tx1"/>
+              </a:solidFill>
+            </a:endParaRPr>
+          </a:p>
+        </p:txBody>
+      </p:sp>
+      <p:sp>
+        <p:nvSpPr>
+          <p:cNvPr id="7" name="Rectangle 6"/>
+          <p:cNvSpPr/>
+          <p:nvPr/>
+        </p:nvSpPr>
+        <p:spPr>
+          <a:xfrm>
+            <a:off x="7452320" y="4653136"/>
+            <a:ext cx="144016" cy="72008"/>
+          </a:xfrm>
+          <a:prstGeom prst="rect">
+            <a:avLst/>
+          </a:prstGeom>
+          <a:solidFill>
+            <a:schemeClr val="bg1"/>
+          </a:solidFill>
+          <a:ln>
+            <a:solidFill>
+              <a:schemeClr val="bg1"/>
+            </a:solidFill>
+          </a:ln>
+        </p:spPr>
+        <p:style>
+          <a:lnRef idx="2">
+            <a:schemeClr val="accent1">
+              <a:shade val="50000"/>
+            </a:schemeClr>
+          </a:lnRef>
+          <a:fillRef idx="1">
+            <a:schemeClr val="accent1"/>
+          </a:fillRef>
+          <a:effectRef idx="0">
+            <a:schemeClr val="accent1"/>
+          </a:effectRef>
+          <a:fontRef idx="minor">
+            <a:schemeClr val="lt1"/>
+          </a:fontRef>
+        </p:style>
+        <p:txBody>
+          <a:bodyPr rot="0" spcFirstLastPara="0" vertOverflow="overflow" horzOverflow="overflow" vert="horz" wrap="square" lIns="91440" tIns="45720" rIns="91440" bIns="45720" numCol="1" spcCol="0" rtlCol="0" fromWordArt="0" anchor="ctr" anchorCtr="0" forceAA="0" compatLnSpc="1">
+            <a:prstTxWarp prst="textNoShape">
+              <a:avLst/>
+            </a:prstTxWarp>
+            <a:noAutofit/>
+          </a:bodyPr>
+          <a:lstStyle/>
+          <a:p>
+            <a:pPr algn="ctr"/>
             <a:endParaRPr lang="de-DE"/>
           </a:p>
         </p:txBody>
@@ -5916,8 +6137,8 @@
         </p:nvSpPr>
         <p:spPr>
           <a:xfrm>
-            <a:off x="7740352" y="6309320"/>
-            <a:ext cx="684008" cy="180000"/>
+            <a:off x="7596336" y="6309320"/>
+            <a:ext cx="828024" cy="180000"/>
           </a:xfrm>
           <a:prstGeom prst="rect">
             <a:avLst/>
@@ -6044,11 +6265,7 @@
           <a:p>
             <a:r>
               <a:rPr lang="de-DE" sz="2800" dirty="0" smtClean="0"/>
-              <a:t>Daten entsprechen nicht zwangsweise dem SensorThings Standard und müssen konvertiert </a:t>
-            </a:r>
-            <a:r>
-              <a:rPr lang="de-DE" sz="2800" dirty="0" smtClean="0"/>
-              <a:t>werden</a:t>
+              <a:t>Daten entsprechen nicht zwangsweise dem SensorThings Standard und müssen konvertiert werden</a:t>
             </a:r>
           </a:p>
           <a:p>
@@ -6056,16 +6273,11 @@
               <a:rPr lang="de-DE" sz="2800" dirty="0" smtClean="0"/>
               <a:t>Wird überall genutzt wo Sensordaten gesammelt werden</a:t>
             </a:r>
-            <a:endParaRPr lang="de-DE" sz="2800" dirty="0" smtClean="0"/>
           </a:p>
           <a:p>
             <a:r>
               <a:rPr lang="de-DE" sz="2800" dirty="0" smtClean="0"/>
-              <a:t>Priorität </a:t>
-            </a:r>
-            <a:r>
-              <a:rPr lang="de-DE" sz="2800" dirty="0" smtClean="0"/>
-              <a:t>: Benutzbarkeit, Software soll vor allem leicht zu bedienen sein, selbst ohne technisches Vorwissen</a:t>
+              <a:t>Priorität : Benutzbarkeit, Software soll vor allem leicht zu bedienen sein, selbst ohne technisches Vorwissen</a:t>
             </a:r>
             <a:endParaRPr lang="de-DE" sz="2800" dirty="0"/>
           </a:p>
@@ -6272,7 +6484,7 @@
       </p:sp>
       <p:pic>
         <p:nvPicPr>
-          <p:cNvPr id="7" name="Content Placeholder 6"/>
+          <p:cNvPr id="4" name="Content Placeholder 3"/>
           <p:cNvPicPr>
             <a:picLocks noGrp="1" noChangeAspect="1"/>
           </p:cNvPicPr>
@@ -6336,38 +6548,13 @@
           <a:chExt cx="0" cy="0"/>
         </a:xfrm>
       </p:grpSpPr>
-      <p:sp>
-        <p:nvSpPr>
-          <p:cNvPr id="2" name="Title 1"/>
-          <p:cNvSpPr>
-            <a:spLocks noGrp="1"/>
-          </p:cNvSpPr>
-          <p:nvPr>
-            <p:ph type="title"/>
-          </p:nvPr>
-        </p:nvSpPr>
-        <p:spPr/>
-        <p:txBody>
-          <a:bodyPr/>
-          <a:lstStyle/>
-          <a:p>
-            <a:r>
-              <a:rPr lang="de-DE" dirty="0" smtClean="0"/>
-              <a:t>Gui Übersicht</a:t>
-            </a:r>
-            <a:endParaRPr lang="de-DE" dirty="0"/>
-          </a:p>
-        </p:txBody>
-      </p:sp>
       <p:pic>
         <p:nvPicPr>
-          <p:cNvPr id="7" name="Content Placeholder 6"/>
+          <p:cNvPr id="6" name="Content Placeholder 3"/>
           <p:cNvPicPr>
-            <a:picLocks noGrp="1" noChangeAspect="1"/>
+            <a:picLocks noChangeAspect="1"/>
           </p:cNvPicPr>
-          <p:nvPr>
-            <p:ph idx="1"/>
-          </p:nvPr>
+          <p:nvPr/>
         </p:nvPicPr>
         <p:blipFill>
           <a:blip r:embed="rId2">
@@ -6386,8 +6573,34 @@
             <a:off x="548922" y="1600200"/>
             <a:ext cx="8046156" cy="4525963"/>
           </a:xfrm>
+          <a:prstGeom prst="rect">
+            <a:avLst/>
+          </a:prstGeom>
         </p:spPr>
       </p:pic>
+      <p:sp>
+        <p:nvSpPr>
+          <p:cNvPr id="2" name="Title 1"/>
+          <p:cNvSpPr>
+            <a:spLocks noGrp="1"/>
+          </p:cNvSpPr>
+          <p:nvPr>
+            <p:ph type="title"/>
+          </p:nvPr>
+        </p:nvSpPr>
+        <p:spPr/>
+        <p:txBody>
+          <a:bodyPr/>
+          <a:lstStyle/>
+          <a:p>
+            <a:r>
+              <a:rPr lang="de-DE" dirty="0" smtClean="0"/>
+              <a:t>Gui Übersicht</a:t>
+            </a:r>
+            <a:endParaRPr lang="de-DE" dirty="0"/>
+          </a:p>
+        </p:txBody>
+      </p:sp>
       <p:sp>
         <p:nvSpPr>
           <p:cNvPr id="3" name="Rectangle 2"/>
@@ -6471,38 +6684,13 @@
           <a:chExt cx="0" cy="0"/>
         </a:xfrm>
       </p:grpSpPr>
-      <p:sp>
-        <p:nvSpPr>
-          <p:cNvPr id="2" name="Title 1"/>
-          <p:cNvSpPr>
-            <a:spLocks noGrp="1"/>
-          </p:cNvSpPr>
-          <p:nvPr>
-            <p:ph type="title"/>
-          </p:nvPr>
-        </p:nvSpPr>
-        <p:spPr/>
-        <p:txBody>
-          <a:bodyPr/>
-          <a:lstStyle/>
-          <a:p>
-            <a:r>
-              <a:rPr lang="de-DE" dirty="0" smtClean="0"/>
-              <a:t>Gui Übersicht</a:t>
-            </a:r>
-            <a:endParaRPr lang="de-DE" dirty="0"/>
-          </a:p>
-        </p:txBody>
-      </p:sp>
       <p:pic>
         <p:nvPicPr>
-          <p:cNvPr id="7" name="Content Placeholder 6"/>
+          <p:cNvPr id="6" name="Content Placeholder 3"/>
           <p:cNvPicPr>
-            <a:picLocks noGrp="1" noChangeAspect="1"/>
+            <a:picLocks noChangeAspect="1"/>
           </p:cNvPicPr>
-          <p:nvPr>
-            <p:ph idx="1"/>
-          </p:nvPr>
+          <p:nvPr/>
         </p:nvPicPr>
         <p:blipFill>
           <a:blip r:embed="rId2">
@@ -6521,8 +6709,34 @@
             <a:off x="548922" y="1600200"/>
             <a:ext cx="8046156" cy="4525963"/>
           </a:xfrm>
+          <a:prstGeom prst="rect">
+            <a:avLst/>
+          </a:prstGeom>
         </p:spPr>
       </p:pic>
+      <p:sp>
+        <p:nvSpPr>
+          <p:cNvPr id="2" name="Title 1"/>
+          <p:cNvSpPr>
+            <a:spLocks noGrp="1"/>
+          </p:cNvSpPr>
+          <p:nvPr>
+            <p:ph type="title"/>
+          </p:nvPr>
+        </p:nvSpPr>
+        <p:spPr/>
+        <p:txBody>
+          <a:bodyPr/>
+          <a:lstStyle/>
+          <a:p>
+            <a:r>
+              <a:rPr lang="de-DE" dirty="0" smtClean="0"/>
+              <a:t>Gui Übersicht</a:t>
+            </a:r>
+            <a:endParaRPr lang="de-DE" dirty="0"/>
+          </a:p>
+        </p:txBody>
+      </p:sp>
       <p:sp>
         <p:nvSpPr>
           <p:cNvPr id="3" name="Rectangle 2"/>
@@ -6606,38 +6820,13 @@
           <a:chExt cx="0" cy="0"/>
         </a:xfrm>
       </p:grpSpPr>
-      <p:sp>
-        <p:nvSpPr>
-          <p:cNvPr id="2" name="Title 1"/>
-          <p:cNvSpPr>
-            <a:spLocks noGrp="1"/>
-          </p:cNvSpPr>
-          <p:nvPr>
-            <p:ph type="title"/>
-          </p:nvPr>
-        </p:nvSpPr>
-        <p:spPr/>
-        <p:txBody>
-          <a:bodyPr/>
-          <a:lstStyle/>
-          <a:p>
-            <a:r>
-              <a:rPr lang="de-DE" dirty="0" smtClean="0"/>
-              <a:t>Gui Übersicht</a:t>
-            </a:r>
-            <a:endParaRPr lang="de-DE" dirty="0"/>
-          </a:p>
-        </p:txBody>
-      </p:sp>
       <p:pic>
         <p:nvPicPr>
-          <p:cNvPr id="7" name="Content Placeholder 6"/>
+          <p:cNvPr id="6" name="Content Placeholder 3"/>
           <p:cNvPicPr>
-            <a:picLocks noGrp="1" noChangeAspect="1"/>
+            <a:picLocks noChangeAspect="1"/>
           </p:cNvPicPr>
-          <p:nvPr>
-            <p:ph idx="1"/>
-          </p:nvPr>
+          <p:nvPr/>
         </p:nvPicPr>
         <p:blipFill>
           <a:blip r:embed="rId2">
@@ -6656,8 +6845,34 @@
             <a:off x="548922" y="1600200"/>
             <a:ext cx="8046156" cy="4525963"/>
           </a:xfrm>
+          <a:prstGeom prst="rect">
+            <a:avLst/>
+          </a:prstGeom>
         </p:spPr>
       </p:pic>
+      <p:sp>
+        <p:nvSpPr>
+          <p:cNvPr id="2" name="Title 1"/>
+          <p:cNvSpPr>
+            <a:spLocks noGrp="1"/>
+          </p:cNvSpPr>
+          <p:nvPr>
+            <p:ph type="title"/>
+          </p:nvPr>
+        </p:nvSpPr>
+        <p:spPr/>
+        <p:txBody>
+          <a:bodyPr/>
+          <a:lstStyle/>
+          <a:p>
+            <a:r>
+              <a:rPr lang="de-DE" dirty="0" smtClean="0"/>
+              <a:t>Gui Übersicht</a:t>
+            </a:r>
+            <a:endParaRPr lang="de-DE" dirty="0"/>
+          </a:p>
+        </p:txBody>
+      </p:sp>
       <p:sp>
         <p:nvSpPr>
           <p:cNvPr id="3" name="Rectangle 2"/>
@@ -6741,32 +6956,9 @@
           <a:chExt cx="0" cy="0"/>
         </a:xfrm>
       </p:grpSpPr>
-      <p:sp>
-        <p:nvSpPr>
-          <p:cNvPr id="2" name="Title 1"/>
-          <p:cNvSpPr>
-            <a:spLocks noGrp="1"/>
-          </p:cNvSpPr>
-          <p:nvPr>
-            <p:ph type="title"/>
-          </p:nvPr>
-        </p:nvSpPr>
-        <p:spPr/>
-        <p:txBody>
-          <a:bodyPr/>
-          <a:lstStyle/>
-          <a:p>
-            <a:r>
-              <a:rPr lang="de-DE" dirty="0" smtClean="0"/>
-              <a:t>Gui Übersicht</a:t>
-            </a:r>
-            <a:endParaRPr lang="de-DE" dirty="0"/>
-          </a:p>
-        </p:txBody>
-      </p:sp>
       <p:pic>
         <p:nvPicPr>
-          <p:cNvPr id="7" name="Content Placeholder 6"/>
+          <p:cNvPr id="6" name="Content Placeholder 3"/>
           <p:cNvPicPr>
             <a:picLocks noGrp="1" noChangeAspect="1"/>
           </p:cNvPicPr>
@@ -6791,11 +6983,31 @@
             <a:off x="548922" y="1600200"/>
             <a:ext cx="8046156" cy="4525963"/>
           </a:xfrm>
-          <a:ln>
-            <a:noFill/>
-          </a:ln>
         </p:spPr>
       </p:pic>
+      <p:sp>
+        <p:nvSpPr>
+          <p:cNvPr id="2" name="Title 1"/>
+          <p:cNvSpPr>
+            <a:spLocks noGrp="1"/>
+          </p:cNvSpPr>
+          <p:nvPr>
+            <p:ph type="title"/>
+          </p:nvPr>
+        </p:nvSpPr>
+        <p:spPr/>
+        <p:txBody>
+          <a:bodyPr/>
+          <a:lstStyle/>
+          <a:p>
+            <a:r>
+              <a:rPr lang="de-DE" dirty="0" smtClean="0"/>
+              <a:t>Gui Übersicht</a:t>
+            </a:r>
+            <a:endParaRPr lang="de-DE" dirty="0"/>
+          </a:p>
+        </p:txBody>
+      </p:sp>
       <p:sp>
         <p:nvSpPr>
           <p:cNvPr id="3" name="Rectangle 2"/>
@@ -6879,38 +7091,13 @@
           <a:chExt cx="0" cy="0"/>
         </a:xfrm>
       </p:grpSpPr>
-      <p:sp>
-        <p:nvSpPr>
-          <p:cNvPr id="2" name="Title 1"/>
-          <p:cNvSpPr>
-            <a:spLocks noGrp="1"/>
-          </p:cNvSpPr>
-          <p:nvPr>
-            <p:ph type="title"/>
-          </p:nvPr>
-        </p:nvSpPr>
-        <p:spPr/>
-        <p:txBody>
-          <a:bodyPr/>
-          <a:lstStyle/>
-          <a:p>
-            <a:r>
-              <a:rPr lang="de-DE" dirty="0" smtClean="0"/>
-              <a:t>Gui Übersicht</a:t>
-            </a:r>
-            <a:endParaRPr lang="de-DE" dirty="0"/>
-          </a:p>
-        </p:txBody>
-      </p:sp>
       <p:pic>
         <p:nvPicPr>
-          <p:cNvPr id="7" name="Content Placeholder 6"/>
+          <p:cNvPr id="6" name="Content Placeholder 3"/>
           <p:cNvPicPr>
-            <a:picLocks noGrp="1" noChangeAspect="1"/>
+            <a:picLocks noChangeAspect="1"/>
           </p:cNvPicPr>
-          <p:nvPr>
-            <p:ph idx="1"/>
-          </p:nvPr>
+          <p:nvPr/>
         </p:nvPicPr>
         <p:blipFill>
           <a:blip r:embed="rId2">
@@ -6929,8 +7116,34 @@
             <a:off x="548922" y="1600200"/>
             <a:ext cx="8046156" cy="4525963"/>
           </a:xfrm>
+          <a:prstGeom prst="rect">
+            <a:avLst/>
+          </a:prstGeom>
         </p:spPr>
       </p:pic>
+      <p:sp>
+        <p:nvSpPr>
+          <p:cNvPr id="2" name="Title 1"/>
+          <p:cNvSpPr>
+            <a:spLocks noGrp="1"/>
+          </p:cNvSpPr>
+          <p:nvPr>
+            <p:ph type="title"/>
+          </p:nvPr>
+        </p:nvSpPr>
+        <p:spPr/>
+        <p:txBody>
+          <a:bodyPr/>
+          <a:lstStyle/>
+          <a:p>
+            <a:r>
+              <a:rPr lang="de-DE" dirty="0" smtClean="0"/>
+              <a:t>Gui Übersicht</a:t>
+            </a:r>
+            <a:endParaRPr lang="de-DE" dirty="0"/>
+          </a:p>
+        </p:txBody>
+      </p:sp>
       <p:sp>
         <p:nvSpPr>
           <p:cNvPr id="3" name="Rectangle 2"/>
